--- a/Apresentacoes/Redes Neurais Convolucionais.pptx
+++ b/Apresentacoes/Redes Neurais Convolucionais.pptx
@@ -5,28 +5,27 @@
     <p:sldMasterId id="2147483684" r:id="rId2"/>
   </p:sldMasterIdLst>
   <p:notesMasterIdLst>
-    <p:notesMasterId r:id="rId19"/>
+    <p:notesMasterId r:id="rId18"/>
   </p:notesMasterIdLst>
   <p:handoutMasterIdLst>
-    <p:handoutMasterId r:id="rId20"/>
+    <p:handoutMasterId r:id="rId19"/>
   </p:handoutMasterIdLst>
   <p:sldIdLst>
     <p:sldId id="275" r:id="rId3"/>
     <p:sldId id="276" r:id="rId4"/>
     <p:sldId id="277" r:id="rId5"/>
-    <p:sldId id="278" r:id="rId6"/>
-    <p:sldId id="281" r:id="rId7"/>
-    <p:sldId id="279" r:id="rId8"/>
-    <p:sldId id="280" r:id="rId9"/>
-    <p:sldId id="274" r:id="rId10"/>
-    <p:sldId id="282" r:id="rId11"/>
-    <p:sldId id="267" r:id="rId12"/>
-    <p:sldId id="283" r:id="rId13"/>
-    <p:sldId id="284" r:id="rId14"/>
-    <p:sldId id="285" r:id="rId15"/>
-    <p:sldId id="286" r:id="rId16"/>
-    <p:sldId id="272" r:id="rId17"/>
-    <p:sldId id="273" r:id="rId18"/>
+    <p:sldId id="287" r:id="rId6"/>
+    <p:sldId id="278" r:id="rId7"/>
+    <p:sldId id="280" r:id="rId8"/>
+    <p:sldId id="274" r:id="rId9"/>
+    <p:sldId id="282" r:id="rId10"/>
+    <p:sldId id="267" r:id="rId11"/>
+    <p:sldId id="283" r:id="rId12"/>
+    <p:sldId id="284" r:id="rId13"/>
+    <p:sldId id="285" r:id="rId14"/>
+    <p:sldId id="286" r:id="rId15"/>
+    <p:sldId id="272" r:id="rId16"/>
+    <p:sldId id="273" r:id="rId17"/>
   </p:sldIdLst>
   <p:sldSz cx="12192000" cy="6858000"/>
   <p:notesSz cx="6858000" cy="9144000"/>
@@ -5397,7 +5396,7 @@
           <a:p>
             <a:fld id="{32674CE4-FBD8-4481-AEFB-CA53E599A745}" type="slidenum">
               <a:rPr lang="en-US" smtClean="0"/>
-              <a:t>8</a:t>
+              <a:t>7</a:t>
             </a:fld>
             <a:endParaRPr lang="en-US"/>
           </a:p>
@@ -6150,18 +6149,9 @@
   <p:clrMapOvr>
     <a:masterClrMapping/>
   </p:clrMapOvr>
-  <mc:AlternateContent xmlns:mc="http://schemas.openxmlformats.org/markup-compatibility/2006" xmlns:p14="http://schemas.microsoft.com/office/powerpoint/2010/main">
-    <mc:Choice Requires="p14">
-      <p:transition spd="med" p14:dur="700">
-        <p:fade/>
-      </p:transition>
-    </mc:Choice>
-    <mc:Fallback xmlns="">
-      <p:transition spd="med">
-        <p:fade/>
-      </p:transition>
-    </mc:Fallback>
-  </mc:AlternateContent>
+  <p:transition spd="slow">
+    <p:fade/>
+  </p:transition>
 </p:sldLayout>
 </file>
 
@@ -6332,18 +6322,9 @@
   <p:clrMapOvr>
     <a:masterClrMapping/>
   </p:clrMapOvr>
-  <mc:AlternateContent xmlns:mc="http://schemas.openxmlformats.org/markup-compatibility/2006" xmlns:p14="http://schemas.microsoft.com/office/powerpoint/2010/main">
-    <mc:Choice Requires="p14">
-      <p:transition spd="med" p14:dur="700">
-        <p:fade/>
-      </p:transition>
-    </mc:Choice>
-    <mc:Fallback xmlns="">
-      <p:transition spd="med">
-        <p:fade/>
-      </p:transition>
-    </mc:Fallback>
-  </mc:AlternateContent>
+  <p:transition spd="slow">
+    <p:fade/>
+  </p:transition>
 </p:sldLayout>
 </file>
 
@@ -6524,18 +6505,9 @@
   <p:clrMapOvr>
     <a:masterClrMapping/>
   </p:clrMapOvr>
-  <mc:AlternateContent xmlns:mc="http://schemas.openxmlformats.org/markup-compatibility/2006" xmlns:p14="http://schemas.microsoft.com/office/powerpoint/2010/main">
-    <mc:Choice Requires="p14">
-      <p:transition spd="med" p14:dur="700">
-        <p:fade/>
-      </p:transition>
-    </mc:Choice>
-    <mc:Fallback xmlns="">
-      <p:transition spd="med">
-        <p:fade/>
-      </p:transition>
-    </mc:Fallback>
-  </mc:AlternateContent>
+  <p:transition spd="slow">
+    <p:fade/>
+  </p:transition>
 </p:sldLayout>
 </file>
 
@@ -6706,18 +6678,9 @@
   <p:clrMapOvr>
     <a:masterClrMapping/>
   </p:clrMapOvr>
-  <mc:AlternateContent xmlns:mc="http://schemas.openxmlformats.org/markup-compatibility/2006" xmlns:p14="http://schemas.microsoft.com/office/powerpoint/2010/main">
-    <mc:Choice Requires="p14">
-      <p:transition spd="med" p14:dur="700">
-        <p:fade/>
-      </p:transition>
-    </mc:Choice>
-    <mc:Fallback xmlns="">
-      <p:transition spd="med">
-        <p:fade/>
-      </p:transition>
-    </mc:Fallback>
-  </mc:AlternateContent>
+  <p:transition spd="slow">
+    <p:fade/>
+  </p:transition>
 </p:sldLayout>
 </file>
 
@@ -6938,18 +6901,9 @@
   <p:clrMapOvr>
     <a:masterClrMapping/>
   </p:clrMapOvr>
-  <mc:AlternateContent xmlns:mc="http://schemas.openxmlformats.org/markup-compatibility/2006" xmlns:p14="http://schemas.microsoft.com/office/powerpoint/2010/main">
-    <mc:Choice Requires="p14">
-      <p:transition spd="med" p14:dur="700">
-        <p:fade/>
-      </p:transition>
-    </mc:Choice>
-    <mc:Fallback xmlns="">
-      <p:transition spd="med">
-        <p:fade/>
-      </p:transition>
-    </mc:Fallback>
-  </mc:AlternateContent>
+  <p:transition spd="slow">
+    <p:fade/>
+  </p:transition>
 </p:sldLayout>
 </file>
 
@@ -7214,19 +7168,10 @@
   <p:clrMapOvr>
     <a:masterClrMapping/>
   </p:clrMapOvr>
-  <mc:AlternateContent xmlns:mc="http://schemas.openxmlformats.org/markup-compatibility/2006" xmlns:p14="http://schemas.microsoft.com/office/powerpoint/2010/main">
-    <mc:Choice Requires="p14">
-      <p:transition spd="med" p14:dur="700">
-        <p:fade/>
-      </p:transition>
-    </mc:Choice>
-    <mc:Fallback xmlns="">
-      <p:transition spd="med">
-        <p:fade/>
-      </p:transition>
-    </mc:Fallback>
-  </mc:AlternateContent>
-  <p:extLst>
+  <p:transition spd="slow">
+    <p:fade/>
+  </p:transition>
+  <p:extLst mod="1">
     <p:ext uri="{DCECCB84-F9BA-43D5-87BE-67443E8EF086}">
       <p15:sldGuideLst xmlns:p15="http://schemas.microsoft.com/office/powerpoint/2012/main">
         <p15:guide id="1" orient="horz" pos="2160" userDrawn="1">
@@ -7653,18 +7598,9 @@
   <p:clrMapOvr>
     <a:masterClrMapping/>
   </p:clrMapOvr>
-  <mc:AlternateContent xmlns:mc="http://schemas.openxmlformats.org/markup-compatibility/2006" xmlns:p14="http://schemas.microsoft.com/office/powerpoint/2010/main">
-    <mc:Choice Requires="p14">
-      <p:transition spd="med" p14:dur="700">
-        <p:fade/>
-      </p:transition>
-    </mc:Choice>
-    <mc:Fallback xmlns="">
-      <p:transition spd="med">
-        <p:fade/>
-      </p:transition>
-    </mc:Fallback>
-  </mc:AlternateContent>
+  <p:transition spd="slow">
+    <p:fade/>
+  </p:transition>
 </p:sldLayout>
 </file>
 
@@ -7811,18 +7747,9 @@
   <p:clrMapOvr>
     <a:masterClrMapping/>
   </p:clrMapOvr>
-  <mc:AlternateContent xmlns:mc="http://schemas.openxmlformats.org/markup-compatibility/2006" xmlns:p14="http://schemas.microsoft.com/office/powerpoint/2010/main">
-    <mc:Choice Requires="p14">
-      <p:transition spd="med" p14:dur="700">
-        <p:fade/>
-      </p:transition>
-    </mc:Choice>
-    <mc:Fallback xmlns="">
-      <p:transition spd="med">
-        <p:fade/>
-      </p:transition>
-    </mc:Fallback>
-  </mc:AlternateContent>
+  <p:transition spd="slow">
+    <p:fade/>
+  </p:transition>
 </p:sldLayout>
 </file>
 
@@ -7918,18 +7845,9 @@
   <p:clrMapOvr>
     <a:masterClrMapping/>
   </p:clrMapOvr>
-  <mc:AlternateContent xmlns:mc="http://schemas.openxmlformats.org/markup-compatibility/2006" xmlns:p14="http://schemas.microsoft.com/office/powerpoint/2010/main">
-    <mc:Choice Requires="p14">
-      <p:transition spd="med" p14:dur="700">
-        <p:fade/>
-      </p:transition>
-    </mc:Choice>
-    <mc:Fallback xmlns="">
-      <p:transition spd="med">
-        <p:fade/>
-      </p:transition>
-    </mc:Fallback>
-  </mc:AlternateContent>
+  <p:transition spd="slow">
+    <p:fade/>
+  </p:transition>
 </p:sldLayout>
 </file>
 
@@ -8180,18 +8098,9 @@
   <p:clrMapOvr>
     <a:masterClrMapping/>
   </p:clrMapOvr>
-  <mc:AlternateContent xmlns:mc="http://schemas.openxmlformats.org/markup-compatibility/2006" xmlns:p14="http://schemas.microsoft.com/office/powerpoint/2010/main">
-    <mc:Choice Requires="p14">
-      <p:transition spd="med" p14:dur="700">
-        <p:fade/>
-      </p:transition>
-    </mc:Choice>
-    <mc:Fallback xmlns="">
-      <p:transition spd="med">
-        <p:fade/>
-      </p:transition>
-    </mc:Fallback>
-  </mc:AlternateContent>
+  <p:transition spd="slow">
+    <p:fade/>
+  </p:transition>
 </p:sldLayout>
 </file>
 
@@ -8441,18 +8350,9 @@
   <p:clrMapOvr>
     <a:masterClrMapping/>
   </p:clrMapOvr>
-  <mc:AlternateContent xmlns:mc="http://schemas.openxmlformats.org/markup-compatibility/2006" xmlns:p14="http://schemas.microsoft.com/office/powerpoint/2010/main">
-    <mc:Choice Requires="p14">
-      <p:transition spd="med" p14:dur="700">
-        <p:fade/>
-      </p:transition>
-    </mc:Choice>
-    <mc:Fallback xmlns="">
-      <p:transition spd="med">
-        <p:fade/>
-      </p:transition>
-    </mc:Fallback>
-  </mc:AlternateContent>
+  <p:transition spd="slow">
+    <p:fade/>
+  </p:transition>
 </p:sldLayout>
 </file>
 
@@ -9325,18 +9225,9 @@
     <p:sldLayoutId id="2147483694" r:id="rId10"/>
     <p:sldLayoutId id="2147483695" r:id="rId11"/>
   </p:sldLayoutIdLst>
-  <mc:AlternateContent xmlns:mc="http://schemas.openxmlformats.org/markup-compatibility/2006" xmlns:p14="http://schemas.microsoft.com/office/powerpoint/2010/main">
-    <mc:Choice Requires="p14">
-      <p:transition spd="med" p14:dur="700">
-        <p:fade/>
-      </p:transition>
-    </mc:Choice>
-    <mc:Fallback xmlns="">
-      <p:transition spd="med">
-        <p:fade/>
-      </p:transition>
-    </mc:Fallback>
-  </mc:AlternateContent>
+  <p:transition spd="slow">
+    <p:fade/>
+  </p:transition>
   <p:timing>
     <p:tnLst>
       <p:par>
@@ -9619,7 +9510,7 @@
       </a:lvl9pPr>
     </p:otherStyle>
   </p:txStyles>
-  <p:extLst>
+  <p:extLst mod="1">
     <p:ext uri="{27BBF7A9-308A-43DC-89C8-2F10F3537804}">
       <p15:sldGuideLst xmlns:p15="http://schemas.microsoft.com/office/powerpoint/2012/main">
         <p15:guide id="1" orient="horz" pos="2160" userDrawn="1">
@@ -9707,7 +9598,6 @@
               <a:rPr lang="en-US" dirty="0" smtClean="0"/>
               <a:t>Isaac Sacramento</a:t>
             </a:r>
-            <a:endParaRPr lang="en-US" dirty="0" smtClean="0"/>
           </a:p>
           <a:p>
             <a:r>
@@ -9802,18 +9692,16 @@
   <p:clrMapOvr>
     <a:masterClrMapping/>
   </p:clrMapOvr>
-  <mc:AlternateContent xmlns:mc="http://schemas.openxmlformats.org/markup-compatibility/2006" xmlns:p14="http://schemas.microsoft.com/office/powerpoint/2010/main">
-    <mc:Choice Requires="p14">
-      <p:transition spd="med" p14:dur="700">
-        <p:fade/>
-      </p:transition>
-    </mc:Choice>
-    <mc:Fallback xmlns="">
-      <p:transition spd="med">
-        <p:fade/>
-      </p:transition>
-    </mc:Fallback>
-  </mc:AlternateContent>
+  <p:transition spd="slow">
+    <p:fade/>
+  </p:transition>
+  <p:timing>
+    <p:tnLst>
+      <p:par>
+        <p:cTn id="1" dur="indefinite" restart="never" nodeType="tmRoot"/>
+      </p:par>
+    </p:tnLst>
+  </p:timing>
 </p:sld>
 </file>
 
@@ -9834,31 +9722,9 @@
           <a:chExt cx="0" cy="0"/>
         </a:xfrm>
       </p:grpSpPr>
-      <p:graphicFrame>
-        <p:nvGraphicFramePr>
-          <p:cNvPr id="3" name="Diagram 2" title="Strategy and schedule graphic"/>
-          <p:cNvGraphicFramePr/>
-          <p:nvPr>
-            <p:extLst>
-              <p:ext uri="{D42A27DB-BD31-4B8C-83A1-F6EECF244321}">
-                <p14:modId xmlns:p14="http://schemas.microsoft.com/office/powerpoint/2010/main" val="1050565563"/>
-              </p:ext>
-            </p:extLst>
-          </p:nvPr>
-        </p:nvGraphicFramePr>
-        <p:xfrm>
-          <a:off x="3420059" y="3429000"/>
-          <a:ext cx="8128000" cy="3429000"/>
-        </p:xfrm>
-        <a:graphic>
-          <a:graphicData uri="http://schemas.openxmlformats.org/drawingml/2006/diagram">
-            <dgm:relIds xmlns:dgm="http://schemas.openxmlformats.org/drawingml/2006/diagram" xmlns:r="http://schemas.openxmlformats.org/officeDocument/2006/relationships" r:dm="rId2" r:lo="rId3" r:qs="rId4" r:cs="rId5"/>
-          </a:graphicData>
-        </a:graphic>
-      </p:graphicFrame>
       <p:sp>
         <p:nvSpPr>
-          <p:cNvPr id="6" name="Content Placeholder 5"/>
+          <p:cNvPr id="3" name="Content Placeholder 2"/>
           <p:cNvSpPr>
             <a:spLocks noGrp="1"/>
           </p:cNvSpPr>
@@ -9872,35 +9738,57 @@
           <a:lstStyle/>
           <a:p>
             <a:r>
-              <a:rPr lang="en-US" smtClean="0"/>
-              <a:t>Strategy</a:t>
-            </a:r>
-          </a:p>
-          <a:p>
-            <a:pPr lvl="1"/>
-            <a:r>
-              <a:rPr lang="en-US" smtClean="0"/>
-              <a:t>Tactic #1</a:t>
-            </a:r>
-          </a:p>
-          <a:p>
-            <a:pPr lvl="1"/>
-            <a:r>
-              <a:rPr lang="en-US" smtClean="0"/>
-              <a:t>Tactic #2</a:t>
-            </a:r>
-          </a:p>
-          <a:p>
-            <a:pPr lvl="1"/>
-            <a:r>
-              <a:rPr lang="en-US" smtClean="0"/>
-              <a:t>Tactic #3</a:t>
-            </a:r>
-          </a:p>
-          <a:p>
-            <a:r>
-              <a:rPr lang="en-US" smtClean="0"/>
-              <a:t>Schedule</a:t>
+              <a:rPr lang="en-US" dirty="0"/>
+              <a:t>Close sales </a:t>
+            </a:r>
+            <a:r>
+              <a:rPr lang="en-US" dirty="0" smtClean="0"/>
+              <a:t>faster.</a:t>
+            </a:r>
+            <a:endParaRPr lang="en-US" dirty="0"/>
+          </a:p>
+          <a:p>
+            <a:r>
+              <a:rPr lang="en-US" dirty="0"/>
+              <a:t>Present complex concepts quickly and </a:t>
+            </a:r>
+            <a:r>
+              <a:rPr lang="en-US" dirty="0" smtClean="0"/>
+              <a:t>clearly.</a:t>
+            </a:r>
+            <a:endParaRPr lang="en-US" dirty="0"/>
+          </a:p>
+          <a:p>
+            <a:r>
+              <a:rPr lang="en-US" dirty="0"/>
+              <a:t>Leverage database information </a:t>
+            </a:r>
+            <a:r>
+              <a:rPr lang="en-US" dirty="0" smtClean="0"/>
+              <a:t>(</a:t>
+            </a:r>
+            <a:r>
+              <a:rPr lang="en-US" dirty="0"/>
+              <a:t>sales numbers, customer </a:t>
+            </a:r>
+            <a:r>
+              <a:rPr lang="en-US" dirty="0" smtClean="0"/>
+              <a:t/>
+            </a:r>
+            <a:br>
+              <a:rPr lang="en-US" dirty="0" smtClean="0"/>
+            </a:br>
+            <a:r>
+              <a:rPr lang="en-US" dirty="0" smtClean="0"/>
+              <a:t>locations</a:t>
+            </a:r>
+            <a:r>
+              <a:rPr lang="en-US" dirty="0"/>
+              <a:t>, etc</a:t>
+            </a:r>
+            <a:r>
+              <a:rPr lang="en-US" dirty="0" smtClean="0"/>
+              <a:t>.).</a:t>
             </a:r>
             <a:endParaRPr lang="en-US" dirty="0"/>
           </a:p>
@@ -9908,7 +9796,7 @@
       </p:sp>
       <p:sp>
         <p:nvSpPr>
-          <p:cNvPr id="7" name="Title 6"/>
+          <p:cNvPr id="2" name="Title 1"/>
           <p:cNvSpPr>
             <a:spLocks noGrp="1"/>
           </p:cNvSpPr>
@@ -9922,35 +9810,25 @@
           <a:lstStyle/>
           <a:p>
             <a:r>
-              <a:rPr lang="en-US" smtClean="0"/>
-              <a:t>Strategy and Schedule</a:t>
-            </a:r>
-            <a:endParaRPr lang="en-US" dirty="0"/>
+              <a:rPr lang="en-US" dirty="0"/>
+              <a:t>Sales and Marketing Needs</a:t>
+            </a:r>
           </a:p>
         </p:txBody>
       </p:sp>
     </p:spTree>
     <p:extLst>
       <p:ext uri="{BB962C8B-B14F-4D97-AF65-F5344CB8AC3E}">
-        <p14:creationId xmlns:p14="http://schemas.microsoft.com/office/powerpoint/2010/main" val="3873045866"/>
+        <p14:creationId xmlns:p14="http://schemas.microsoft.com/office/powerpoint/2010/main" val="3828235049"/>
       </p:ext>
     </p:extLst>
   </p:cSld>
   <p:clrMapOvr>
     <a:masterClrMapping/>
   </p:clrMapOvr>
-  <mc:AlternateContent xmlns:mc="http://schemas.openxmlformats.org/markup-compatibility/2006" xmlns:p14="http://schemas.microsoft.com/office/powerpoint/2010/main">
-    <mc:Choice Requires="p14">
-      <p:transition spd="med" p14:dur="700">
-        <p:fade/>
-      </p:transition>
-    </mc:Choice>
-    <mc:Fallback xmlns="">
-      <p:transition spd="med">
-        <p:fade/>
-      </p:transition>
-    </mc:Fallback>
-  </mc:AlternateContent>
+  <p:transition spd="slow">
+    <p:fade/>
+  </p:transition>
   <p:timing>
     <p:tnLst>
       <p:par>
@@ -9995,56 +9873,35 @@
           <a:p>
             <a:r>
               <a:rPr lang="en-US" dirty="0"/>
-              <a:t>Close sales </a:t>
+              <a:t>Need and solution #1</a:t>
+            </a:r>
+          </a:p>
+          <a:p>
+            <a:r>
+              <a:rPr lang="en-US" dirty="0"/>
+              <a:t>Need and solution #2</a:t>
+            </a:r>
+          </a:p>
+          <a:p>
+            <a:r>
+              <a:rPr lang="en-US" dirty="0"/>
+              <a:t>Need and solution #3</a:t>
+            </a:r>
+          </a:p>
+          <a:p>
+            <a:r>
+              <a:rPr lang="en-US" dirty="0"/>
+              <a:t>Need and solution #4</a:t>
+            </a:r>
+          </a:p>
+          <a:p>
+            <a:r>
+              <a:rPr lang="en-US" dirty="0"/>
+              <a:t>Need and solution #</a:t>
             </a:r>
             <a:r>
               <a:rPr lang="en-US" dirty="0" smtClean="0"/>
-              <a:t>faster.</a:t>
-            </a:r>
-            <a:endParaRPr lang="en-US" dirty="0"/>
-          </a:p>
-          <a:p>
-            <a:r>
-              <a:rPr lang="en-US" dirty="0"/>
-              <a:t>Present complex concepts quickly and </a:t>
-            </a:r>
-            <a:r>
-              <a:rPr lang="en-US" dirty="0" smtClean="0"/>
-              <a:t>clearly.</a:t>
-            </a:r>
-            <a:endParaRPr lang="en-US" dirty="0"/>
-          </a:p>
-          <a:p>
-            <a:r>
-              <a:rPr lang="en-US" dirty="0"/>
-              <a:t>Leverage database information </a:t>
-            </a:r>
-            <a:r>
-              <a:rPr lang="en-US" dirty="0" smtClean="0"/>
-              <a:t>(</a:t>
-            </a:r>
-            <a:r>
-              <a:rPr lang="en-US" dirty="0"/>
-              <a:t>sales numbers, customer </a:t>
-            </a:r>
-            <a:r>
-              <a:rPr lang="en-US" dirty="0" smtClean="0"/>
-              <a:t/>
-            </a:r>
-            <a:br>
-              <a:rPr lang="en-US" dirty="0" smtClean="0"/>
-            </a:br>
-            <a:r>
-              <a:rPr lang="en-US" dirty="0" smtClean="0"/>
-              <a:t>locations</a:t>
-            </a:r>
-            <a:r>
-              <a:rPr lang="en-US" dirty="0"/>
-              <a:t>, etc</a:t>
-            </a:r>
-            <a:r>
-              <a:rPr lang="en-US" dirty="0" smtClean="0"/>
-              <a:t>.).</a:t>
+              <a:t>5</a:t>
             </a:r>
             <a:endParaRPr lang="en-US" dirty="0"/>
           </a:p>
@@ -10067,7 +9924,7 @@
           <a:p>
             <a:r>
               <a:rPr lang="en-US" dirty="0"/>
-              <a:t>Sales and Marketing Needs</a:t>
+              <a:t>Close Sales Faster</a:t>
             </a:r>
           </a:p>
         </p:txBody>
@@ -10075,25 +9932,23 @@
     </p:spTree>
     <p:extLst>
       <p:ext uri="{BB962C8B-B14F-4D97-AF65-F5344CB8AC3E}">
-        <p14:creationId xmlns:p14="http://schemas.microsoft.com/office/powerpoint/2010/main" val="3828235049"/>
+        <p14:creationId xmlns:p14="http://schemas.microsoft.com/office/powerpoint/2010/main" val="3562184845"/>
       </p:ext>
     </p:extLst>
   </p:cSld>
   <p:clrMapOvr>
     <a:masterClrMapping/>
   </p:clrMapOvr>
-  <mc:AlternateContent xmlns:mc="http://schemas.openxmlformats.org/markup-compatibility/2006" xmlns:p14="http://schemas.microsoft.com/office/powerpoint/2010/main">
-    <mc:Choice Requires="p14">
-      <p:transition spd="med" p14:dur="700">
-        <p:fade/>
-      </p:transition>
-    </mc:Choice>
-    <mc:Fallback xmlns="">
-      <p:transition spd="med">
-        <p:fade/>
-      </p:transition>
-    </mc:Fallback>
-  </mc:AlternateContent>
+  <p:transition spd="slow">
+    <p:fade/>
+  </p:transition>
+  <p:timing>
+    <p:tnLst>
+      <p:par>
+        <p:cTn id="1" dur="indefinite" restart="never" nodeType="tmRoot"/>
+      </p:par>
+    </p:tnLst>
+  </p:timing>
 </p:sld>
 </file>
 
@@ -10182,7 +10037,7 @@
           <a:p>
             <a:r>
               <a:rPr lang="en-US" dirty="0"/>
-              <a:t>Close Sales Faster</a:t>
+              <a:t>Present Complex Concepts Quickly and Clearly</a:t>
             </a:r>
           </a:p>
         </p:txBody>
@@ -10190,25 +10045,16 @@
     </p:spTree>
     <p:extLst>
       <p:ext uri="{BB962C8B-B14F-4D97-AF65-F5344CB8AC3E}">
-        <p14:creationId xmlns:p14="http://schemas.microsoft.com/office/powerpoint/2010/main" val="3562184845"/>
+        <p14:creationId xmlns:p14="http://schemas.microsoft.com/office/powerpoint/2010/main" val="506897720"/>
       </p:ext>
     </p:extLst>
   </p:cSld>
   <p:clrMapOvr>
     <a:masterClrMapping/>
   </p:clrMapOvr>
-  <mc:AlternateContent xmlns:mc="http://schemas.openxmlformats.org/markup-compatibility/2006" xmlns:p14="http://schemas.microsoft.com/office/powerpoint/2010/main">
-    <mc:Choice Requires="p14">
-      <p:transition spd="med" p14:dur="700">
-        <p:fade/>
-      </p:transition>
-    </mc:Choice>
-    <mc:Fallback xmlns="">
-      <p:transition spd="med">
-        <p:fade/>
-      </p:transition>
-    </mc:Fallback>
-  </mc:AlternateContent>
+  <p:transition spd="slow">
+    <p:fade/>
+  </p:transition>
 </p:sld>
 </file>
 
@@ -10297,121 +10143,6 @@
           <a:p>
             <a:r>
               <a:rPr lang="en-US" dirty="0"/>
-              <a:t>Present Complex Concepts Quickly and Clearly</a:t>
-            </a:r>
-          </a:p>
-        </p:txBody>
-      </p:sp>
-    </p:spTree>
-    <p:extLst>
-      <p:ext uri="{BB962C8B-B14F-4D97-AF65-F5344CB8AC3E}">
-        <p14:creationId xmlns:p14="http://schemas.microsoft.com/office/powerpoint/2010/main" val="506897720"/>
-      </p:ext>
-    </p:extLst>
-  </p:cSld>
-  <p:clrMapOvr>
-    <a:masterClrMapping/>
-  </p:clrMapOvr>
-  <mc:AlternateContent xmlns:mc="http://schemas.openxmlformats.org/markup-compatibility/2006" xmlns:p14="http://schemas.microsoft.com/office/powerpoint/2010/main">
-    <mc:Choice Requires="p14">
-      <p:transition spd="med" p14:dur="700">
-        <p:fade/>
-      </p:transition>
-    </mc:Choice>
-    <mc:Fallback xmlns="">
-      <p:transition spd="med">
-        <p:fade/>
-      </p:transition>
-    </mc:Fallback>
-  </mc:AlternateContent>
-</p:sld>
-</file>
-
-<file path=ppt/slides/slide14.xml><?xml version="1.0" encoding="utf-8"?>
-<p:sld xmlns:a="http://schemas.openxmlformats.org/drawingml/2006/main" xmlns:r="http://schemas.openxmlformats.org/officeDocument/2006/relationships" xmlns:p="http://schemas.openxmlformats.org/presentationml/2006/main">
-  <p:cSld>
-    <p:spTree>
-      <p:nvGrpSpPr>
-        <p:cNvPr id="1" name=""/>
-        <p:cNvGrpSpPr/>
-        <p:nvPr/>
-      </p:nvGrpSpPr>
-      <p:grpSpPr>
-        <a:xfrm>
-          <a:off x="0" y="0"/>
-          <a:ext cx="0" cy="0"/>
-          <a:chOff x="0" y="0"/>
-          <a:chExt cx="0" cy="0"/>
-        </a:xfrm>
-      </p:grpSpPr>
-      <p:sp>
-        <p:nvSpPr>
-          <p:cNvPr id="3" name="Content Placeholder 2"/>
-          <p:cNvSpPr>
-            <a:spLocks noGrp="1"/>
-          </p:cNvSpPr>
-          <p:nvPr>
-            <p:ph idx="1"/>
-          </p:nvPr>
-        </p:nvSpPr>
-        <p:spPr/>
-        <p:txBody>
-          <a:bodyPr/>
-          <a:lstStyle/>
-          <a:p>
-            <a:r>
-              <a:rPr lang="en-US" dirty="0"/>
-              <a:t>Need and solution #1</a:t>
-            </a:r>
-          </a:p>
-          <a:p>
-            <a:r>
-              <a:rPr lang="en-US" dirty="0"/>
-              <a:t>Need and solution #2</a:t>
-            </a:r>
-          </a:p>
-          <a:p>
-            <a:r>
-              <a:rPr lang="en-US" dirty="0"/>
-              <a:t>Need and solution #3</a:t>
-            </a:r>
-          </a:p>
-          <a:p>
-            <a:r>
-              <a:rPr lang="en-US" dirty="0"/>
-              <a:t>Need and solution #4</a:t>
-            </a:r>
-          </a:p>
-          <a:p>
-            <a:r>
-              <a:rPr lang="en-US" dirty="0"/>
-              <a:t>Need and solution #</a:t>
-            </a:r>
-            <a:r>
-              <a:rPr lang="en-US" dirty="0" smtClean="0"/>
-              <a:t>5</a:t>
-            </a:r>
-            <a:endParaRPr lang="en-US" dirty="0"/>
-          </a:p>
-        </p:txBody>
-      </p:sp>
-      <p:sp>
-        <p:nvSpPr>
-          <p:cNvPr id="2" name="Title 1"/>
-          <p:cNvSpPr>
-            <a:spLocks noGrp="1"/>
-          </p:cNvSpPr>
-          <p:nvPr>
-            <p:ph type="title"/>
-          </p:nvPr>
-        </p:nvSpPr>
-        <p:spPr/>
-        <p:txBody>
-          <a:bodyPr/>
-          <a:lstStyle/>
-          <a:p>
-            <a:r>
-              <a:rPr lang="en-US" dirty="0"/>
               <a:t>Leverage Database Information</a:t>
             </a:r>
           </a:p>
@@ -10427,22 +10158,13 @@
   <p:clrMapOvr>
     <a:masterClrMapping/>
   </p:clrMapOvr>
-  <mc:AlternateContent xmlns:mc="http://schemas.openxmlformats.org/markup-compatibility/2006" xmlns:p14="http://schemas.microsoft.com/office/powerpoint/2010/main">
-    <mc:Choice Requires="p14">
-      <p:transition spd="med" p14:dur="700">
-        <p:fade/>
-      </p:transition>
-    </mc:Choice>
-    <mc:Fallback xmlns="">
-      <p:transition spd="med">
-        <p:fade/>
-      </p:transition>
-    </mc:Fallback>
-  </mc:AlternateContent>
+  <p:transition spd="slow">
+    <p:fade/>
+  </p:transition>
 </p:sld>
 </file>
 
-<file path=ppt/slides/slide15.xml><?xml version="1.0" encoding="utf-8"?>
+<file path=ppt/slides/slide14.xml><?xml version="1.0" encoding="utf-8"?>
 <p:sld xmlns:a="http://schemas.openxmlformats.org/drawingml/2006/main" xmlns:r="http://schemas.openxmlformats.org/officeDocument/2006/relationships" xmlns:p="http://schemas.openxmlformats.org/presentationml/2006/main">
   <p:cSld>
     <p:spTree>
@@ -10510,18 +10232,9 @@
   <p:clrMapOvr>
     <a:masterClrMapping/>
   </p:clrMapOvr>
-  <mc:AlternateContent xmlns:mc="http://schemas.openxmlformats.org/markup-compatibility/2006" xmlns:p14="http://schemas.microsoft.com/office/powerpoint/2010/main">
-    <mc:Choice Requires="p14">
-      <p:transition spd="med" p14:dur="700">
-        <p:fade/>
-      </p:transition>
-    </mc:Choice>
-    <mc:Fallback xmlns="">
-      <p:transition spd="med">
-        <p:fade/>
-      </p:transition>
-    </mc:Fallback>
-  </mc:AlternateContent>
+  <p:transition spd="slow">
+    <p:fade/>
+  </p:transition>
   <p:timing>
     <p:tnLst>
       <p:par>
@@ -10532,7 +10245,7 @@
 </p:sld>
 </file>
 
-<file path=ppt/slides/slide16.xml><?xml version="1.0" encoding="utf-8"?>
+<file path=ppt/slides/slide15.xml><?xml version="1.0" encoding="utf-8"?>
 <p:sld xmlns:a="http://schemas.openxmlformats.org/drawingml/2006/main" xmlns:r="http://schemas.openxmlformats.org/officeDocument/2006/relationships" xmlns:p="http://schemas.openxmlformats.org/presentationml/2006/main">
   <p:cSld>
     <p:spTree>
@@ -10638,18 +10351,9 @@
   <p:clrMapOvr>
     <a:masterClrMapping/>
   </p:clrMapOvr>
-  <mc:AlternateContent xmlns:mc="http://schemas.openxmlformats.org/markup-compatibility/2006" xmlns:p14="http://schemas.microsoft.com/office/powerpoint/2010/main">
-    <mc:Choice Requires="p14">
-      <p:transition spd="med" p14:dur="700">
-        <p:fade/>
-      </p:transition>
-    </mc:Choice>
-    <mc:Fallback xmlns="">
-      <p:transition spd="med">
-        <p:fade/>
-      </p:transition>
-    </mc:Fallback>
-  </mc:AlternateContent>
+  <p:transition spd="slow">
+    <p:fade/>
+  </p:transition>
   <p:timing>
     <p:tnLst>
       <p:par>
@@ -10771,11 +10475,7 @@
           <a:p>
             <a:r>
               <a:rPr lang="en-US" dirty="0" err="1" smtClean="0"/>
-              <a:t>Princi</a:t>
-            </a:r>
-            <a:r>
-              <a:rPr lang="en-US" dirty="0" err="1" smtClean="0"/>
-              <a:t>pais</a:t>
+              <a:t>Principais</a:t>
             </a:r>
             <a:r>
               <a:rPr lang="en-US" dirty="0" smtClean="0"/>
@@ -10791,11 +10491,7 @@
             <a:pPr lvl="1"/>
             <a:r>
               <a:rPr lang="en-US" dirty="0" err="1" smtClean="0"/>
-              <a:t>Classifica</a:t>
-            </a:r>
-            <a:r>
-              <a:rPr lang="en-US" dirty="0" err="1" smtClean="0"/>
-              <a:t>ção</a:t>
+              <a:t>Classificação</a:t>
             </a:r>
             <a:r>
               <a:rPr lang="en-US" dirty="0" smtClean="0"/>
@@ -10817,7 +10513,7 @@
           </a:p>
           <a:p>
             <a:r>
-              <a:rPr lang="en-US" smtClean="0"/>
+              <a:rPr lang="en-US" dirty="0" err="1" smtClean="0"/>
               <a:t>Potêncial</a:t>
             </a:r>
             <a:r>
@@ -10826,11 +10522,7 @@
             </a:r>
             <a:r>
               <a:rPr lang="en-US" dirty="0" err="1" smtClean="0"/>
-              <a:t>aplica</a:t>
-            </a:r>
-            <a:r>
-              <a:rPr lang="en-US" dirty="0" err="1" smtClean="0"/>
-              <a:t>ção</a:t>
+              <a:t>aplicação</a:t>
             </a:r>
             <a:r>
               <a:rPr lang="en-US" dirty="0"/>
@@ -10891,18 +10583,16 @@
   <p:clrMapOvr>
     <a:masterClrMapping/>
   </p:clrMapOvr>
-  <mc:AlternateContent xmlns:mc="http://schemas.openxmlformats.org/markup-compatibility/2006" xmlns:p14="http://schemas.microsoft.com/office/powerpoint/2010/main">
-    <mc:Choice Requires="p14">
-      <p:transition spd="med" p14:dur="700">
-        <p:fade/>
-      </p:transition>
-    </mc:Choice>
-    <mc:Fallback xmlns="">
-      <p:transition spd="med">
-        <p:fade/>
-      </p:transition>
-    </mc:Fallback>
-  </mc:AlternateContent>
+  <p:transition spd="slow">
+    <p:fade/>
+  </p:transition>
+  <p:timing>
+    <p:tnLst>
+      <p:par>
+        <p:cTn id="1" dur="indefinite" restart="never" nodeType="tmRoot"/>
+      </p:par>
+    </p:tnLst>
+  </p:timing>
 </p:sld>
 </file>
 
@@ -10935,98 +10625,205 @@
         </p:nvSpPr>
         <p:spPr/>
         <p:txBody>
-          <a:bodyPr/>
+          <a:bodyPr>
+            <a:normAutofit/>
+          </a:bodyPr>
           <a:lstStyle/>
           <a:p>
             <a:r>
-              <a:rPr lang="en-US" dirty="0"/>
-              <a:t>A review of our current products and </a:t>
-            </a:r>
-            <a:r>
               <a:rPr lang="en-US" dirty="0" smtClean="0"/>
-              <a:t>profits.</a:t>
+              <a:t>O </a:t>
+            </a:r>
+            <a:r>
+              <a:rPr lang="en-US" dirty="0" err="1" smtClean="0"/>
+              <a:t>verdadeiro</a:t>
+            </a:r>
+            <a:r>
+              <a:rPr lang="en-US" dirty="0" smtClean="0"/>
+              <a:t> </a:t>
+            </a:r>
+            <a:r>
+              <a:rPr lang="en-US" dirty="0" err="1" smtClean="0"/>
+              <a:t>desafio</a:t>
+            </a:r>
+            <a:r>
+              <a:rPr lang="en-US" dirty="0" smtClean="0"/>
+              <a:t> da IA</a:t>
             </a:r>
             <a:endParaRPr lang="en-US" dirty="0"/>
           </a:p>
           <a:p>
+            <a:pPr lvl="1"/>
             <a:r>
               <a:rPr lang="en-US" dirty="0" smtClean="0"/>
-              <a:t>[Year] </a:t>
-            </a:r>
-            <a:r>
-              <a:rPr lang="en-US" dirty="0"/>
-              <a:t>sales </a:t>
+              <a:t>Resolver </a:t>
+            </a:r>
+            <a:r>
+              <a:rPr lang="en-US" dirty="0" err="1" smtClean="0"/>
+              <a:t>tarefas</a:t>
             </a:r>
             <a:r>
               <a:rPr lang="en-US" dirty="0" smtClean="0"/>
-              <a:t>research.</a:t>
-            </a:r>
-            <a:endParaRPr lang="en-US" dirty="0"/>
-          </a:p>
-          <a:p>
-            <a:r>
-              <a:rPr lang="en-US" dirty="0"/>
-              <a:t>Proposed new </a:t>
+              <a:t> </a:t>
+            </a:r>
+            <a:r>
+              <a:rPr lang="en-US" dirty="0" err="1" smtClean="0"/>
+              <a:t>realizadas</a:t>
             </a:r>
             <a:r>
               <a:rPr lang="en-US" dirty="0" smtClean="0"/>
-              <a:t>products.</a:t>
-            </a:r>
-            <a:endParaRPr lang="en-US" dirty="0"/>
-          </a:p>
-          <a:p>
-            <a:r>
-              <a:rPr lang="en-US" dirty="0"/>
-              <a:t>Costs on return and investment </a:t>
+              <a:t> </a:t>
+            </a:r>
+            <a:r>
+              <a:rPr lang="en-US" dirty="0" err="1" smtClean="0"/>
+              <a:t>facilmente</a:t>
             </a:r>
             <a:r>
               <a:rPr lang="en-US" dirty="0" smtClean="0"/>
-              <a:t>projections.</a:t>
-            </a:r>
-            <a:endParaRPr lang="en-US" dirty="0"/>
-          </a:p>
-          <a:p>
-            <a:r>
-              <a:rPr lang="en-US" dirty="0"/>
-              <a:t>Terms and </a:t>
+              <a:t> </a:t>
+            </a:r>
+            <a:r>
+              <a:rPr lang="en-US" dirty="0" err="1" smtClean="0"/>
+              <a:t>por</a:t>
             </a:r>
             <a:r>
               <a:rPr lang="en-US" dirty="0" smtClean="0"/>
-              <a:t>conditions.</a:t>
-            </a:r>
-            <a:endParaRPr lang="en-US" dirty="0"/>
-          </a:p>
-          <a:p>
-            <a:r>
-              <a:rPr lang="en-US" dirty="0"/>
-              <a:t>Strategy and </a:t>
+              <a:t> </a:t>
+            </a:r>
+            <a:r>
+              <a:rPr lang="en-US" dirty="0" err="1" smtClean="0"/>
+              <a:t>pessoas</a:t>
             </a:r>
             <a:r>
               <a:rPr lang="en-US" dirty="0" smtClean="0"/>
-              <a:t>schedule.</a:t>
-            </a:r>
-            <a:endParaRPr lang="en-US" dirty="0"/>
-          </a:p>
-          <a:p>
-            <a:r>
-              <a:rPr lang="en-US" dirty="0"/>
-              <a:t>Sales and marketing </a:t>
+              <a:t>, mas </a:t>
+            </a:r>
+            <a:r>
+              <a:rPr lang="en-US" dirty="0" err="1" smtClean="0"/>
+              <a:t>difíceis</a:t>
             </a:r>
             <a:r>
               <a:rPr lang="en-US" dirty="0" smtClean="0"/>
-              <a:t>needs.</a:t>
-            </a:r>
-            <a:endParaRPr lang="en-US" dirty="0"/>
-          </a:p>
-          <a:p>
-            <a:r>
-              <a:rPr lang="en-US" dirty="0"/>
-              <a:t>Questions and </a:t>
+              <a:t> de </a:t>
+            </a:r>
+            <a:r>
+              <a:rPr lang="en-US" dirty="0" err="1" smtClean="0"/>
+              <a:t>serem</a:t>
             </a:r>
             <a:r>
               <a:rPr lang="en-US" dirty="0" smtClean="0"/>
-              <a:t>answers.</a:t>
-            </a:r>
+              <a:t> </a:t>
+            </a:r>
+            <a:r>
+              <a:rPr lang="en-US" dirty="0" err="1" smtClean="0"/>
+              <a:t>formalizadas</a:t>
+            </a:r>
+            <a:r>
+              <a:rPr lang="en-US" dirty="0" smtClean="0"/>
+              <a:t>.</a:t>
+            </a:r>
+          </a:p>
+          <a:p>
+            <a:pPr lvl="2"/>
+            <a:r>
+              <a:rPr lang="en-US" dirty="0" err="1" smtClean="0"/>
+              <a:t>Reconhecimento</a:t>
+            </a:r>
+            <a:r>
+              <a:rPr lang="en-US" dirty="0" smtClean="0"/>
+              <a:t> de </a:t>
+            </a:r>
+            <a:r>
+              <a:rPr lang="en-US" dirty="0" err="1" smtClean="0"/>
+              <a:t>voz</a:t>
+            </a:r>
+            <a:endParaRPr lang="en-US" dirty="0" smtClean="0"/>
+          </a:p>
+          <a:p>
+            <a:pPr lvl="2"/>
+            <a:r>
+              <a:rPr lang="en-US" dirty="0" err="1" smtClean="0"/>
+              <a:t>Reconhecimento</a:t>
+            </a:r>
+            <a:r>
+              <a:rPr lang="en-US" dirty="0" smtClean="0"/>
+              <a:t> de faces</a:t>
+            </a:r>
+          </a:p>
+          <a:p>
+            <a:r>
+              <a:rPr lang="en-US" dirty="0" err="1" smtClean="0"/>
+              <a:t>Aprendizado</a:t>
+            </a:r>
+            <a:r>
+              <a:rPr lang="en-US" dirty="0" smtClean="0"/>
+              <a:t> </a:t>
+            </a:r>
+            <a:r>
+              <a:rPr lang="en-US" dirty="0" err="1" smtClean="0"/>
+              <a:t>por</a:t>
+            </a:r>
+            <a:r>
+              <a:rPr lang="en-US" dirty="0" smtClean="0"/>
+              <a:t> </a:t>
+            </a:r>
+            <a:r>
+              <a:rPr lang="en-US" dirty="0" err="1" smtClean="0"/>
+              <a:t>hierarquia</a:t>
+            </a:r>
+            <a:r>
+              <a:rPr lang="en-US" dirty="0" smtClean="0"/>
+              <a:t> de </a:t>
+            </a:r>
+            <a:r>
+              <a:rPr lang="en-US" dirty="0" err="1" smtClean="0"/>
+              <a:t>conceitos</a:t>
+            </a:r>
+            <a:endParaRPr lang="en-US" dirty="0" smtClean="0"/>
+          </a:p>
+          <a:p>
+            <a:r>
+              <a:rPr lang="en-US" dirty="0" err="1" smtClean="0"/>
+              <a:t>Aprendizado</a:t>
+            </a:r>
+            <a:r>
+              <a:rPr lang="en-US" dirty="0" smtClean="0"/>
+              <a:t> de </a:t>
+            </a:r>
+            <a:r>
+              <a:rPr lang="en-US" dirty="0" err="1" smtClean="0"/>
+              <a:t>conceitos</a:t>
+            </a:r>
+            <a:r>
+              <a:rPr lang="en-US" dirty="0" smtClean="0"/>
+              <a:t> </a:t>
+            </a:r>
+            <a:r>
+              <a:rPr lang="en-US" dirty="0" err="1" smtClean="0"/>
+              <a:t>complicados</a:t>
+            </a:r>
+            <a:r>
+              <a:rPr lang="en-US" dirty="0" smtClean="0"/>
+              <a:t> a </a:t>
+            </a:r>
+            <a:r>
+              <a:rPr lang="en-US" dirty="0" err="1" smtClean="0"/>
+              <a:t>partir</a:t>
+            </a:r>
+            <a:r>
+              <a:rPr lang="en-US" dirty="0" smtClean="0"/>
+              <a:t> de </a:t>
+            </a:r>
+            <a:r>
+              <a:rPr lang="en-US" dirty="0" err="1" smtClean="0"/>
+              <a:t>conceitos</a:t>
+            </a:r>
+            <a:r>
+              <a:rPr lang="en-US" dirty="0" smtClean="0"/>
+              <a:t> simples</a:t>
+            </a:r>
+          </a:p>
+          <a:p>
             <a:endParaRPr lang="en-US" dirty="0"/>
           </a:p>
         </p:txBody>
@@ -11047,9 +10844,10 @@
           <a:lstStyle/>
           <a:p>
             <a:r>
-              <a:rPr lang="en-US" dirty="0"/>
-              <a:t>What We’ll Cover Today</a:t>
-            </a:r>
+              <a:rPr lang="en-US" dirty="0" smtClean="0"/>
+              <a:t>Deep Learning</a:t>
+            </a:r>
+            <a:endParaRPr lang="en-US" dirty="0"/>
           </a:p>
         </p:txBody>
       </p:sp>
@@ -11063,18 +10861,16 @@
   <p:clrMapOvr>
     <a:masterClrMapping/>
   </p:clrMapOvr>
-  <mc:AlternateContent xmlns:mc="http://schemas.openxmlformats.org/markup-compatibility/2006" xmlns:p14="http://schemas.microsoft.com/office/powerpoint/2010/main">
-    <mc:Choice Requires="p14">
-      <p:transition spd="med" p14:dur="700">
-        <p:fade/>
-      </p:transition>
-    </mc:Choice>
-    <mc:Fallback xmlns="">
-      <p:transition spd="med">
-        <p:fade/>
-      </p:transition>
-    </mc:Fallback>
-  </mc:AlternateContent>
+  <p:transition spd="slow">
+    <p:fade/>
+  </p:transition>
+  <p:timing>
+    <p:tnLst>
+      <p:par>
+        <p:cTn id="1" dur="indefinite" restart="never" nodeType="tmRoot"/>
+      </p:par>
+    </p:tnLst>
+  </p:timing>
 </p:sld>
 </file>
 
@@ -11097,12 +10893,12 @@
       </p:grpSpPr>
       <p:sp>
         <p:nvSpPr>
-          <p:cNvPr id="8" name="Content Placeholder 7"/>
+          <p:cNvPr id="3" name="Title 2"/>
           <p:cNvSpPr>
             <a:spLocks noGrp="1"/>
           </p:cNvSpPr>
           <p:nvPr>
-            <p:ph sz="half" idx="2"/>
+            <p:ph type="title"/>
           </p:nvPr>
         </p:nvSpPr>
         <p:spPr/>
@@ -11111,134 +10907,1127 @@
           <a:lstStyle/>
           <a:p>
             <a:r>
-              <a:rPr lang="en-US" smtClean="0"/>
-              <a:t>Climbing</a:t>
-            </a:r>
-          </a:p>
-          <a:p>
-            <a:pPr lvl="1"/>
-            <a:r>
-              <a:rPr lang="en-US" smtClean="0"/>
-              <a:t>Harnesses</a:t>
-            </a:r>
-          </a:p>
-          <a:p>
-            <a:pPr lvl="1"/>
-            <a:r>
-              <a:rPr lang="en-US" smtClean="0"/>
-              <a:t>Climbing shoes</a:t>
-            </a:r>
-          </a:p>
-          <a:p>
-            <a:pPr lvl="1"/>
-            <a:r>
-              <a:rPr lang="en-US" smtClean="0"/>
-              <a:t>Helmets</a:t>
-            </a:r>
-          </a:p>
-          <a:p>
-            <a:pPr lvl="1"/>
-            <a:r>
-              <a:rPr lang="en-US" smtClean="0"/>
-              <a:t>Rappel gloves</a:t>
-            </a:r>
-          </a:p>
-          <a:p>
-            <a:pPr lvl="1"/>
-            <a:r>
-              <a:rPr lang="en-US" smtClean="0"/>
-              <a:t>Rope bags</a:t>
-            </a:r>
-          </a:p>
-          <a:p>
-            <a:pPr lvl="1"/>
-            <a:r>
-              <a:rPr lang="en-US" smtClean="0"/>
-              <a:t>Carabineers</a:t>
-            </a:r>
-          </a:p>
-          <a:p>
-            <a:pPr lvl="1"/>
-            <a:r>
-              <a:rPr lang="en-US" smtClean="0"/>
-              <a:t>Gaiters</a:t>
+              <a:rPr lang="en-US" dirty="0" smtClean="0"/>
+              <a:t>Deep Learning</a:t>
             </a:r>
             <a:endParaRPr lang="en-US" dirty="0"/>
           </a:p>
         </p:txBody>
       </p:sp>
-      <p:sp>
-        <p:nvSpPr>
-          <p:cNvPr id="7" name="Content Placeholder 6"/>
-          <p:cNvSpPr>
-            <a:spLocks noGrp="1"/>
-          </p:cNvSpPr>
+      <p:pic>
+        <p:nvPicPr>
+          <p:cNvPr id="7" name="Picture 6"/>
+          <p:cNvPicPr>
+            <a:picLocks noChangeAspect="1"/>
+          </p:cNvPicPr>
+          <p:nvPr/>
+        </p:nvPicPr>
+        <p:blipFill>
+          <a:blip r:embed="rId2">
+            <a:extLst>
+              <a:ext uri="{28A0092B-C50C-407E-A947-70E740481C1C}">
+                <a14:useLocalDpi xmlns:a14="http://schemas.microsoft.com/office/drawing/2010/main" val="0"/>
+              </a:ext>
+            </a:extLst>
+          </a:blip>
+          <a:stretch>
+            <a:fillRect/>
+          </a:stretch>
+        </p:blipFill>
+        <p:spPr>
+          <a:xfrm>
+            <a:off x="4500869" y="5049671"/>
+            <a:ext cx="1143099" cy="830652"/>
+          </a:xfrm>
+          <a:prstGeom prst="rect">
+            <a:avLst/>
+          </a:prstGeom>
+        </p:spPr>
+      </p:pic>
+      <p:pic>
+        <p:nvPicPr>
+          <p:cNvPr id="8" name="Picture 7"/>
+          <p:cNvPicPr>
+            <a:picLocks noChangeAspect="1"/>
+          </p:cNvPicPr>
+          <p:nvPr/>
+        </p:nvPicPr>
+        <p:blipFill>
+          <a:blip r:embed="rId3">
+            <a:extLst>
+              <a:ext uri="{28A0092B-C50C-407E-A947-70E740481C1C}">
+                <a14:useLocalDpi xmlns:a14="http://schemas.microsoft.com/office/drawing/2010/main" val="0"/>
+              </a:ext>
+            </a:extLst>
+          </a:blip>
+          <a:stretch>
+            <a:fillRect/>
+          </a:stretch>
+        </p:blipFill>
+        <p:spPr>
+          <a:xfrm>
+            <a:off x="5643968" y="5208399"/>
+            <a:ext cx="4008467" cy="944962"/>
+          </a:xfrm>
+          <a:prstGeom prst="rect">
+            <a:avLst/>
+          </a:prstGeom>
+        </p:spPr>
+      </p:pic>
+      <p:pic>
+        <p:nvPicPr>
+          <p:cNvPr id="10" name="Picture 9"/>
+          <p:cNvPicPr>
+            <a:picLocks noChangeAspect="1"/>
+          </p:cNvPicPr>
+          <p:nvPr/>
+        </p:nvPicPr>
+        <p:blipFill>
+          <a:blip r:embed="rId4">
+            <a:extLst>
+              <a:ext uri="{28A0092B-C50C-407E-A947-70E740481C1C}">
+                <a14:useLocalDpi xmlns:a14="http://schemas.microsoft.com/office/drawing/2010/main" val="0"/>
+              </a:ext>
+            </a:extLst>
+          </a:blip>
+          <a:stretch>
+            <a:fillRect/>
+          </a:stretch>
+        </p:blipFill>
+        <p:spPr>
+          <a:xfrm>
+            <a:off x="5671264" y="4071327"/>
+            <a:ext cx="4130398" cy="1150720"/>
+          </a:xfrm>
+          <a:prstGeom prst="rect">
+            <a:avLst/>
+          </a:prstGeom>
+        </p:spPr>
+      </p:pic>
+      <p:pic>
+        <p:nvPicPr>
+          <p:cNvPr id="11" name="Picture 10"/>
+          <p:cNvPicPr>
+            <a:picLocks noChangeAspect="1"/>
+          </p:cNvPicPr>
+          <p:nvPr/>
+        </p:nvPicPr>
+        <p:blipFill>
+          <a:blip r:embed="rId5">
+            <a:extLst>
+              <a:ext uri="{28A0092B-C50C-407E-A947-70E740481C1C}">
+                <a14:useLocalDpi xmlns:a14="http://schemas.microsoft.com/office/drawing/2010/main" val="0"/>
+              </a:ext>
+            </a:extLst>
+          </a:blip>
+          <a:stretch>
+            <a:fillRect/>
+          </a:stretch>
+        </p:blipFill>
+        <p:spPr>
+          <a:xfrm>
+            <a:off x="5684912" y="2927431"/>
+            <a:ext cx="4198984" cy="1150720"/>
+          </a:xfrm>
+          <a:prstGeom prst="rect">
+            <a:avLst/>
+          </a:prstGeom>
+        </p:spPr>
+      </p:pic>
+      <p:pic>
+        <p:nvPicPr>
+          <p:cNvPr id="12" name="Picture 11"/>
+          <p:cNvPicPr>
+            <a:picLocks noChangeAspect="1"/>
+          </p:cNvPicPr>
+          <p:nvPr/>
+        </p:nvPicPr>
+        <p:blipFill>
+          <a:blip r:embed="rId6">
+            <a:extLst>
+              <a:ext uri="{28A0092B-C50C-407E-A947-70E740481C1C}">
+                <a14:useLocalDpi xmlns:a14="http://schemas.microsoft.com/office/drawing/2010/main" val="0"/>
+              </a:ext>
+            </a:extLst>
+          </a:blip>
+          <a:stretch>
+            <a:fillRect/>
+          </a:stretch>
+        </p:blipFill>
+        <p:spPr>
+          <a:xfrm>
+            <a:off x="5715394" y="1729793"/>
+            <a:ext cx="4138019" cy="1188823"/>
+          </a:xfrm>
+          <a:prstGeom prst="rect">
+            <a:avLst/>
+          </a:prstGeom>
+        </p:spPr>
+      </p:pic>
+      <p:pic>
+        <p:nvPicPr>
+          <p:cNvPr id="13" name="Picture 12"/>
+          <p:cNvPicPr>
+            <a:picLocks noChangeAspect="1"/>
+          </p:cNvPicPr>
+          <p:nvPr/>
+        </p:nvPicPr>
+        <p:blipFill>
+          <a:blip r:embed="rId7">
+            <a:extLst>
+              <a:ext uri="{28A0092B-C50C-407E-A947-70E740481C1C}">
+                <a14:useLocalDpi xmlns:a14="http://schemas.microsoft.com/office/drawing/2010/main" val="0"/>
+              </a:ext>
+            </a:extLst>
+          </a:blip>
+          <a:stretch>
+            <a:fillRect/>
+          </a:stretch>
+        </p:blipFill>
+        <p:spPr>
+          <a:xfrm>
+            <a:off x="5636971" y="506106"/>
+            <a:ext cx="4198984" cy="1242168"/>
+          </a:xfrm>
+          <a:prstGeom prst="rect">
+            <a:avLst/>
+          </a:prstGeom>
+        </p:spPr>
+      </p:pic>
+      <p:pic>
+        <p:nvPicPr>
+          <p:cNvPr id="15" name="Content Placeholder 14"/>
+          <p:cNvPicPr>
+            <a:picLocks noGrp="1" noChangeAspect="1"/>
+          </p:cNvPicPr>
+          <p:nvPr>
+            <p:ph idx="1"/>
+          </p:nvPr>
+        </p:nvPicPr>
+        <p:blipFill>
+          <a:blip r:embed="rId8">
+            <a:extLst>
+              <a:ext uri="{28A0092B-C50C-407E-A947-70E740481C1C}">
+                <a14:useLocalDpi xmlns:a14="http://schemas.microsoft.com/office/drawing/2010/main" val="0"/>
+              </a:ext>
+            </a:extLst>
+          </a:blip>
+          <a:stretch>
+            <a:fillRect/>
+          </a:stretch>
+        </p:blipFill>
+        <p:spPr>
+          <a:xfrm>
+            <a:off x="2347425" y="2679646"/>
+            <a:ext cx="2392887" cy="2370025"/>
+          </a:xfrm>
+        </p:spPr>
+      </p:pic>
+    </p:spTree>
+    <p:extLst>
+      <p:ext uri="{BB962C8B-B14F-4D97-AF65-F5344CB8AC3E}">
+        <p14:creationId xmlns:p14="http://schemas.microsoft.com/office/powerpoint/2010/main" val="2873362943"/>
+      </p:ext>
+    </p:extLst>
+  </p:cSld>
+  <p:clrMapOvr>
+    <a:masterClrMapping/>
+  </p:clrMapOvr>
+  <p:transition spd="slow">
+    <p:fade/>
+  </p:transition>
+  <p:timing>
+    <p:tnLst>
+      <p:par>
+        <p:cTn id="1" dur="indefinite" restart="never" nodeType="tmRoot">
+          <p:childTnLst>
+            <p:seq concurrent="1" nextAc="seek">
+              <p:cTn id="2" dur="indefinite" nodeType="mainSeq">
+                <p:childTnLst>
+                  <p:par>
+                    <p:cTn id="3" fill="hold">
+                      <p:stCondLst>
+                        <p:cond delay="indefinite"/>
+                        <p:cond evt="onBegin" delay="0">
+                          <p:tn val="2"/>
+                        </p:cond>
+                      </p:stCondLst>
+                      <p:childTnLst>
+                        <p:par>
+                          <p:cTn id="4" fill="hold">
+                            <p:stCondLst>
+                              <p:cond delay="0"/>
+                            </p:stCondLst>
+                            <p:childTnLst>
+                              <p:par>
+                                <p:cTn id="5" presetID="1" presetClass="entr" presetSubtype="0" fill="hold" nodeType="withEffect">
+                                  <p:stCondLst>
+                                    <p:cond delay="0"/>
+                                  </p:stCondLst>
+                                  <p:childTnLst>
+                                    <p:set>
+                                      <p:cBhvr>
+                                        <p:cTn id="6" dur="1" fill="hold">
+                                          <p:stCondLst>
+                                            <p:cond delay="0"/>
+                                          </p:stCondLst>
+                                        </p:cTn>
+                                        <p:tgtEl>
+                                          <p:spTgt spid="15"/>
+                                        </p:tgtEl>
+                                        <p:attrNameLst>
+                                          <p:attrName>style.visibility</p:attrName>
+                                        </p:attrNameLst>
+                                      </p:cBhvr>
+                                      <p:to>
+                                        <p:strVal val="visible"/>
+                                      </p:to>
+                                    </p:set>
+                                  </p:childTnLst>
+                                </p:cTn>
+                              </p:par>
+                            </p:childTnLst>
+                          </p:cTn>
+                        </p:par>
+                      </p:childTnLst>
+                    </p:cTn>
+                  </p:par>
+                  <p:par>
+                    <p:cTn id="7" fill="hold">
+                      <p:stCondLst>
+                        <p:cond delay="indefinite"/>
+                      </p:stCondLst>
+                      <p:childTnLst>
+                        <p:par>
+                          <p:cTn id="8" fill="hold">
+                            <p:stCondLst>
+                              <p:cond delay="0"/>
+                            </p:stCondLst>
+                            <p:childTnLst>
+                              <p:par>
+                                <p:cTn id="9" presetID="1" presetClass="entr" presetSubtype="0" fill="hold" nodeType="clickEffect">
+                                  <p:stCondLst>
+                                    <p:cond delay="0"/>
+                                  </p:stCondLst>
+                                  <p:childTnLst>
+                                    <p:set>
+                                      <p:cBhvr>
+                                        <p:cTn id="10" dur="1" fill="hold">
+                                          <p:stCondLst>
+                                            <p:cond delay="0"/>
+                                          </p:stCondLst>
+                                        </p:cTn>
+                                        <p:tgtEl>
+                                          <p:spTgt spid="7"/>
+                                        </p:tgtEl>
+                                        <p:attrNameLst>
+                                          <p:attrName>style.visibility</p:attrName>
+                                        </p:attrNameLst>
+                                      </p:cBhvr>
+                                      <p:to>
+                                        <p:strVal val="visible"/>
+                                      </p:to>
+                                    </p:set>
+                                  </p:childTnLst>
+                                </p:cTn>
+                              </p:par>
+                              <p:par>
+                                <p:cTn id="11" presetID="1" presetClass="entr" presetSubtype="0" fill="hold" nodeType="withEffect">
+                                  <p:stCondLst>
+                                    <p:cond delay="0"/>
+                                  </p:stCondLst>
+                                  <p:childTnLst>
+                                    <p:set>
+                                      <p:cBhvr>
+                                        <p:cTn id="12" dur="1" fill="hold">
+                                          <p:stCondLst>
+                                            <p:cond delay="0"/>
+                                          </p:stCondLst>
+                                        </p:cTn>
+                                        <p:tgtEl>
+                                          <p:spTgt spid="8"/>
+                                        </p:tgtEl>
+                                        <p:attrNameLst>
+                                          <p:attrName>style.visibility</p:attrName>
+                                        </p:attrNameLst>
+                                      </p:cBhvr>
+                                      <p:to>
+                                        <p:strVal val="visible"/>
+                                      </p:to>
+                                    </p:set>
+                                  </p:childTnLst>
+                                </p:cTn>
+                              </p:par>
+                            </p:childTnLst>
+                          </p:cTn>
+                        </p:par>
+                      </p:childTnLst>
+                    </p:cTn>
+                  </p:par>
+                  <p:par>
+                    <p:cTn id="13" fill="hold">
+                      <p:stCondLst>
+                        <p:cond delay="indefinite"/>
+                      </p:stCondLst>
+                      <p:childTnLst>
+                        <p:par>
+                          <p:cTn id="14" fill="hold">
+                            <p:stCondLst>
+                              <p:cond delay="0"/>
+                            </p:stCondLst>
+                            <p:childTnLst>
+                              <p:par>
+                                <p:cTn id="15" presetID="1" presetClass="entr" presetSubtype="0" fill="hold" nodeType="clickEffect">
+                                  <p:stCondLst>
+                                    <p:cond delay="0"/>
+                                  </p:stCondLst>
+                                  <p:childTnLst>
+                                    <p:set>
+                                      <p:cBhvr>
+                                        <p:cTn id="16" dur="1" fill="hold">
+                                          <p:stCondLst>
+                                            <p:cond delay="0"/>
+                                          </p:stCondLst>
+                                        </p:cTn>
+                                        <p:tgtEl>
+                                          <p:spTgt spid="10"/>
+                                        </p:tgtEl>
+                                        <p:attrNameLst>
+                                          <p:attrName>style.visibility</p:attrName>
+                                        </p:attrNameLst>
+                                      </p:cBhvr>
+                                      <p:to>
+                                        <p:strVal val="visible"/>
+                                      </p:to>
+                                    </p:set>
+                                  </p:childTnLst>
+                                </p:cTn>
+                              </p:par>
+                            </p:childTnLst>
+                          </p:cTn>
+                        </p:par>
+                      </p:childTnLst>
+                    </p:cTn>
+                  </p:par>
+                  <p:par>
+                    <p:cTn id="17" fill="hold">
+                      <p:stCondLst>
+                        <p:cond delay="indefinite"/>
+                      </p:stCondLst>
+                      <p:childTnLst>
+                        <p:par>
+                          <p:cTn id="18" fill="hold">
+                            <p:stCondLst>
+                              <p:cond delay="0"/>
+                            </p:stCondLst>
+                            <p:childTnLst>
+                              <p:par>
+                                <p:cTn id="19" presetID="1" presetClass="entr" presetSubtype="0" fill="hold" nodeType="clickEffect">
+                                  <p:stCondLst>
+                                    <p:cond delay="0"/>
+                                  </p:stCondLst>
+                                  <p:childTnLst>
+                                    <p:set>
+                                      <p:cBhvr>
+                                        <p:cTn id="20" dur="1" fill="hold">
+                                          <p:stCondLst>
+                                            <p:cond delay="0"/>
+                                          </p:stCondLst>
+                                        </p:cTn>
+                                        <p:tgtEl>
+                                          <p:spTgt spid="11"/>
+                                        </p:tgtEl>
+                                        <p:attrNameLst>
+                                          <p:attrName>style.visibility</p:attrName>
+                                        </p:attrNameLst>
+                                      </p:cBhvr>
+                                      <p:to>
+                                        <p:strVal val="visible"/>
+                                      </p:to>
+                                    </p:set>
+                                  </p:childTnLst>
+                                </p:cTn>
+                              </p:par>
+                            </p:childTnLst>
+                          </p:cTn>
+                        </p:par>
+                      </p:childTnLst>
+                    </p:cTn>
+                  </p:par>
+                  <p:par>
+                    <p:cTn id="21" fill="hold">
+                      <p:stCondLst>
+                        <p:cond delay="indefinite"/>
+                      </p:stCondLst>
+                      <p:childTnLst>
+                        <p:par>
+                          <p:cTn id="22" fill="hold">
+                            <p:stCondLst>
+                              <p:cond delay="0"/>
+                            </p:stCondLst>
+                            <p:childTnLst>
+                              <p:par>
+                                <p:cTn id="23" presetID="1" presetClass="entr" presetSubtype="0" fill="hold" nodeType="clickEffect">
+                                  <p:stCondLst>
+                                    <p:cond delay="0"/>
+                                  </p:stCondLst>
+                                  <p:childTnLst>
+                                    <p:set>
+                                      <p:cBhvr>
+                                        <p:cTn id="24" dur="1" fill="hold">
+                                          <p:stCondLst>
+                                            <p:cond delay="0"/>
+                                          </p:stCondLst>
+                                        </p:cTn>
+                                        <p:tgtEl>
+                                          <p:spTgt spid="12"/>
+                                        </p:tgtEl>
+                                        <p:attrNameLst>
+                                          <p:attrName>style.visibility</p:attrName>
+                                        </p:attrNameLst>
+                                      </p:cBhvr>
+                                      <p:to>
+                                        <p:strVal val="visible"/>
+                                      </p:to>
+                                    </p:set>
+                                  </p:childTnLst>
+                                </p:cTn>
+                              </p:par>
+                            </p:childTnLst>
+                          </p:cTn>
+                        </p:par>
+                      </p:childTnLst>
+                    </p:cTn>
+                  </p:par>
+                  <p:par>
+                    <p:cTn id="25" fill="hold">
+                      <p:stCondLst>
+                        <p:cond delay="indefinite"/>
+                      </p:stCondLst>
+                      <p:childTnLst>
+                        <p:par>
+                          <p:cTn id="26" fill="hold">
+                            <p:stCondLst>
+                              <p:cond delay="0"/>
+                            </p:stCondLst>
+                            <p:childTnLst>
+                              <p:par>
+                                <p:cTn id="27" presetID="1" presetClass="entr" presetSubtype="0" fill="hold" nodeType="clickEffect">
+                                  <p:stCondLst>
+                                    <p:cond delay="0"/>
+                                  </p:stCondLst>
+                                  <p:childTnLst>
+                                    <p:set>
+                                      <p:cBhvr>
+                                        <p:cTn id="28" dur="1" fill="hold">
+                                          <p:stCondLst>
+                                            <p:cond delay="0"/>
+                                          </p:stCondLst>
+                                        </p:cTn>
+                                        <p:tgtEl>
+                                          <p:spTgt spid="13"/>
+                                        </p:tgtEl>
+                                        <p:attrNameLst>
+                                          <p:attrName>style.visibility</p:attrName>
+                                        </p:attrNameLst>
+                                      </p:cBhvr>
+                                      <p:to>
+                                        <p:strVal val="visible"/>
+                                      </p:to>
+                                    </p:set>
+                                  </p:childTnLst>
+                                </p:cTn>
+                              </p:par>
+                            </p:childTnLst>
+                          </p:cTn>
+                        </p:par>
+                      </p:childTnLst>
+                    </p:cTn>
+                  </p:par>
+                </p:childTnLst>
+              </p:cTn>
+              <p:prevCondLst>
+                <p:cond evt="onPrev" delay="0">
+                  <p:tgtEl>
+                    <p:sldTgt/>
+                  </p:tgtEl>
+                </p:cond>
+              </p:prevCondLst>
+              <p:nextCondLst>
+                <p:cond evt="onNext" delay="0">
+                  <p:tgtEl>
+                    <p:sldTgt/>
+                  </p:tgtEl>
+                </p:cond>
+              </p:nextCondLst>
+            </p:seq>
+          </p:childTnLst>
+        </p:cTn>
+      </p:par>
+    </p:tnLst>
+  </p:timing>
+</p:sld>
+</file>
+
+<file path=ppt/slides/slide5.xml><?xml version="1.0" encoding="utf-8"?>
+<p:sld xmlns:a="http://schemas.openxmlformats.org/drawingml/2006/main" xmlns:r="http://schemas.openxmlformats.org/officeDocument/2006/relationships" xmlns:p="http://schemas.openxmlformats.org/presentationml/2006/main">
+  <p:cSld>
+    <p:bg>
+      <p:bgRef idx="1001">
+        <a:schemeClr val="bg1"/>
+      </p:bgRef>
+    </p:bg>
+    <p:spTree>
+      <p:nvGrpSpPr>
+        <p:cNvPr id="1" name=""/>
+        <p:cNvGrpSpPr/>
+        <p:nvPr/>
+      </p:nvGrpSpPr>
+      <p:grpSpPr>
+        <a:xfrm>
+          <a:off x="0" y="0"/>
+          <a:ext cx="0" cy="0"/>
+          <a:chOff x="0" y="0"/>
+          <a:chExt cx="0" cy="0"/>
+        </a:xfrm>
+      </p:grpSpPr>
+      <p:pic>
+        <p:nvPicPr>
+          <p:cNvPr id="15" name="Picture 19"/>
+          <p:cNvPicPr>
+            <a:picLocks noChangeAspect="1"/>
+          </p:cNvPicPr>
+          <p:nvPr/>
+        </p:nvPicPr>
+        <p:blipFill>
+          <a:blip r:embed="rId3">
+            <a:extLst>
+              <a:ext uri="{28A0092B-C50C-407E-A947-70E740481C1C}">
+                <a14:useLocalDpi xmlns:a14="http://schemas.microsoft.com/office/drawing/2010/main" val="0"/>
+              </a:ext>
+            </a:extLst>
+          </a:blip>
+          <a:stretch>
+            <a:fillRect/>
+          </a:stretch>
+        </p:blipFill>
+        <p:spPr>
+          <a:xfrm>
+            <a:off x="1" y="2533650"/>
+            <a:ext cx="5348884" cy="4324350"/>
+          </a:xfrm>
+          <a:prstGeom prst="rect">
+            <a:avLst/>
+          </a:prstGeom>
+        </p:spPr>
+      </p:pic>
+      <p:pic>
+        <p:nvPicPr>
+          <p:cNvPr id="14" name="Picture 18"/>
+          <p:cNvPicPr>
+            <a:picLocks noChangeAspect="1"/>
+          </p:cNvPicPr>
+          <p:nvPr/>
+        </p:nvPicPr>
+        <p:blipFill>
+          <a:blip r:embed="rId4">
+            <a:extLst>
+              <a:ext uri="{28A0092B-C50C-407E-A947-70E740481C1C}">
+                <a14:useLocalDpi xmlns:a14="http://schemas.microsoft.com/office/drawing/2010/main" val="0"/>
+              </a:ext>
+            </a:extLst>
+          </a:blip>
+          <a:stretch>
+            <a:fillRect/>
+          </a:stretch>
+        </p:blipFill>
+        <p:spPr>
+          <a:xfrm>
+            <a:off x="1" y="2516188"/>
+            <a:ext cx="5348884" cy="4341812"/>
+          </a:xfrm>
+          <a:prstGeom prst="rect">
+            <a:avLst/>
+          </a:prstGeom>
+        </p:spPr>
+      </p:pic>
+      <p:pic>
+        <p:nvPicPr>
+          <p:cNvPr id="24" name="Picture 17"/>
+          <p:cNvPicPr>
+            <a:picLocks noChangeAspect="1"/>
+          </p:cNvPicPr>
+          <p:nvPr/>
+        </p:nvPicPr>
+        <p:blipFill>
+          <a:blip r:embed="rId5">
+            <a:extLst>
+              <a:ext uri="{28A0092B-C50C-407E-A947-70E740481C1C}">
+                <a14:useLocalDpi xmlns:a14="http://schemas.microsoft.com/office/drawing/2010/main" val="0"/>
+              </a:ext>
+            </a:extLst>
+          </a:blip>
+          <a:stretch>
+            <a:fillRect/>
+          </a:stretch>
+        </p:blipFill>
+        <p:spPr>
+          <a:xfrm>
+            <a:off x="1" y="2516188"/>
+            <a:ext cx="5348884" cy="4341812"/>
+          </a:xfrm>
+          <a:prstGeom prst="rect">
+            <a:avLst/>
+          </a:prstGeom>
+        </p:spPr>
+      </p:pic>
+      <p:pic>
+        <p:nvPicPr>
+          <p:cNvPr id="23" name="Picture 16"/>
+          <p:cNvPicPr>
+            <a:picLocks noChangeAspect="1"/>
+          </p:cNvPicPr>
+          <p:nvPr/>
+        </p:nvPicPr>
+        <p:blipFill>
+          <a:blip r:embed="rId6">
+            <a:extLst>
+              <a:ext uri="{28A0092B-C50C-407E-A947-70E740481C1C}">
+                <a14:useLocalDpi xmlns:a14="http://schemas.microsoft.com/office/drawing/2010/main" val="0"/>
+              </a:ext>
+            </a:extLst>
+          </a:blip>
+          <a:stretch>
+            <a:fillRect/>
+          </a:stretch>
+        </p:blipFill>
+        <p:spPr>
+          <a:xfrm>
+            <a:off x="1" y="2516188"/>
+            <a:ext cx="5348884" cy="4341812"/>
+          </a:xfrm>
+          <a:prstGeom prst="rect">
+            <a:avLst/>
+          </a:prstGeom>
+        </p:spPr>
+      </p:pic>
+      <p:pic>
+        <p:nvPicPr>
+          <p:cNvPr id="11" name="Picture 15"/>
+          <p:cNvPicPr>
+            <a:picLocks noChangeAspect="1"/>
+          </p:cNvPicPr>
+          <p:nvPr/>
+        </p:nvPicPr>
+        <p:blipFill>
+          <a:blip r:embed="rId7">
+            <a:extLst>
+              <a:ext uri="{28A0092B-C50C-407E-A947-70E740481C1C}">
+                <a14:useLocalDpi xmlns:a14="http://schemas.microsoft.com/office/drawing/2010/main" val="0"/>
+              </a:ext>
+            </a:extLst>
+          </a:blip>
+          <a:stretch>
+            <a:fillRect/>
+          </a:stretch>
+        </p:blipFill>
+        <p:spPr>
+          <a:xfrm>
+            <a:off x="1" y="2516188"/>
+            <a:ext cx="5348884" cy="4341812"/>
+          </a:xfrm>
+          <a:prstGeom prst="rect">
+            <a:avLst/>
+          </a:prstGeom>
+        </p:spPr>
+      </p:pic>
+      <p:pic>
+        <p:nvPicPr>
+          <p:cNvPr id="6" name="Picture 14"/>
+          <p:cNvPicPr>
+            <a:picLocks noChangeAspect="1"/>
+          </p:cNvPicPr>
+          <p:nvPr/>
+        </p:nvPicPr>
+        <p:blipFill>
+          <a:blip r:embed="rId8">
+            <a:extLst>
+              <a:ext uri="{28A0092B-C50C-407E-A947-70E740481C1C}">
+                <a14:useLocalDpi xmlns:a14="http://schemas.microsoft.com/office/drawing/2010/main" val="0"/>
+              </a:ext>
+            </a:extLst>
+          </a:blip>
+          <a:stretch>
+            <a:fillRect/>
+          </a:stretch>
+        </p:blipFill>
+        <p:spPr>
+          <a:xfrm>
+            <a:off x="0" y="2516188"/>
+            <a:ext cx="5348884" cy="4341812"/>
+          </a:xfrm>
+          <a:prstGeom prst="rect">
+            <a:avLst/>
+          </a:prstGeom>
+        </p:spPr>
+      </p:pic>
+      <p:pic>
+        <p:nvPicPr>
+          <p:cNvPr id="10" name="Picture 13"/>
+          <p:cNvPicPr>
+            <a:picLocks noGrp="1" noChangeAspect="1"/>
+          </p:cNvPicPr>
+          <p:nvPr>
+            <p:ph idx="1"/>
+          </p:nvPr>
+        </p:nvPicPr>
+        <p:blipFill>
+          <a:blip r:embed="rId9">
+            <a:extLst>
+              <a:ext uri="{28A0092B-C50C-407E-A947-70E740481C1C}">
+                <a14:useLocalDpi xmlns:a14="http://schemas.microsoft.com/office/drawing/2010/main" val="0"/>
+              </a:ext>
+            </a:extLst>
+          </a:blip>
+          <a:stretch>
+            <a:fillRect/>
+          </a:stretch>
+        </p:blipFill>
+        <p:spPr>
+          <a:xfrm>
+            <a:off x="0" y="2533650"/>
+            <a:ext cx="5348884" cy="4324350"/>
+          </a:xfrm>
+        </p:spPr>
+      </p:pic>
+      <p:pic>
+        <p:nvPicPr>
+          <p:cNvPr id="9" name="Picture 12"/>
+          <p:cNvPicPr>
+            <a:picLocks noGrp="1" noChangeAspect="1"/>
+          </p:cNvPicPr>
+          <p:nvPr>
+            <p:ph idx="1"/>
+          </p:nvPr>
+        </p:nvPicPr>
+        <p:blipFill>
+          <a:blip r:embed="rId10">
+            <a:extLst>
+              <a:ext uri="{28A0092B-C50C-407E-A947-70E740481C1C}">
+                <a14:useLocalDpi xmlns:a14="http://schemas.microsoft.com/office/drawing/2010/main" val="0"/>
+              </a:ext>
+            </a:extLst>
+          </a:blip>
+          <a:stretch>
+            <a:fillRect/>
+          </a:stretch>
+        </p:blipFill>
+        <p:spPr>
+          <a:xfrm>
+            <a:off x="0" y="2533650"/>
+            <a:ext cx="5348884" cy="4324350"/>
+          </a:xfrm>
+        </p:spPr>
+      </p:pic>
+      <p:pic>
+        <p:nvPicPr>
+          <p:cNvPr id="5" name="Picture 11"/>
+          <p:cNvPicPr>
+            <a:picLocks noGrp="1" noChangeAspect="1"/>
+          </p:cNvPicPr>
           <p:nvPr>
             <p:ph sz="half" idx="1"/>
           </p:nvPr>
-        </p:nvSpPr>
-        <p:spPr/>
-        <p:txBody>
-          <a:bodyPr/>
-          <a:lstStyle/>
-          <a:p>
-            <a:r>
-              <a:rPr lang="en-US" smtClean="0"/>
-              <a:t>Camping</a:t>
-            </a:r>
-          </a:p>
-          <a:p>
-            <a:pPr lvl="1"/>
-            <a:r>
-              <a:rPr lang="en-US" smtClean="0"/>
-              <a:t>Duffel Bags</a:t>
-            </a:r>
-          </a:p>
-          <a:p>
-            <a:pPr lvl="1"/>
-            <a:r>
-              <a:rPr lang="en-US" smtClean="0"/>
-              <a:t>Daypacks</a:t>
-            </a:r>
-          </a:p>
-          <a:p>
-            <a:pPr lvl="1"/>
-            <a:r>
-              <a:rPr lang="en-US" smtClean="0"/>
-              <a:t>Family camping tents</a:t>
-            </a:r>
-          </a:p>
-          <a:p>
-            <a:pPr lvl="1"/>
-            <a:r>
-              <a:rPr lang="en-US" smtClean="0"/>
-              <a:t>Foam sleep pads</a:t>
-            </a:r>
-          </a:p>
-          <a:p>
-            <a:pPr lvl="1"/>
-            <a:r>
-              <a:rPr lang="en-US" smtClean="0"/>
-              <a:t>Internal frame packs</a:t>
-            </a:r>
-          </a:p>
-          <a:p>
-            <a:pPr lvl="1"/>
-            <a:r>
-              <a:rPr lang="en-US" smtClean="0"/>
-              <a:t>Cookware</a:t>
-            </a:r>
-          </a:p>
-          <a:p>
-            <a:pPr lvl="1"/>
-            <a:r>
-              <a:rPr lang="en-US" smtClean="0"/>
-              <a:t>Dehydrated food packs</a:t>
-            </a:r>
-            <a:endParaRPr lang="en-US" dirty="0"/>
-          </a:p>
-        </p:txBody>
-      </p:sp>
+        </p:nvPicPr>
+        <p:blipFill>
+          <a:blip r:embed="rId11">
+            <a:extLst>
+              <a:ext uri="{28A0092B-C50C-407E-A947-70E740481C1C}">
+                <a14:useLocalDpi xmlns:a14="http://schemas.microsoft.com/office/drawing/2010/main" val="0"/>
+              </a:ext>
+            </a:extLst>
+          </a:blip>
+          <a:stretch>
+            <a:fillRect/>
+          </a:stretch>
+        </p:blipFill>
+        <p:spPr>
+          <a:xfrm>
+            <a:off x="0" y="2516188"/>
+            <a:ext cx="5348884" cy="4341812"/>
+          </a:xfrm>
+        </p:spPr>
+      </p:pic>
+      <p:pic>
+        <p:nvPicPr>
+          <p:cNvPr id="22" name="Picture 09"/>
+          <p:cNvPicPr>
+            <a:picLocks noChangeAspect="1"/>
+          </p:cNvPicPr>
+          <p:nvPr/>
+        </p:nvPicPr>
+        <p:blipFill>
+          <a:blip r:embed="rId12">
+            <a:extLst>
+              <a:ext uri="{28A0092B-C50C-407E-A947-70E740481C1C}">
+                <a14:useLocalDpi xmlns:a14="http://schemas.microsoft.com/office/drawing/2010/main" val="0"/>
+              </a:ext>
+            </a:extLst>
+          </a:blip>
+          <a:stretch>
+            <a:fillRect/>
+          </a:stretch>
+        </p:blipFill>
+        <p:spPr>
+          <a:xfrm>
+            <a:off x="0" y="2516188"/>
+            <a:ext cx="5348885" cy="4341812"/>
+          </a:xfrm>
+          <a:prstGeom prst="rect">
+            <a:avLst/>
+          </a:prstGeom>
+        </p:spPr>
+      </p:pic>
+      <p:pic>
+        <p:nvPicPr>
+          <p:cNvPr id="21" name="Picture 08"/>
+          <p:cNvPicPr>
+            <a:picLocks noChangeAspect="1"/>
+          </p:cNvPicPr>
+          <p:nvPr/>
+        </p:nvPicPr>
+        <p:blipFill>
+          <a:blip r:embed="rId13">
+            <a:extLst>
+              <a:ext uri="{28A0092B-C50C-407E-A947-70E740481C1C}">
+                <a14:useLocalDpi xmlns:a14="http://schemas.microsoft.com/office/drawing/2010/main" val="0"/>
+              </a:ext>
+            </a:extLst>
+          </a:blip>
+          <a:stretch>
+            <a:fillRect/>
+          </a:stretch>
+        </p:blipFill>
+        <p:spPr>
+          <a:xfrm>
+            <a:off x="0" y="2516188"/>
+            <a:ext cx="5348885" cy="4341812"/>
+          </a:xfrm>
+          <a:prstGeom prst="rect">
+            <a:avLst/>
+          </a:prstGeom>
+        </p:spPr>
+      </p:pic>
+      <p:pic>
+        <p:nvPicPr>
+          <p:cNvPr id="13" name="Picture 07"/>
+          <p:cNvPicPr>
+            <a:picLocks noChangeAspect="1"/>
+          </p:cNvPicPr>
+          <p:nvPr/>
+        </p:nvPicPr>
+        <p:blipFill>
+          <a:blip r:embed="rId14">
+            <a:extLst>
+              <a:ext uri="{28A0092B-C50C-407E-A947-70E740481C1C}">
+                <a14:useLocalDpi xmlns:a14="http://schemas.microsoft.com/office/drawing/2010/main" val="0"/>
+              </a:ext>
+            </a:extLst>
+          </a:blip>
+          <a:stretch>
+            <a:fillRect/>
+          </a:stretch>
+        </p:blipFill>
+        <p:spPr>
+          <a:xfrm>
+            <a:off x="1" y="2516188"/>
+            <a:ext cx="5348884" cy="4341812"/>
+          </a:xfrm>
+          <a:prstGeom prst="rect">
+            <a:avLst/>
+          </a:prstGeom>
+        </p:spPr>
+      </p:pic>
+      <p:pic>
+        <p:nvPicPr>
+          <p:cNvPr id="12" name="Picture 06"/>
+          <p:cNvPicPr>
+            <a:picLocks noChangeAspect="1"/>
+          </p:cNvPicPr>
+          <p:nvPr/>
+        </p:nvPicPr>
+        <p:blipFill>
+          <a:blip r:embed="rId15">
+            <a:extLst>
+              <a:ext uri="{28A0092B-C50C-407E-A947-70E740481C1C}">
+                <a14:useLocalDpi xmlns:a14="http://schemas.microsoft.com/office/drawing/2010/main" val="0"/>
+              </a:ext>
+            </a:extLst>
+          </a:blip>
+          <a:stretch>
+            <a:fillRect/>
+          </a:stretch>
+        </p:blipFill>
+        <p:spPr>
+          <a:xfrm>
+            <a:off x="0" y="2516188"/>
+            <a:ext cx="5348884" cy="4341812"/>
+          </a:xfrm>
+          <a:prstGeom prst="rect">
+            <a:avLst/>
+          </a:prstGeom>
+        </p:spPr>
+      </p:pic>
+      <p:pic>
+        <p:nvPicPr>
+          <p:cNvPr id="20" name="Picture 05"/>
+          <p:cNvPicPr>
+            <a:picLocks noChangeAspect="1"/>
+          </p:cNvPicPr>
+          <p:nvPr/>
+        </p:nvPicPr>
+        <p:blipFill>
+          <a:blip r:embed="rId16">
+            <a:extLst>
+              <a:ext uri="{28A0092B-C50C-407E-A947-70E740481C1C}">
+                <a14:useLocalDpi xmlns:a14="http://schemas.microsoft.com/office/drawing/2010/main" val="0"/>
+              </a:ext>
+            </a:extLst>
+          </a:blip>
+          <a:stretch>
+            <a:fillRect/>
+          </a:stretch>
+        </p:blipFill>
+        <p:spPr>
+          <a:xfrm>
+            <a:off x="0" y="2516188"/>
+            <a:ext cx="5348885" cy="4341812"/>
+          </a:xfrm>
+          <a:prstGeom prst="rect">
+            <a:avLst/>
+          </a:prstGeom>
+        </p:spPr>
+      </p:pic>
+      <p:pic>
+        <p:nvPicPr>
+          <p:cNvPr id="19" name="Picture 04"/>
+          <p:cNvPicPr>
+            <a:picLocks noChangeAspect="1"/>
+          </p:cNvPicPr>
+          <p:nvPr/>
+        </p:nvPicPr>
+        <p:blipFill>
+          <a:blip r:embed="rId17">
+            <a:extLst>
+              <a:ext uri="{28A0092B-C50C-407E-A947-70E740481C1C}">
+                <a14:useLocalDpi xmlns:a14="http://schemas.microsoft.com/office/drawing/2010/main" val="0"/>
+              </a:ext>
+            </a:extLst>
+          </a:blip>
+          <a:stretch>
+            <a:fillRect/>
+          </a:stretch>
+        </p:blipFill>
+        <p:spPr>
+          <a:xfrm>
+            <a:off x="0" y="2516188"/>
+            <a:ext cx="5348885" cy="4341812"/>
+          </a:xfrm>
+          <a:prstGeom prst="rect">
+            <a:avLst/>
+          </a:prstGeom>
+        </p:spPr>
+      </p:pic>
+      <p:pic>
+        <p:nvPicPr>
+          <p:cNvPr id="18" name="Picture 03"/>
+          <p:cNvPicPr>
+            <a:picLocks noChangeAspect="1"/>
+          </p:cNvPicPr>
+          <p:nvPr/>
+        </p:nvPicPr>
+        <p:blipFill>
+          <a:blip r:embed="rId18">
+            <a:extLst>
+              <a:ext uri="{28A0092B-C50C-407E-A947-70E740481C1C}">
+                <a14:useLocalDpi xmlns:a14="http://schemas.microsoft.com/office/drawing/2010/main" val="0"/>
+              </a:ext>
+            </a:extLst>
+          </a:blip>
+          <a:stretch>
+            <a:fillRect/>
+          </a:stretch>
+        </p:blipFill>
+        <p:spPr>
+          <a:xfrm>
+            <a:off x="1" y="2516188"/>
+            <a:ext cx="5348884" cy="4341812"/>
+          </a:xfrm>
+          <a:prstGeom prst="rect">
+            <a:avLst/>
+          </a:prstGeom>
+        </p:spPr>
+      </p:pic>
+      <p:pic>
+        <p:nvPicPr>
+          <p:cNvPr id="17" name="Picture 02"/>
+          <p:cNvPicPr>
+            <a:picLocks noChangeAspect="1"/>
+          </p:cNvPicPr>
+          <p:nvPr/>
+        </p:nvPicPr>
+        <p:blipFill>
+          <a:blip r:embed="rId19">
+            <a:extLst>
+              <a:ext uri="{28A0092B-C50C-407E-A947-70E740481C1C}">
+                <a14:useLocalDpi xmlns:a14="http://schemas.microsoft.com/office/drawing/2010/main" val="0"/>
+              </a:ext>
+            </a:extLst>
+          </a:blip>
+          <a:stretch>
+            <a:fillRect/>
+          </a:stretch>
+        </p:blipFill>
+        <p:spPr>
+          <a:xfrm>
+            <a:off x="1" y="2516188"/>
+            <a:ext cx="5348884" cy="4341812"/>
+          </a:xfrm>
+          <a:prstGeom prst="rect">
+            <a:avLst/>
+          </a:prstGeom>
+        </p:spPr>
+      </p:pic>
+      <p:pic>
+        <p:nvPicPr>
+          <p:cNvPr id="16" name="Picture 01"/>
+          <p:cNvPicPr>
+            <a:picLocks noChangeAspect="1"/>
+          </p:cNvPicPr>
+          <p:nvPr/>
+        </p:nvPicPr>
+        <p:blipFill>
+          <a:blip r:embed="rId20">
+            <a:extLst>
+              <a:ext uri="{28A0092B-C50C-407E-A947-70E740481C1C}">
+                <a14:useLocalDpi xmlns:a14="http://schemas.microsoft.com/office/drawing/2010/main" val="0"/>
+              </a:ext>
+            </a:extLst>
+          </a:blip>
+          <a:stretch>
+            <a:fillRect/>
+          </a:stretch>
+        </p:blipFill>
+        <p:spPr>
+          <a:xfrm>
+            <a:off x="1" y="2516188"/>
+            <a:ext cx="5348884" cy="4341812"/>
+          </a:xfrm>
+          <a:prstGeom prst="rect">
+            <a:avLst/>
+          </a:prstGeom>
+        </p:spPr>
+      </p:pic>
       <p:sp>
         <p:nvSpPr>
           <p:cNvPr id="2" name="Title 1"/>
@@ -11255,8 +12044,8 @@
           <a:lstStyle/>
           <a:p>
             <a:r>
-              <a:rPr lang="en-US" smtClean="0"/>
-              <a:t>Our Current Products</a:t>
+              <a:rPr lang="en-US" dirty="0" err="1" smtClean="0"/>
+              <a:t>Convolução</a:t>
             </a:r>
             <a:endParaRPr lang="en-US" dirty="0"/>
           </a:p>
@@ -11270,1080 +12059,1337 @@
     </p:extLst>
   </p:cSld>
   <p:clrMapOvr>
-    <a:masterClrMapping/>
+    <a:overrideClrMapping bg1="lt1" tx1="dk1" bg2="lt2" tx2="dk2" accent1="accent1" accent2="accent2" accent3="accent3" accent4="accent4" accent5="accent5" accent6="accent6" hlink="hlink" folHlink="folHlink"/>
   </p:clrMapOvr>
-  <mc:AlternateContent xmlns:mc="http://schemas.openxmlformats.org/markup-compatibility/2006" xmlns:p14="http://schemas.microsoft.com/office/powerpoint/2010/main">
-    <mc:Choice Requires="p14">
-      <p:transition spd="med" p14:dur="700">
-        <p:fade/>
-      </p:transition>
-    </mc:Choice>
-    <mc:Fallback xmlns="">
-      <p:transition spd="med">
-        <p:fade/>
-      </p:transition>
-    </mc:Fallback>
-  </mc:AlternateContent>
-</p:sld>
-</file>
-
-<file path=ppt/slides/slide5.xml><?xml version="1.0" encoding="utf-8"?>
-<p:sld xmlns:a="http://schemas.openxmlformats.org/drawingml/2006/main" xmlns:r="http://schemas.openxmlformats.org/officeDocument/2006/relationships" xmlns:p="http://schemas.openxmlformats.org/presentationml/2006/main">
-  <p:cSld>
-    <p:spTree>
-      <p:nvGrpSpPr>
-        <p:cNvPr id="1" name=""/>
-        <p:cNvGrpSpPr/>
-        <p:nvPr/>
-      </p:nvGrpSpPr>
-      <p:grpSpPr>
-        <a:xfrm>
-          <a:off x="0" y="0"/>
-          <a:ext cx="0" cy="0"/>
-          <a:chOff x="0" y="0"/>
-          <a:chExt cx="0" cy="0"/>
-        </a:xfrm>
-      </p:grpSpPr>
-      <p:graphicFrame>
-        <p:nvGraphicFramePr>
-          <p:cNvPr id="9" name="Content Placeholder 8" title="Previous year profits table"/>
-          <p:cNvGraphicFramePr>
-            <a:graphicFrameLocks noGrp="1"/>
-          </p:cNvGraphicFramePr>
-          <p:nvPr>
-            <p:ph idx="1"/>
-            <p:extLst>
-              <p:ext uri="{D42A27DB-BD31-4B8C-83A1-F6EECF244321}">
-                <p14:modId xmlns:p14="http://schemas.microsoft.com/office/powerpoint/2010/main" val="2185432678"/>
-              </p:ext>
-            </p:extLst>
-          </p:nvPr>
-        </p:nvGraphicFramePr>
-        <p:xfrm>
-          <a:off x="609600" y="2249488"/>
-          <a:ext cx="7414260" cy="2855976"/>
-        </p:xfrm>
-        <a:graphic>
-          <a:graphicData uri="http://schemas.openxmlformats.org/drawingml/2006/table">
-            <a:tbl>
-              <a:tblPr firstRow="1" bandRow="1">
-                <a:tableStyleId>{5C22544A-7EE6-4342-B048-85BDC9FD1C3A}</a:tableStyleId>
-              </a:tblPr>
-              <a:tblGrid>
-                <a:gridCol w="2625090">
-                  <a:extLst>
-                    <a:ext uri="{9D8B030D-6E8A-4147-A177-3AD203B41FA5}">
-                      <a16:colId xmlns:a16="http://schemas.microsoft.com/office/drawing/2014/main" val="20000"/>
-                    </a:ext>
-                  </a:extLst>
-                </a:gridCol>
-                <a:gridCol w="1596390">
-                  <a:extLst>
-                    <a:ext uri="{9D8B030D-6E8A-4147-A177-3AD203B41FA5}">
-                      <a16:colId xmlns:a16="http://schemas.microsoft.com/office/drawing/2014/main" val="20001"/>
-                    </a:ext>
-                  </a:extLst>
-                </a:gridCol>
-                <a:gridCol w="1596390">
-                  <a:extLst>
-                    <a:ext uri="{9D8B030D-6E8A-4147-A177-3AD203B41FA5}">
-                      <a16:colId xmlns:a16="http://schemas.microsoft.com/office/drawing/2014/main" val="20002"/>
-                    </a:ext>
-                  </a:extLst>
-                </a:gridCol>
-                <a:gridCol w="1596390">
-                  <a:extLst>
-                    <a:ext uri="{9D8B030D-6E8A-4147-A177-3AD203B41FA5}">
-                      <a16:colId xmlns:a16="http://schemas.microsoft.com/office/drawing/2014/main" val="20003"/>
-                    </a:ext>
-                  </a:extLst>
-                </a:gridCol>
-              </a:tblGrid>
-              <a:tr h="370840">
-                <a:tc>
-                  <a:txBody>
-                    <a:bodyPr/>
-                    <a:lstStyle/>
-                    <a:p>
-                      <a:endParaRPr lang="en-US" dirty="0"/>
-                    </a:p>
-                  </a:txBody>
-                  <a:tcPr/>
-                </a:tc>
-                <a:tc>
-                  <a:txBody>
-                    <a:bodyPr/>
-                    <a:lstStyle/>
-                    <a:p>
-                      <a:pPr marL="0" marR="0" indent="11430" algn="r">
-                        <a:lnSpc>
-                          <a:spcPct val="115000"/>
-                        </a:lnSpc>
-                        <a:spcBef>
-                          <a:spcPts val="0"/>
-                        </a:spcBef>
-                        <a:spcAft>
-                          <a:spcPts val="0"/>
-                        </a:spcAft>
-                      </a:pPr>
-                      <a:r>
-                        <a:rPr lang="en-US" sz="1800" dirty="0" smtClean="0">
-                          <a:effectLst/>
-                        </a:rPr>
-                        <a:t>[Year]</a:t>
-                      </a:r>
-                      <a:endParaRPr lang="en-US" sz="1000" dirty="0">
-                        <a:effectLst/>
-                        <a:latin typeface="Times New Roman" panose="02020603050405020304" pitchFamily="18" charset="0"/>
-                        <a:ea typeface="Times New Roman" panose="02020603050405020304" pitchFamily="18" charset="0"/>
-                        <a:cs typeface="Times New Roman" panose="02020603050405020304" pitchFamily="18" charset="0"/>
-                      </a:endParaRPr>
-                    </a:p>
-                  </a:txBody>
-                  <a:tcPr marL="68580" marR="68580" marT="0" marB="0" anchor="ctr"/>
-                </a:tc>
-                <a:tc>
-                  <a:txBody>
-                    <a:bodyPr/>
-                    <a:lstStyle/>
-                    <a:p>
-                      <a:pPr marL="22860" marR="0" indent="-22860" algn="r">
-                        <a:lnSpc>
-                          <a:spcPct val="115000"/>
-                        </a:lnSpc>
-                        <a:spcBef>
-                          <a:spcPts val="0"/>
-                        </a:spcBef>
-                        <a:spcAft>
-                          <a:spcPts val="0"/>
-                        </a:spcAft>
-                      </a:pPr>
-                      <a:r>
-                        <a:rPr lang="en-US" sz="1800" dirty="0" smtClean="0">
-                          <a:effectLst/>
-                        </a:rPr>
-                        <a:t>[Year]</a:t>
-                      </a:r>
-                      <a:endParaRPr lang="en-US" sz="1000" dirty="0">
-                        <a:effectLst/>
-                        <a:latin typeface="Times New Roman" panose="02020603050405020304" pitchFamily="18" charset="0"/>
-                        <a:ea typeface="Times New Roman" panose="02020603050405020304" pitchFamily="18" charset="0"/>
-                        <a:cs typeface="Times New Roman" panose="02020603050405020304" pitchFamily="18" charset="0"/>
-                      </a:endParaRPr>
-                    </a:p>
-                  </a:txBody>
-                  <a:tcPr marL="68580" marR="68580" marT="0" marB="0" anchor="ctr"/>
-                </a:tc>
-                <a:tc>
-                  <a:txBody>
-                    <a:bodyPr/>
-                    <a:lstStyle/>
-                    <a:p>
-                      <a:pPr marL="22860" marR="0" indent="-22860" algn="r">
-                        <a:lnSpc>
-                          <a:spcPct val="115000"/>
-                        </a:lnSpc>
-                        <a:spcBef>
-                          <a:spcPts val="0"/>
-                        </a:spcBef>
-                        <a:spcAft>
-                          <a:spcPts val="0"/>
-                        </a:spcAft>
-                      </a:pPr>
-                      <a:r>
-                        <a:rPr lang="en-US" sz="1800" dirty="0" smtClean="0">
-                          <a:effectLst/>
-                        </a:rPr>
-                        <a:t>[Year]</a:t>
-                      </a:r>
-                      <a:endParaRPr lang="en-US" sz="1000" dirty="0">
-                        <a:effectLst/>
-                        <a:latin typeface="Times New Roman" panose="02020603050405020304" pitchFamily="18" charset="0"/>
-                        <a:ea typeface="Times New Roman" panose="02020603050405020304" pitchFamily="18" charset="0"/>
-                        <a:cs typeface="Times New Roman" panose="02020603050405020304" pitchFamily="18" charset="0"/>
-                      </a:endParaRPr>
-                    </a:p>
-                  </a:txBody>
-                  <a:tcPr marL="68580" marR="68580" marT="0" marB="0" anchor="ctr"/>
-                </a:tc>
-                <a:extLst>
-                  <a:ext uri="{0D108BD9-81ED-4DB2-BD59-A6C34878D82A}">
-                    <a16:rowId xmlns:a16="http://schemas.microsoft.com/office/drawing/2014/main" val="10000"/>
-                  </a:ext>
-                </a:extLst>
-              </a:tr>
-              <a:tr h="370840">
-                <a:tc>
-                  <a:txBody>
-                    <a:bodyPr/>
-                    <a:lstStyle/>
-                    <a:p>
-                      <a:pPr marL="22860" marR="0" indent="-22860">
-                        <a:lnSpc>
-                          <a:spcPct val="115000"/>
-                        </a:lnSpc>
-                        <a:spcBef>
-                          <a:spcPts val="0"/>
-                        </a:spcBef>
-                        <a:spcAft>
-                          <a:spcPts val="0"/>
-                        </a:spcAft>
-                      </a:pPr>
-                      <a:r>
-                        <a:rPr lang="en-US" sz="1800" dirty="0">
-                          <a:effectLst/>
-                        </a:rPr>
-                        <a:t>Revenue</a:t>
-                      </a:r>
-                      <a:endParaRPr lang="en-US" sz="1000" dirty="0">
-                        <a:effectLst/>
-                        <a:latin typeface="Times New Roman" panose="02020603050405020304" pitchFamily="18" charset="0"/>
-                        <a:ea typeface="Times New Roman" panose="02020603050405020304" pitchFamily="18" charset="0"/>
-                        <a:cs typeface="Times New Roman" panose="02020603050405020304" pitchFamily="18" charset="0"/>
-                      </a:endParaRPr>
-                    </a:p>
-                  </a:txBody>
-                  <a:tcPr marL="68580" marR="68580" marT="0" marB="0" anchor="ctr"/>
-                </a:tc>
-                <a:tc>
-                  <a:txBody>
-                    <a:bodyPr/>
-                    <a:lstStyle/>
-                    <a:p>
-                      <a:pPr marL="0" marR="0" indent="11430" algn="r">
-                        <a:lnSpc>
-                          <a:spcPct val="115000"/>
-                        </a:lnSpc>
-                        <a:spcBef>
-                          <a:spcPts val="0"/>
-                        </a:spcBef>
-                        <a:spcAft>
-                          <a:spcPts val="0"/>
-                        </a:spcAft>
-                        <a:tabLst>
-                          <a:tab pos="-68580" algn="dec"/>
-                        </a:tabLst>
-                      </a:pPr>
-                      <a:r>
-                        <a:rPr lang="en-US" sz="1800" dirty="0">
-                          <a:effectLst/>
-                        </a:rPr>
-                        <a:t>10.1</a:t>
-                      </a:r>
-                      <a:endParaRPr lang="en-US" sz="1000" dirty="0">
-                        <a:effectLst/>
-                        <a:latin typeface="Times New Roman" panose="02020603050405020304" pitchFamily="18" charset="0"/>
-                        <a:ea typeface="Times New Roman" panose="02020603050405020304" pitchFamily="18" charset="0"/>
-                        <a:cs typeface="Times New Roman" panose="02020603050405020304" pitchFamily="18" charset="0"/>
-                      </a:endParaRPr>
-                    </a:p>
-                  </a:txBody>
-                  <a:tcPr marL="68580" marR="68580" marT="0" marB="0" anchor="ctr"/>
-                </a:tc>
-                <a:tc>
-                  <a:txBody>
-                    <a:bodyPr/>
-                    <a:lstStyle/>
-                    <a:p>
-                      <a:pPr marL="22860" marR="0" indent="-22860" algn="r">
-                        <a:lnSpc>
-                          <a:spcPct val="115000"/>
-                        </a:lnSpc>
-                        <a:spcBef>
-                          <a:spcPts val="0"/>
-                        </a:spcBef>
-                        <a:spcAft>
-                          <a:spcPts val="0"/>
-                        </a:spcAft>
-                      </a:pPr>
-                      <a:r>
-                        <a:rPr lang="en-US" sz="1800" dirty="0">
-                          <a:effectLst/>
-                        </a:rPr>
-                        <a:t>27.7</a:t>
-                      </a:r>
-                      <a:endParaRPr lang="en-US" sz="1000" dirty="0">
-                        <a:effectLst/>
-                        <a:latin typeface="Times New Roman" panose="02020603050405020304" pitchFamily="18" charset="0"/>
-                        <a:ea typeface="Times New Roman" panose="02020603050405020304" pitchFamily="18" charset="0"/>
-                        <a:cs typeface="Times New Roman" panose="02020603050405020304" pitchFamily="18" charset="0"/>
-                      </a:endParaRPr>
-                    </a:p>
-                  </a:txBody>
-                  <a:tcPr marL="68580" marR="68580" marT="0" marB="0" anchor="ctr"/>
-                </a:tc>
-                <a:tc>
-                  <a:txBody>
-                    <a:bodyPr/>
-                    <a:lstStyle/>
-                    <a:p>
-                      <a:pPr marL="22860" marR="0" indent="-22860" algn="r">
-                        <a:lnSpc>
-                          <a:spcPct val="115000"/>
-                        </a:lnSpc>
-                        <a:spcBef>
-                          <a:spcPts val="0"/>
-                        </a:spcBef>
-                        <a:spcAft>
-                          <a:spcPts val="0"/>
-                        </a:spcAft>
-                      </a:pPr>
-                      <a:r>
-                        <a:rPr lang="en-US" sz="1800" dirty="0">
-                          <a:effectLst/>
-                        </a:rPr>
-                        <a:t>50.0</a:t>
-                      </a:r>
-                      <a:endParaRPr lang="en-US" sz="1000" dirty="0">
-                        <a:effectLst/>
-                        <a:latin typeface="Times New Roman" panose="02020603050405020304" pitchFamily="18" charset="0"/>
-                        <a:ea typeface="Times New Roman" panose="02020603050405020304" pitchFamily="18" charset="0"/>
-                        <a:cs typeface="Times New Roman" panose="02020603050405020304" pitchFamily="18" charset="0"/>
-                      </a:endParaRPr>
-                    </a:p>
-                  </a:txBody>
-                  <a:tcPr marL="68580" marR="68580" marT="0" marB="0" anchor="ctr"/>
-                </a:tc>
-                <a:extLst>
-                  <a:ext uri="{0D108BD9-81ED-4DB2-BD59-A6C34878D82A}">
-                    <a16:rowId xmlns:a16="http://schemas.microsoft.com/office/drawing/2014/main" val="10001"/>
-                  </a:ext>
-                </a:extLst>
-              </a:tr>
-              <a:tr h="370840">
-                <a:tc>
-                  <a:txBody>
-                    <a:bodyPr/>
-                    <a:lstStyle/>
-                    <a:p>
-                      <a:pPr marL="22860" marR="0" indent="-22860">
-                        <a:lnSpc>
-                          <a:spcPct val="115000"/>
-                        </a:lnSpc>
-                        <a:spcBef>
-                          <a:spcPts val="0"/>
-                        </a:spcBef>
-                        <a:spcAft>
-                          <a:spcPts val="0"/>
-                        </a:spcAft>
-                      </a:pPr>
-                      <a:r>
-                        <a:rPr lang="en-US" sz="1800" dirty="0">
-                          <a:effectLst/>
-                        </a:rPr>
-                        <a:t>Cost of Goods</a:t>
-                      </a:r>
-                      <a:endParaRPr lang="en-US" sz="1000" dirty="0">
-                        <a:effectLst/>
-                        <a:latin typeface="Times New Roman" panose="02020603050405020304" pitchFamily="18" charset="0"/>
-                        <a:ea typeface="Times New Roman" panose="02020603050405020304" pitchFamily="18" charset="0"/>
-                        <a:cs typeface="Times New Roman" panose="02020603050405020304" pitchFamily="18" charset="0"/>
-                      </a:endParaRPr>
-                    </a:p>
-                  </a:txBody>
-                  <a:tcPr marL="68580" marR="68580" marT="0" marB="0" anchor="ctr"/>
-                </a:tc>
-                <a:tc>
-                  <a:txBody>
-                    <a:bodyPr/>
-                    <a:lstStyle/>
-                    <a:p>
-                      <a:pPr marL="0" marR="0" indent="11430" algn="r">
-                        <a:lnSpc>
-                          <a:spcPct val="115000"/>
-                        </a:lnSpc>
-                        <a:spcBef>
-                          <a:spcPts val="0"/>
-                        </a:spcBef>
-                        <a:spcAft>
-                          <a:spcPts val="0"/>
-                        </a:spcAft>
-                      </a:pPr>
-                      <a:r>
-                        <a:rPr lang="en-US" sz="1800" dirty="0">
-                          <a:effectLst/>
-                        </a:rPr>
-                        <a:t>1.8</a:t>
-                      </a:r>
-                      <a:endParaRPr lang="en-US" sz="1000" dirty="0">
-                        <a:effectLst/>
-                        <a:latin typeface="Times New Roman" panose="02020603050405020304" pitchFamily="18" charset="0"/>
-                        <a:ea typeface="Times New Roman" panose="02020603050405020304" pitchFamily="18" charset="0"/>
-                        <a:cs typeface="Times New Roman" panose="02020603050405020304" pitchFamily="18" charset="0"/>
-                      </a:endParaRPr>
-                    </a:p>
-                  </a:txBody>
-                  <a:tcPr marL="68580" marR="68580" marT="0" marB="0" anchor="ctr"/>
-                </a:tc>
-                <a:tc>
-                  <a:txBody>
-                    <a:bodyPr/>
-                    <a:lstStyle/>
-                    <a:p>
-                      <a:pPr marL="22860" marR="0" indent="-22860" algn="r">
-                        <a:lnSpc>
-                          <a:spcPct val="115000"/>
-                        </a:lnSpc>
-                        <a:spcBef>
-                          <a:spcPts val="0"/>
-                        </a:spcBef>
-                        <a:spcAft>
-                          <a:spcPts val="0"/>
-                        </a:spcAft>
-                      </a:pPr>
-                      <a:r>
-                        <a:rPr lang="en-US" sz="1800" dirty="0">
-                          <a:effectLst/>
-                        </a:rPr>
-                        <a:t>3.1</a:t>
-                      </a:r>
-                      <a:endParaRPr lang="en-US" sz="1000" dirty="0">
-                        <a:effectLst/>
-                        <a:latin typeface="Times New Roman" panose="02020603050405020304" pitchFamily="18" charset="0"/>
-                        <a:ea typeface="Times New Roman" panose="02020603050405020304" pitchFamily="18" charset="0"/>
-                        <a:cs typeface="Times New Roman" panose="02020603050405020304" pitchFamily="18" charset="0"/>
-                      </a:endParaRPr>
-                    </a:p>
-                  </a:txBody>
-                  <a:tcPr marL="68580" marR="68580" marT="0" marB="0" anchor="ctr"/>
-                </a:tc>
-                <a:tc>
-                  <a:txBody>
-                    <a:bodyPr/>
-                    <a:lstStyle/>
-                    <a:p>
-                      <a:pPr marL="22860" marR="0" indent="-22860" algn="r">
-                        <a:lnSpc>
-                          <a:spcPct val="115000"/>
-                        </a:lnSpc>
-                        <a:spcBef>
-                          <a:spcPts val="0"/>
-                        </a:spcBef>
-                        <a:spcAft>
-                          <a:spcPts val="0"/>
-                        </a:spcAft>
-                      </a:pPr>
-                      <a:r>
-                        <a:rPr lang="en-US" sz="1800" dirty="0">
-                          <a:effectLst/>
-                        </a:rPr>
-                        <a:t>4.6</a:t>
-                      </a:r>
-                      <a:endParaRPr lang="en-US" sz="1000" dirty="0">
-                        <a:effectLst/>
-                        <a:latin typeface="Times New Roman" panose="02020603050405020304" pitchFamily="18" charset="0"/>
-                        <a:ea typeface="Times New Roman" panose="02020603050405020304" pitchFamily="18" charset="0"/>
-                        <a:cs typeface="Times New Roman" panose="02020603050405020304" pitchFamily="18" charset="0"/>
-                      </a:endParaRPr>
-                    </a:p>
-                  </a:txBody>
-                  <a:tcPr marL="68580" marR="68580" marT="0" marB="0" anchor="ctr"/>
-                </a:tc>
-                <a:extLst>
-                  <a:ext uri="{0D108BD9-81ED-4DB2-BD59-A6C34878D82A}">
-                    <a16:rowId xmlns:a16="http://schemas.microsoft.com/office/drawing/2014/main" val="10002"/>
-                  </a:ext>
-                </a:extLst>
-              </a:tr>
-              <a:tr h="370840">
-                <a:tc>
-                  <a:txBody>
-                    <a:bodyPr/>
-                    <a:lstStyle/>
-                    <a:p>
-                      <a:pPr marL="22860" marR="0" indent="-22860">
-                        <a:lnSpc>
-                          <a:spcPct val="115000"/>
-                        </a:lnSpc>
-                        <a:spcBef>
-                          <a:spcPts val="0"/>
-                        </a:spcBef>
-                        <a:spcAft>
-                          <a:spcPts val="0"/>
-                        </a:spcAft>
-                      </a:pPr>
-                      <a:r>
-                        <a:rPr lang="en-US" sz="1800" dirty="0">
-                          <a:effectLst/>
-                        </a:rPr>
-                        <a:t>Gross Profit</a:t>
-                      </a:r>
-                      <a:endParaRPr lang="en-US" sz="1000" dirty="0">
-                        <a:effectLst/>
-                        <a:latin typeface="Times New Roman" panose="02020603050405020304" pitchFamily="18" charset="0"/>
-                        <a:ea typeface="Times New Roman" panose="02020603050405020304" pitchFamily="18" charset="0"/>
-                        <a:cs typeface="Times New Roman" panose="02020603050405020304" pitchFamily="18" charset="0"/>
-                      </a:endParaRPr>
-                    </a:p>
-                  </a:txBody>
-                  <a:tcPr marL="68580" marR="68580" marT="0" marB="0" anchor="ctr"/>
-                </a:tc>
-                <a:tc>
-                  <a:txBody>
-                    <a:bodyPr/>
-                    <a:lstStyle/>
-                    <a:p>
-                      <a:pPr marL="0" marR="0" indent="11430" algn="r">
-                        <a:lnSpc>
-                          <a:spcPct val="115000"/>
-                        </a:lnSpc>
-                        <a:spcBef>
-                          <a:spcPts val="0"/>
-                        </a:spcBef>
-                        <a:spcAft>
-                          <a:spcPts val="0"/>
-                        </a:spcAft>
-                      </a:pPr>
-                      <a:r>
-                        <a:rPr lang="en-US" sz="1800" dirty="0">
-                          <a:effectLst/>
-                        </a:rPr>
-                        <a:t>8.3</a:t>
-                      </a:r>
-                      <a:endParaRPr lang="en-US" sz="1000" dirty="0">
-                        <a:effectLst/>
-                        <a:latin typeface="Times New Roman" panose="02020603050405020304" pitchFamily="18" charset="0"/>
-                        <a:ea typeface="Times New Roman" panose="02020603050405020304" pitchFamily="18" charset="0"/>
-                        <a:cs typeface="Times New Roman" panose="02020603050405020304" pitchFamily="18" charset="0"/>
-                      </a:endParaRPr>
-                    </a:p>
-                  </a:txBody>
-                  <a:tcPr marL="68580" marR="68580" marT="0" marB="0" anchor="ctr"/>
-                </a:tc>
-                <a:tc>
-                  <a:txBody>
-                    <a:bodyPr/>
-                    <a:lstStyle/>
-                    <a:p>
-                      <a:pPr marL="22860" marR="0" indent="-22860" algn="r">
-                        <a:lnSpc>
-                          <a:spcPct val="115000"/>
-                        </a:lnSpc>
-                        <a:spcBef>
-                          <a:spcPts val="0"/>
-                        </a:spcBef>
-                        <a:spcAft>
-                          <a:spcPts val="0"/>
-                        </a:spcAft>
-                      </a:pPr>
-                      <a:r>
-                        <a:rPr lang="en-US" sz="1800" dirty="0">
-                          <a:effectLst/>
-                        </a:rPr>
-                        <a:t>24.6</a:t>
-                      </a:r>
-                      <a:endParaRPr lang="en-US" sz="1000" dirty="0">
-                        <a:effectLst/>
-                        <a:latin typeface="Times New Roman" panose="02020603050405020304" pitchFamily="18" charset="0"/>
-                        <a:ea typeface="Times New Roman" panose="02020603050405020304" pitchFamily="18" charset="0"/>
-                        <a:cs typeface="Times New Roman" panose="02020603050405020304" pitchFamily="18" charset="0"/>
-                      </a:endParaRPr>
-                    </a:p>
-                  </a:txBody>
-                  <a:tcPr marL="68580" marR="68580" marT="0" marB="0" anchor="ctr"/>
-                </a:tc>
-                <a:tc>
-                  <a:txBody>
-                    <a:bodyPr/>
-                    <a:lstStyle/>
-                    <a:p>
-                      <a:pPr marL="22860" marR="0" indent="-22860" algn="r">
-                        <a:lnSpc>
-                          <a:spcPct val="115000"/>
-                        </a:lnSpc>
-                        <a:spcBef>
-                          <a:spcPts val="0"/>
-                        </a:spcBef>
-                        <a:spcAft>
-                          <a:spcPts val="0"/>
-                        </a:spcAft>
-                      </a:pPr>
-                      <a:r>
-                        <a:rPr lang="en-US" sz="1800" dirty="0">
-                          <a:effectLst/>
-                        </a:rPr>
-                        <a:t>45.4</a:t>
-                      </a:r>
-                      <a:endParaRPr lang="en-US" sz="1000" dirty="0">
-                        <a:effectLst/>
-                        <a:latin typeface="Times New Roman" panose="02020603050405020304" pitchFamily="18" charset="0"/>
-                        <a:ea typeface="Times New Roman" panose="02020603050405020304" pitchFamily="18" charset="0"/>
-                        <a:cs typeface="Times New Roman" panose="02020603050405020304" pitchFamily="18" charset="0"/>
-                      </a:endParaRPr>
-                    </a:p>
-                  </a:txBody>
-                  <a:tcPr marL="68580" marR="68580" marT="0" marB="0" anchor="ctr"/>
-                </a:tc>
-                <a:extLst>
-                  <a:ext uri="{0D108BD9-81ED-4DB2-BD59-A6C34878D82A}">
-                    <a16:rowId xmlns:a16="http://schemas.microsoft.com/office/drawing/2014/main" val="10003"/>
-                  </a:ext>
-                </a:extLst>
-              </a:tr>
-              <a:tr h="370840">
-                <a:tc>
-                  <a:txBody>
-                    <a:bodyPr/>
-                    <a:lstStyle/>
-                    <a:p>
-                      <a:pPr marL="22860" marR="0" indent="-22860">
-                        <a:lnSpc>
-                          <a:spcPct val="115000"/>
-                        </a:lnSpc>
-                        <a:spcBef>
-                          <a:spcPts val="0"/>
-                        </a:spcBef>
-                        <a:spcAft>
-                          <a:spcPts val="0"/>
-                        </a:spcAft>
-                      </a:pPr>
-                      <a:r>
-                        <a:rPr lang="en-US" sz="1800" dirty="0">
-                          <a:effectLst/>
-                        </a:rPr>
-                        <a:t>Total Expenses</a:t>
-                      </a:r>
-                      <a:endParaRPr lang="en-US" sz="1000" dirty="0">
-                        <a:effectLst/>
-                        <a:latin typeface="Times New Roman" panose="02020603050405020304" pitchFamily="18" charset="0"/>
-                        <a:ea typeface="Times New Roman" panose="02020603050405020304" pitchFamily="18" charset="0"/>
-                        <a:cs typeface="Times New Roman" panose="02020603050405020304" pitchFamily="18" charset="0"/>
-                      </a:endParaRPr>
-                    </a:p>
-                  </a:txBody>
-                  <a:tcPr marL="68580" marR="68580" marT="0" marB="0" anchor="ctr"/>
-                </a:tc>
-                <a:tc>
-                  <a:txBody>
-                    <a:bodyPr/>
-                    <a:lstStyle/>
-                    <a:p>
-                      <a:pPr marL="0" marR="0" indent="11430" algn="r">
-                        <a:lnSpc>
-                          <a:spcPct val="115000"/>
-                        </a:lnSpc>
-                        <a:spcBef>
-                          <a:spcPts val="0"/>
-                        </a:spcBef>
-                        <a:spcAft>
-                          <a:spcPts val="0"/>
-                        </a:spcAft>
-                      </a:pPr>
-                      <a:r>
-                        <a:rPr lang="en-US" sz="1800" dirty="0">
-                          <a:effectLst/>
-                        </a:rPr>
-                        <a:t>3.03</a:t>
-                      </a:r>
-                      <a:endParaRPr lang="en-US" sz="1000" dirty="0">
-                        <a:effectLst/>
-                        <a:latin typeface="Times New Roman" panose="02020603050405020304" pitchFamily="18" charset="0"/>
-                        <a:ea typeface="Times New Roman" panose="02020603050405020304" pitchFamily="18" charset="0"/>
-                        <a:cs typeface="Times New Roman" panose="02020603050405020304" pitchFamily="18" charset="0"/>
-                      </a:endParaRPr>
-                    </a:p>
-                  </a:txBody>
-                  <a:tcPr marL="68580" marR="68580" marT="0" marB="0" anchor="ctr"/>
-                </a:tc>
-                <a:tc>
-                  <a:txBody>
-                    <a:bodyPr/>
-                    <a:lstStyle/>
-                    <a:p>
-                      <a:pPr marL="22860" marR="0" indent="-22860" algn="r">
-                        <a:lnSpc>
-                          <a:spcPct val="115000"/>
-                        </a:lnSpc>
-                        <a:spcBef>
-                          <a:spcPts val="0"/>
-                        </a:spcBef>
-                        <a:spcAft>
-                          <a:spcPts val="0"/>
-                        </a:spcAft>
-                      </a:pPr>
-                      <a:r>
-                        <a:rPr lang="en-US" sz="1800" dirty="0">
-                          <a:effectLst/>
-                        </a:rPr>
-                        <a:t>8.1</a:t>
-                      </a:r>
-                      <a:endParaRPr lang="en-US" sz="1000" dirty="0">
-                        <a:effectLst/>
-                        <a:latin typeface="Times New Roman" panose="02020603050405020304" pitchFamily="18" charset="0"/>
-                        <a:ea typeface="Times New Roman" panose="02020603050405020304" pitchFamily="18" charset="0"/>
-                        <a:cs typeface="Times New Roman" panose="02020603050405020304" pitchFamily="18" charset="0"/>
-                      </a:endParaRPr>
-                    </a:p>
-                  </a:txBody>
-                  <a:tcPr marL="68580" marR="68580" marT="0" marB="0" anchor="ctr"/>
-                </a:tc>
-                <a:tc>
-                  <a:txBody>
-                    <a:bodyPr/>
-                    <a:lstStyle/>
-                    <a:p>
-                      <a:pPr marL="22860" marR="0" indent="-22860" algn="r">
-                        <a:lnSpc>
-                          <a:spcPct val="115000"/>
-                        </a:lnSpc>
-                        <a:spcBef>
-                          <a:spcPts val="0"/>
-                        </a:spcBef>
-                        <a:spcAft>
-                          <a:spcPts val="0"/>
-                        </a:spcAft>
-                      </a:pPr>
-                      <a:r>
-                        <a:rPr lang="en-US" sz="1800" dirty="0">
-                          <a:effectLst/>
-                        </a:rPr>
-                        <a:t>15.3</a:t>
-                      </a:r>
-                      <a:endParaRPr lang="en-US" sz="1000" dirty="0">
-                        <a:effectLst/>
-                        <a:latin typeface="Times New Roman" panose="02020603050405020304" pitchFamily="18" charset="0"/>
-                        <a:ea typeface="Times New Roman" panose="02020603050405020304" pitchFamily="18" charset="0"/>
-                        <a:cs typeface="Times New Roman" panose="02020603050405020304" pitchFamily="18" charset="0"/>
-                      </a:endParaRPr>
-                    </a:p>
-                  </a:txBody>
-                  <a:tcPr marL="68580" marR="68580" marT="0" marB="0" anchor="ctr"/>
-                </a:tc>
-                <a:extLst>
-                  <a:ext uri="{0D108BD9-81ED-4DB2-BD59-A6C34878D82A}">
-                    <a16:rowId xmlns:a16="http://schemas.microsoft.com/office/drawing/2014/main" val="10004"/>
-                  </a:ext>
-                </a:extLst>
-              </a:tr>
-              <a:tr h="370840">
-                <a:tc>
-                  <a:txBody>
-                    <a:bodyPr/>
-                    <a:lstStyle/>
-                    <a:p>
-                      <a:pPr marL="22860" marR="0" indent="-22860">
-                        <a:lnSpc>
-                          <a:spcPct val="115000"/>
-                        </a:lnSpc>
-                        <a:spcBef>
-                          <a:spcPts val="0"/>
-                        </a:spcBef>
-                        <a:spcAft>
-                          <a:spcPts val="0"/>
-                        </a:spcAft>
-                      </a:pPr>
-                      <a:r>
-                        <a:rPr lang="en-US" sz="1800" dirty="0">
-                          <a:effectLst/>
-                        </a:rPr>
-                        <a:t>Pre-Tax Profit</a:t>
-                      </a:r>
-                      <a:endParaRPr lang="en-US" sz="1000" dirty="0">
-                        <a:effectLst/>
-                        <a:latin typeface="Times New Roman" panose="02020603050405020304" pitchFamily="18" charset="0"/>
-                        <a:ea typeface="Times New Roman" panose="02020603050405020304" pitchFamily="18" charset="0"/>
-                        <a:cs typeface="Times New Roman" panose="02020603050405020304" pitchFamily="18" charset="0"/>
-                      </a:endParaRPr>
-                    </a:p>
-                  </a:txBody>
-                  <a:tcPr marL="68580" marR="68580" marT="0" marB="0" anchor="ctr"/>
-                </a:tc>
-                <a:tc>
-                  <a:txBody>
-                    <a:bodyPr/>
-                    <a:lstStyle/>
-                    <a:p>
-                      <a:pPr marL="0" marR="0" indent="11430" algn="r">
-                        <a:lnSpc>
-                          <a:spcPct val="115000"/>
-                        </a:lnSpc>
-                        <a:spcBef>
-                          <a:spcPts val="0"/>
-                        </a:spcBef>
-                        <a:spcAft>
-                          <a:spcPts val="0"/>
-                        </a:spcAft>
-                      </a:pPr>
-                      <a:r>
-                        <a:rPr lang="en-US" sz="1800">
-                          <a:effectLst/>
-                        </a:rPr>
-                        <a:t>5.27</a:t>
-                      </a:r>
-                      <a:endParaRPr lang="en-US" sz="1000">
-                        <a:effectLst/>
-                        <a:latin typeface="Times New Roman" panose="02020603050405020304" pitchFamily="18" charset="0"/>
-                        <a:ea typeface="Times New Roman" panose="02020603050405020304" pitchFamily="18" charset="0"/>
-                        <a:cs typeface="Times New Roman" panose="02020603050405020304" pitchFamily="18" charset="0"/>
-                      </a:endParaRPr>
-                    </a:p>
-                  </a:txBody>
-                  <a:tcPr marL="68580" marR="68580" marT="0" marB="0" anchor="ctr"/>
-                </a:tc>
-                <a:tc>
-                  <a:txBody>
-                    <a:bodyPr/>
-                    <a:lstStyle/>
-                    <a:p>
-                      <a:pPr marL="22860" marR="0" indent="-22860" algn="r">
-                        <a:lnSpc>
-                          <a:spcPct val="115000"/>
-                        </a:lnSpc>
-                        <a:spcBef>
-                          <a:spcPts val="0"/>
-                        </a:spcBef>
-                        <a:spcAft>
-                          <a:spcPts val="0"/>
-                        </a:spcAft>
-                      </a:pPr>
-                      <a:r>
-                        <a:rPr lang="en-US" sz="1800" dirty="0">
-                          <a:effectLst/>
-                        </a:rPr>
-                        <a:t>16.5</a:t>
-                      </a:r>
-                      <a:endParaRPr lang="en-US" sz="1000" dirty="0">
-                        <a:effectLst/>
-                        <a:latin typeface="Times New Roman" panose="02020603050405020304" pitchFamily="18" charset="0"/>
-                        <a:ea typeface="Times New Roman" panose="02020603050405020304" pitchFamily="18" charset="0"/>
-                        <a:cs typeface="Times New Roman" panose="02020603050405020304" pitchFamily="18" charset="0"/>
-                      </a:endParaRPr>
-                    </a:p>
-                  </a:txBody>
-                  <a:tcPr marL="68580" marR="68580" marT="0" marB="0" anchor="ctr"/>
-                </a:tc>
-                <a:tc>
-                  <a:txBody>
-                    <a:bodyPr/>
-                    <a:lstStyle/>
-                    <a:p>
-                      <a:pPr marL="22860" marR="0" indent="-22860" algn="r">
-                        <a:lnSpc>
-                          <a:spcPct val="115000"/>
-                        </a:lnSpc>
-                        <a:spcBef>
-                          <a:spcPts val="0"/>
-                        </a:spcBef>
-                        <a:spcAft>
-                          <a:spcPts val="0"/>
-                        </a:spcAft>
-                      </a:pPr>
-                      <a:r>
-                        <a:rPr lang="en-US" sz="1800" dirty="0">
-                          <a:effectLst/>
-                        </a:rPr>
-                        <a:t>30.1</a:t>
-                      </a:r>
-                      <a:endParaRPr lang="en-US" sz="1000" dirty="0">
-                        <a:effectLst/>
-                        <a:latin typeface="Times New Roman" panose="02020603050405020304" pitchFamily="18" charset="0"/>
-                        <a:ea typeface="Times New Roman" panose="02020603050405020304" pitchFamily="18" charset="0"/>
-                        <a:cs typeface="Times New Roman" panose="02020603050405020304" pitchFamily="18" charset="0"/>
-                      </a:endParaRPr>
-                    </a:p>
-                  </a:txBody>
-                  <a:tcPr marL="68580" marR="68580" marT="0" marB="0" anchor="ctr"/>
-                </a:tc>
-                <a:extLst>
-                  <a:ext uri="{0D108BD9-81ED-4DB2-BD59-A6C34878D82A}">
-                    <a16:rowId xmlns:a16="http://schemas.microsoft.com/office/drawing/2014/main" val="10005"/>
-                  </a:ext>
-                </a:extLst>
-              </a:tr>
-              <a:tr h="370840">
-                <a:tc>
-                  <a:txBody>
-                    <a:bodyPr/>
-                    <a:lstStyle/>
-                    <a:p>
-                      <a:pPr marL="22860" marR="0" indent="-22860">
-                        <a:lnSpc>
-                          <a:spcPct val="115000"/>
-                        </a:lnSpc>
-                        <a:spcBef>
-                          <a:spcPts val="0"/>
-                        </a:spcBef>
-                        <a:spcAft>
-                          <a:spcPts val="0"/>
-                        </a:spcAft>
-                      </a:pPr>
-                      <a:r>
-                        <a:rPr lang="en-US" sz="1800" dirty="0">
-                          <a:effectLst/>
-                        </a:rPr>
-                        <a:t>Pre-Tax Profit as</a:t>
-                      </a:r>
-                      <a:br>
-                        <a:rPr lang="en-US" sz="1800" dirty="0">
-                          <a:effectLst/>
-                        </a:rPr>
-                      </a:br>
-                      <a:r>
-                        <a:rPr lang="en-US" sz="1800" dirty="0">
-                          <a:effectLst/>
-                        </a:rPr>
-                        <a:t>Percent of Revenues</a:t>
-                      </a:r>
-                      <a:endParaRPr lang="en-US" sz="1000" dirty="0">
-                        <a:effectLst/>
-                        <a:latin typeface="Times New Roman" panose="02020603050405020304" pitchFamily="18" charset="0"/>
-                        <a:ea typeface="Times New Roman" panose="02020603050405020304" pitchFamily="18" charset="0"/>
-                        <a:cs typeface="Times New Roman" panose="02020603050405020304" pitchFamily="18" charset="0"/>
-                      </a:endParaRPr>
-                    </a:p>
-                  </a:txBody>
-                  <a:tcPr marL="68580" marR="68580" marT="0" marB="0" anchor="ctr"/>
-                </a:tc>
-                <a:tc>
-                  <a:txBody>
-                    <a:bodyPr/>
-                    <a:lstStyle/>
-                    <a:p>
-                      <a:pPr marL="0" marR="0" indent="11430" algn="r">
-                        <a:lnSpc>
-                          <a:spcPct val="115000"/>
-                        </a:lnSpc>
-                        <a:spcBef>
-                          <a:spcPts val="0"/>
-                        </a:spcBef>
-                        <a:spcAft>
-                          <a:spcPts val="0"/>
-                        </a:spcAft>
-                      </a:pPr>
-                      <a:r>
-                        <a:rPr lang="en-US" sz="1800" dirty="0">
-                          <a:effectLst/>
-                        </a:rPr>
-                        <a:t>64.6%</a:t>
-                      </a:r>
-                      <a:endParaRPr lang="en-US" sz="1000" dirty="0">
-                        <a:effectLst/>
-                        <a:latin typeface="Times New Roman" panose="02020603050405020304" pitchFamily="18" charset="0"/>
-                        <a:ea typeface="Times New Roman" panose="02020603050405020304" pitchFamily="18" charset="0"/>
-                        <a:cs typeface="Times New Roman" panose="02020603050405020304" pitchFamily="18" charset="0"/>
-                      </a:endParaRPr>
-                    </a:p>
-                  </a:txBody>
-                  <a:tcPr marL="68580" marR="68580" marT="0" marB="0" anchor="ctr"/>
-                </a:tc>
-                <a:tc>
-                  <a:txBody>
-                    <a:bodyPr/>
-                    <a:lstStyle/>
-                    <a:p>
-                      <a:pPr marL="22860" marR="0" indent="-22860" algn="r">
-                        <a:lnSpc>
-                          <a:spcPct val="115000"/>
-                        </a:lnSpc>
-                        <a:spcBef>
-                          <a:spcPts val="0"/>
-                        </a:spcBef>
-                        <a:spcAft>
-                          <a:spcPts val="0"/>
-                        </a:spcAft>
-                      </a:pPr>
-                      <a:r>
-                        <a:rPr lang="en-US" sz="1800" dirty="0">
-                          <a:effectLst/>
-                        </a:rPr>
-                        <a:t>59.6%</a:t>
-                      </a:r>
-                      <a:endParaRPr lang="en-US" sz="1000" dirty="0">
-                        <a:effectLst/>
-                        <a:latin typeface="Times New Roman" panose="02020603050405020304" pitchFamily="18" charset="0"/>
-                        <a:ea typeface="Times New Roman" panose="02020603050405020304" pitchFamily="18" charset="0"/>
-                        <a:cs typeface="Times New Roman" panose="02020603050405020304" pitchFamily="18" charset="0"/>
-                      </a:endParaRPr>
-                    </a:p>
-                  </a:txBody>
-                  <a:tcPr marL="68580" marR="68580" marT="0" marB="0" anchor="ctr"/>
-                </a:tc>
-                <a:tc>
-                  <a:txBody>
-                    <a:bodyPr/>
-                    <a:lstStyle/>
-                    <a:p>
-                      <a:pPr marL="22860" marR="0" indent="-22860" algn="r">
-                        <a:lnSpc>
-                          <a:spcPct val="115000"/>
-                        </a:lnSpc>
-                        <a:spcBef>
-                          <a:spcPts val="0"/>
-                        </a:spcBef>
-                        <a:spcAft>
-                          <a:spcPts val="0"/>
-                        </a:spcAft>
-                      </a:pPr>
-                      <a:r>
-                        <a:rPr lang="en-US" sz="1800" dirty="0">
-                          <a:effectLst/>
-                        </a:rPr>
-                        <a:t>60.2%</a:t>
-                      </a:r>
-                      <a:endParaRPr lang="en-US" sz="1000" dirty="0">
-                        <a:effectLst/>
-                        <a:latin typeface="Times New Roman" panose="02020603050405020304" pitchFamily="18" charset="0"/>
-                        <a:ea typeface="Times New Roman" panose="02020603050405020304" pitchFamily="18" charset="0"/>
-                        <a:cs typeface="Times New Roman" panose="02020603050405020304" pitchFamily="18" charset="0"/>
-                      </a:endParaRPr>
-                    </a:p>
-                  </a:txBody>
-                  <a:tcPr marL="68580" marR="68580" marT="0" marB="0" anchor="ctr"/>
-                </a:tc>
-                <a:extLst>
-                  <a:ext uri="{0D108BD9-81ED-4DB2-BD59-A6C34878D82A}">
-                    <a16:rowId xmlns:a16="http://schemas.microsoft.com/office/drawing/2014/main" val="10006"/>
-                  </a:ext>
-                </a:extLst>
-              </a:tr>
-            </a:tbl>
-          </a:graphicData>
-        </a:graphic>
-      </p:graphicFrame>
-      <p:sp>
-        <p:nvSpPr>
-          <p:cNvPr id="2" name="Title 1"/>
-          <p:cNvSpPr>
-            <a:spLocks noGrp="1"/>
-          </p:cNvSpPr>
-          <p:nvPr>
-            <p:ph type="title"/>
-          </p:nvPr>
-        </p:nvSpPr>
-        <p:spPr/>
-        <p:txBody>
-          <a:bodyPr/>
-          <a:lstStyle/>
-          <a:p>
-            <a:r>
-              <a:rPr lang="en-US" dirty="0"/>
-              <a:t>Previous Year Profits (in millions)</a:t>
-            </a:r>
-          </a:p>
-        </p:txBody>
-      </p:sp>
-    </p:spTree>
-    <p:extLst>
-      <p:ext uri="{BB962C8B-B14F-4D97-AF65-F5344CB8AC3E}">
-        <p14:creationId xmlns:p14="http://schemas.microsoft.com/office/powerpoint/2010/main" val="2537591571"/>
-      </p:ext>
-    </p:extLst>
-  </p:cSld>
-  <p:clrMapOvr>
-    <a:masterClrMapping/>
-  </p:clrMapOvr>
-  <mc:AlternateContent xmlns:mc="http://schemas.openxmlformats.org/markup-compatibility/2006" xmlns:p14="http://schemas.microsoft.com/office/powerpoint/2010/main">
-    <mc:Choice Requires="p14">
-      <p:transition spd="med" p14:dur="700">
-        <p:fade/>
-      </p:transition>
-    </mc:Choice>
-    <mc:Fallback xmlns="">
-      <p:transition spd="med">
-        <p:fade/>
-      </p:transition>
-    </mc:Fallback>
-  </mc:AlternateContent>
+  <p:transition spd="slow">
+    <p:fade/>
+  </p:transition>
+  <p:timing>
+    <p:tnLst>
+      <p:par>
+        <p:cTn id="1" dur="indefinite" restart="never" nodeType="tmRoot">
+          <p:childTnLst>
+            <p:seq concurrent="1" nextAc="seek">
+              <p:cTn id="2" dur="indefinite" nodeType="mainSeq">
+                <p:childTnLst>
+                  <p:par>
+                    <p:cTn id="3" fill="hold">
+                      <p:stCondLst>
+                        <p:cond delay="indefinite"/>
+                      </p:stCondLst>
+                      <p:childTnLst>
+                        <p:par>
+                          <p:cTn id="4" fill="hold">
+                            <p:stCondLst>
+                              <p:cond delay="0"/>
+                            </p:stCondLst>
+                            <p:childTnLst>
+                              <p:par>
+                                <p:cTn id="5" presetID="1" presetClass="entr" presetSubtype="0" fill="hold" nodeType="clickEffect">
+                                  <p:stCondLst>
+                                    <p:cond delay="0"/>
+                                  </p:stCondLst>
+                                  <p:childTnLst>
+                                    <p:set>
+                                      <p:cBhvr>
+                                        <p:cTn id="6" dur="1" fill="hold">
+                                          <p:stCondLst>
+                                            <p:cond delay="0"/>
+                                          </p:stCondLst>
+                                        </p:cTn>
+                                        <p:tgtEl>
+                                          <p:spTgt spid="16"/>
+                                        </p:tgtEl>
+                                        <p:attrNameLst>
+                                          <p:attrName>style.visibility</p:attrName>
+                                        </p:attrNameLst>
+                                      </p:cBhvr>
+                                      <p:to>
+                                        <p:strVal val="visible"/>
+                                      </p:to>
+                                    </p:set>
+                                  </p:childTnLst>
+                                </p:cTn>
+                              </p:par>
+                              <p:par>
+                                <p:cTn id="7" presetID="1" presetClass="exit" presetSubtype="0" fill="hold" nodeType="withEffect">
+                                  <p:stCondLst>
+                                    <p:cond delay="1500"/>
+                                  </p:stCondLst>
+                                  <p:childTnLst>
+                                    <p:set>
+                                      <p:cBhvr>
+                                        <p:cTn id="8" dur="1" fill="hold">
+                                          <p:stCondLst>
+                                            <p:cond delay="0"/>
+                                          </p:stCondLst>
+                                        </p:cTn>
+                                        <p:tgtEl>
+                                          <p:spTgt spid="16"/>
+                                        </p:tgtEl>
+                                        <p:attrNameLst>
+                                          <p:attrName>style.visibility</p:attrName>
+                                        </p:attrNameLst>
+                                      </p:cBhvr>
+                                      <p:to>
+                                        <p:strVal val="hidden"/>
+                                      </p:to>
+                                    </p:set>
+                                  </p:childTnLst>
+                                </p:cTn>
+                              </p:par>
+                            </p:childTnLst>
+                          </p:cTn>
+                        </p:par>
+                        <p:par>
+                          <p:cTn id="9" fill="hold">
+                            <p:stCondLst>
+                              <p:cond delay="1500"/>
+                            </p:stCondLst>
+                            <p:childTnLst>
+                              <p:par>
+                                <p:cTn id="10" presetID="1" presetClass="entr" presetSubtype="0" fill="hold" nodeType="afterEffect">
+                                  <p:stCondLst>
+                                    <p:cond delay="0"/>
+                                  </p:stCondLst>
+                                  <p:childTnLst>
+                                    <p:set>
+                                      <p:cBhvr>
+                                        <p:cTn id="11" dur="1" fill="hold">
+                                          <p:stCondLst>
+                                            <p:cond delay="0"/>
+                                          </p:stCondLst>
+                                        </p:cTn>
+                                        <p:tgtEl>
+                                          <p:spTgt spid="17"/>
+                                        </p:tgtEl>
+                                        <p:attrNameLst>
+                                          <p:attrName>style.visibility</p:attrName>
+                                        </p:attrNameLst>
+                                      </p:cBhvr>
+                                      <p:to>
+                                        <p:strVal val="visible"/>
+                                      </p:to>
+                                    </p:set>
+                                  </p:childTnLst>
+                                </p:cTn>
+                              </p:par>
+                            </p:childTnLst>
+                          </p:cTn>
+                        </p:par>
+                        <p:par>
+                          <p:cTn id="12" fill="hold">
+                            <p:stCondLst>
+                              <p:cond delay="1500"/>
+                            </p:stCondLst>
+                            <p:childTnLst>
+                              <p:par>
+                                <p:cTn id="13" presetID="1" presetClass="exit" presetSubtype="0" fill="hold" nodeType="afterEffect">
+                                  <p:stCondLst>
+                                    <p:cond delay="1500"/>
+                                  </p:stCondLst>
+                                  <p:childTnLst>
+                                    <p:set>
+                                      <p:cBhvr>
+                                        <p:cTn id="14" dur="1" fill="hold">
+                                          <p:stCondLst>
+                                            <p:cond delay="0"/>
+                                          </p:stCondLst>
+                                        </p:cTn>
+                                        <p:tgtEl>
+                                          <p:spTgt spid="17"/>
+                                        </p:tgtEl>
+                                        <p:attrNameLst>
+                                          <p:attrName>style.visibility</p:attrName>
+                                        </p:attrNameLst>
+                                      </p:cBhvr>
+                                      <p:to>
+                                        <p:strVal val="hidden"/>
+                                      </p:to>
+                                    </p:set>
+                                  </p:childTnLst>
+                                </p:cTn>
+                              </p:par>
+                            </p:childTnLst>
+                          </p:cTn>
+                        </p:par>
+                        <p:par>
+                          <p:cTn id="15" fill="hold">
+                            <p:stCondLst>
+                              <p:cond delay="3000"/>
+                            </p:stCondLst>
+                            <p:childTnLst>
+                              <p:par>
+                                <p:cTn id="16" presetID="1" presetClass="entr" presetSubtype="0" fill="hold" nodeType="afterEffect">
+                                  <p:stCondLst>
+                                    <p:cond delay="0"/>
+                                  </p:stCondLst>
+                                  <p:childTnLst>
+                                    <p:set>
+                                      <p:cBhvr>
+                                        <p:cTn id="17" dur="1" fill="hold">
+                                          <p:stCondLst>
+                                            <p:cond delay="0"/>
+                                          </p:stCondLst>
+                                        </p:cTn>
+                                        <p:tgtEl>
+                                          <p:spTgt spid="18"/>
+                                        </p:tgtEl>
+                                        <p:attrNameLst>
+                                          <p:attrName>style.visibility</p:attrName>
+                                        </p:attrNameLst>
+                                      </p:cBhvr>
+                                      <p:to>
+                                        <p:strVal val="visible"/>
+                                      </p:to>
+                                    </p:set>
+                                  </p:childTnLst>
+                                </p:cTn>
+                              </p:par>
+                            </p:childTnLst>
+                          </p:cTn>
+                        </p:par>
+                        <p:par>
+                          <p:cTn id="18" fill="hold">
+                            <p:stCondLst>
+                              <p:cond delay="3000"/>
+                            </p:stCondLst>
+                            <p:childTnLst>
+                              <p:par>
+                                <p:cTn id="19" presetID="1" presetClass="exit" presetSubtype="0" fill="hold" nodeType="afterEffect">
+                                  <p:stCondLst>
+                                    <p:cond delay="1500"/>
+                                  </p:stCondLst>
+                                  <p:childTnLst>
+                                    <p:set>
+                                      <p:cBhvr>
+                                        <p:cTn id="20" dur="1" fill="hold">
+                                          <p:stCondLst>
+                                            <p:cond delay="0"/>
+                                          </p:stCondLst>
+                                        </p:cTn>
+                                        <p:tgtEl>
+                                          <p:spTgt spid="18"/>
+                                        </p:tgtEl>
+                                        <p:attrNameLst>
+                                          <p:attrName>style.visibility</p:attrName>
+                                        </p:attrNameLst>
+                                      </p:cBhvr>
+                                      <p:to>
+                                        <p:strVal val="hidden"/>
+                                      </p:to>
+                                    </p:set>
+                                  </p:childTnLst>
+                                </p:cTn>
+                              </p:par>
+                            </p:childTnLst>
+                          </p:cTn>
+                        </p:par>
+                        <p:par>
+                          <p:cTn id="21" fill="hold">
+                            <p:stCondLst>
+                              <p:cond delay="4500"/>
+                            </p:stCondLst>
+                            <p:childTnLst>
+                              <p:par>
+                                <p:cTn id="22" presetID="1" presetClass="entr" presetSubtype="0" fill="hold" nodeType="afterEffect">
+                                  <p:stCondLst>
+                                    <p:cond delay="0"/>
+                                  </p:stCondLst>
+                                  <p:childTnLst>
+                                    <p:set>
+                                      <p:cBhvr>
+                                        <p:cTn id="23" dur="1" fill="hold">
+                                          <p:stCondLst>
+                                            <p:cond delay="0"/>
+                                          </p:stCondLst>
+                                        </p:cTn>
+                                        <p:tgtEl>
+                                          <p:spTgt spid="19"/>
+                                        </p:tgtEl>
+                                        <p:attrNameLst>
+                                          <p:attrName>style.visibility</p:attrName>
+                                        </p:attrNameLst>
+                                      </p:cBhvr>
+                                      <p:to>
+                                        <p:strVal val="visible"/>
+                                      </p:to>
+                                    </p:set>
+                                  </p:childTnLst>
+                                </p:cTn>
+                              </p:par>
+                            </p:childTnLst>
+                          </p:cTn>
+                        </p:par>
+                        <p:par>
+                          <p:cTn id="24" fill="hold">
+                            <p:stCondLst>
+                              <p:cond delay="4500"/>
+                            </p:stCondLst>
+                            <p:childTnLst>
+                              <p:par>
+                                <p:cTn id="25" presetID="1" presetClass="exit" presetSubtype="0" fill="hold" nodeType="afterEffect">
+                                  <p:stCondLst>
+                                    <p:cond delay="1500"/>
+                                  </p:stCondLst>
+                                  <p:childTnLst>
+                                    <p:set>
+                                      <p:cBhvr>
+                                        <p:cTn id="26" dur="1" fill="hold">
+                                          <p:stCondLst>
+                                            <p:cond delay="0"/>
+                                          </p:stCondLst>
+                                        </p:cTn>
+                                        <p:tgtEl>
+                                          <p:spTgt spid="19"/>
+                                        </p:tgtEl>
+                                        <p:attrNameLst>
+                                          <p:attrName>style.visibility</p:attrName>
+                                        </p:attrNameLst>
+                                      </p:cBhvr>
+                                      <p:to>
+                                        <p:strVal val="hidden"/>
+                                      </p:to>
+                                    </p:set>
+                                  </p:childTnLst>
+                                </p:cTn>
+                              </p:par>
+                            </p:childTnLst>
+                          </p:cTn>
+                        </p:par>
+                        <p:par>
+                          <p:cTn id="27" fill="hold">
+                            <p:stCondLst>
+                              <p:cond delay="6000"/>
+                            </p:stCondLst>
+                            <p:childTnLst>
+                              <p:par>
+                                <p:cTn id="28" presetID="1" presetClass="entr" presetSubtype="0" fill="hold" nodeType="afterEffect">
+                                  <p:stCondLst>
+                                    <p:cond delay="0"/>
+                                  </p:stCondLst>
+                                  <p:childTnLst>
+                                    <p:set>
+                                      <p:cBhvr>
+                                        <p:cTn id="29" dur="1" fill="hold">
+                                          <p:stCondLst>
+                                            <p:cond delay="0"/>
+                                          </p:stCondLst>
+                                        </p:cTn>
+                                        <p:tgtEl>
+                                          <p:spTgt spid="20"/>
+                                        </p:tgtEl>
+                                        <p:attrNameLst>
+                                          <p:attrName>style.visibility</p:attrName>
+                                        </p:attrNameLst>
+                                      </p:cBhvr>
+                                      <p:to>
+                                        <p:strVal val="visible"/>
+                                      </p:to>
+                                    </p:set>
+                                  </p:childTnLst>
+                                </p:cTn>
+                              </p:par>
+                            </p:childTnLst>
+                          </p:cTn>
+                        </p:par>
+                        <p:par>
+                          <p:cTn id="30" fill="hold">
+                            <p:stCondLst>
+                              <p:cond delay="6000"/>
+                            </p:stCondLst>
+                            <p:childTnLst>
+                              <p:par>
+                                <p:cTn id="31" presetID="1" presetClass="exit" presetSubtype="0" fill="hold" nodeType="afterEffect">
+                                  <p:stCondLst>
+                                    <p:cond delay="1500"/>
+                                  </p:stCondLst>
+                                  <p:childTnLst>
+                                    <p:set>
+                                      <p:cBhvr>
+                                        <p:cTn id="32" dur="1" fill="hold">
+                                          <p:stCondLst>
+                                            <p:cond delay="0"/>
+                                          </p:stCondLst>
+                                        </p:cTn>
+                                        <p:tgtEl>
+                                          <p:spTgt spid="20"/>
+                                        </p:tgtEl>
+                                        <p:attrNameLst>
+                                          <p:attrName>style.visibility</p:attrName>
+                                        </p:attrNameLst>
+                                      </p:cBhvr>
+                                      <p:to>
+                                        <p:strVal val="hidden"/>
+                                      </p:to>
+                                    </p:set>
+                                  </p:childTnLst>
+                                </p:cTn>
+                              </p:par>
+                            </p:childTnLst>
+                          </p:cTn>
+                        </p:par>
+                        <p:par>
+                          <p:cTn id="33" fill="hold">
+                            <p:stCondLst>
+                              <p:cond delay="7500"/>
+                            </p:stCondLst>
+                            <p:childTnLst>
+                              <p:par>
+                                <p:cTn id="34" presetID="1" presetClass="entr" presetSubtype="0" fill="hold" nodeType="afterEffect">
+                                  <p:stCondLst>
+                                    <p:cond delay="0"/>
+                                  </p:stCondLst>
+                                  <p:childTnLst>
+                                    <p:set>
+                                      <p:cBhvr>
+                                        <p:cTn id="35" dur="1" fill="hold">
+                                          <p:stCondLst>
+                                            <p:cond delay="0"/>
+                                          </p:stCondLst>
+                                        </p:cTn>
+                                        <p:tgtEl>
+                                          <p:spTgt spid="12"/>
+                                        </p:tgtEl>
+                                        <p:attrNameLst>
+                                          <p:attrName>style.visibility</p:attrName>
+                                        </p:attrNameLst>
+                                      </p:cBhvr>
+                                      <p:to>
+                                        <p:strVal val="visible"/>
+                                      </p:to>
+                                    </p:set>
+                                  </p:childTnLst>
+                                </p:cTn>
+                              </p:par>
+                            </p:childTnLst>
+                          </p:cTn>
+                        </p:par>
+                        <p:par>
+                          <p:cTn id="36" fill="hold">
+                            <p:stCondLst>
+                              <p:cond delay="7500"/>
+                            </p:stCondLst>
+                            <p:childTnLst>
+                              <p:par>
+                                <p:cTn id="37" presetID="1" presetClass="exit" presetSubtype="0" fill="hold" nodeType="afterEffect">
+                                  <p:stCondLst>
+                                    <p:cond delay="1500"/>
+                                  </p:stCondLst>
+                                  <p:childTnLst>
+                                    <p:set>
+                                      <p:cBhvr>
+                                        <p:cTn id="38" dur="1" fill="hold">
+                                          <p:stCondLst>
+                                            <p:cond delay="0"/>
+                                          </p:stCondLst>
+                                        </p:cTn>
+                                        <p:tgtEl>
+                                          <p:spTgt spid="12"/>
+                                        </p:tgtEl>
+                                        <p:attrNameLst>
+                                          <p:attrName>style.visibility</p:attrName>
+                                        </p:attrNameLst>
+                                      </p:cBhvr>
+                                      <p:to>
+                                        <p:strVal val="hidden"/>
+                                      </p:to>
+                                    </p:set>
+                                  </p:childTnLst>
+                                </p:cTn>
+                              </p:par>
+                            </p:childTnLst>
+                          </p:cTn>
+                        </p:par>
+                        <p:par>
+                          <p:cTn id="39" fill="hold">
+                            <p:stCondLst>
+                              <p:cond delay="9000"/>
+                            </p:stCondLst>
+                            <p:childTnLst>
+                              <p:par>
+                                <p:cTn id="40" presetID="1" presetClass="entr" presetSubtype="0" fill="hold" nodeType="afterEffect">
+                                  <p:stCondLst>
+                                    <p:cond delay="0"/>
+                                  </p:stCondLst>
+                                  <p:childTnLst>
+                                    <p:set>
+                                      <p:cBhvr>
+                                        <p:cTn id="41" dur="1" fill="hold">
+                                          <p:stCondLst>
+                                            <p:cond delay="0"/>
+                                          </p:stCondLst>
+                                        </p:cTn>
+                                        <p:tgtEl>
+                                          <p:spTgt spid="13"/>
+                                        </p:tgtEl>
+                                        <p:attrNameLst>
+                                          <p:attrName>style.visibility</p:attrName>
+                                        </p:attrNameLst>
+                                      </p:cBhvr>
+                                      <p:to>
+                                        <p:strVal val="visible"/>
+                                      </p:to>
+                                    </p:set>
+                                  </p:childTnLst>
+                                </p:cTn>
+                              </p:par>
+                            </p:childTnLst>
+                          </p:cTn>
+                        </p:par>
+                        <p:par>
+                          <p:cTn id="42" fill="hold">
+                            <p:stCondLst>
+                              <p:cond delay="9000"/>
+                            </p:stCondLst>
+                            <p:childTnLst>
+                              <p:par>
+                                <p:cTn id="43" presetID="1" presetClass="exit" presetSubtype="0" fill="hold" nodeType="afterEffect">
+                                  <p:stCondLst>
+                                    <p:cond delay="1500"/>
+                                  </p:stCondLst>
+                                  <p:childTnLst>
+                                    <p:set>
+                                      <p:cBhvr>
+                                        <p:cTn id="44" dur="1" fill="hold">
+                                          <p:stCondLst>
+                                            <p:cond delay="0"/>
+                                          </p:stCondLst>
+                                        </p:cTn>
+                                        <p:tgtEl>
+                                          <p:spTgt spid="13"/>
+                                        </p:tgtEl>
+                                        <p:attrNameLst>
+                                          <p:attrName>style.visibility</p:attrName>
+                                        </p:attrNameLst>
+                                      </p:cBhvr>
+                                      <p:to>
+                                        <p:strVal val="hidden"/>
+                                      </p:to>
+                                    </p:set>
+                                  </p:childTnLst>
+                                </p:cTn>
+                              </p:par>
+                            </p:childTnLst>
+                          </p:cTn>
+                        </p:par>
+                        <p:par>
+                          <p:cTn id="45" fill="hold">
+                            <p:stCondLst>
+                              <p:cond delay="10500"/>
+                            </p:stCondLst>
+                            <p:childTnLst>
+                              <p:par>
+                                <p:cTn id="46" presetID="1" presetClass="entr" presetSubtype="0" fill="hold" nodeType="afterEffect">
+                                  <p:stCondLst>
+                                    <p:cond delay="0"/>
+                                  </p:stCondLst>
+                                  <p:childTnLst>
+                                    <p:set>
+                                      <p:cBhvr>
+                                        <p:cTn id="47" dur="1" fill="hold">
+                                          <p:stCondLst>
+                                            <p:cond delay="0"/>
+                                          </p:stCondLst>
+                                        </p:cTn>
+                                        <p:tgtEl>
+                                          <p:spTgt spid="21"/>
+                                        </p:tgtEl>
+                                        <p:attrNameLst>
+                                          <p:attrName>style.visibility</p:attrName>
+                                        </p:attrNameLst>
+                                      </p:cBhvr>
+                                      <p:to>
+                                        <p:strVal val="visible"/>
+                                      </p:to>
+                                    </p:set>
+                                  </p:childTnLst>
+                                </p:cTn>
+                              </p:par>
+                            </p:childTnLst>
+                          </p:cTn>
+                        </p:par>
+                        <p:par>
+                          <p:cTn id="48" fill="hold">
+                            <p:stCondLst>
+                              <p:cond delay="10500"/>
+                            </p:stCondLst>
+                            <p:childTnLst>
+                              <p:par>
+                                <p:cTn id="49" presetID="1" presetClass="exit" presetSubtype="0" fill="hold" nodeType="afterEffect">
+                                  <p:stCondLst>
+                                    <p:cond delay="1500"/>
+                                  </p:stCondLst>
+                                  <p:childTnLst>
+                                    <p:set>
+                                      <p:cBhvr>
+                                        <p:cTn id="50" dur="1" fill="hold">
+                                          <p:stCondLst>
+                                            <p:cond delay="0"/>
+                                          </p:stCondLst>
+                                        </p:cTn>
+                                        <p:tgtEl>
+                                          <p:spTgt spid="21"/>
+                                        </p:tgtEl>
+                                        <p:attrNameLst>
+                                          <p:attrName>style.visibility</p:attrName>
+                                        </p:attrNameLst>
+                                      </p:cBhvr>
+                                      <p:to>
+                                        <p:strVal val="hidden"/>
+                                      </p:to>
+                                    </p:set>
+                                  </p:childTnLst>
+                                </p:cTn>
+                              </p:par>
+                            </p:childTnLst>
+                          </p:cTn>
+                        </p:par>
+                        <p:par>
+                          <p:cTn id="51" fill="hold">
+                            <p:stCondLst>
+                              <p:cond delay="12000"/>
+                            </p:stCondLst>
+                            <p:childTnLst>
+                              <p:par>
+                                <p:cTn id="52" presetID="1" presetClass="entr" presetSubtype="0" fill="hold" nodeType="afterEffect">
+                                  <p:stCondLst>
+                                    <p:cond delay="0"/>
+                                  </p:stCondLst>
+                                  <p:childTnLst>
+                                    <p:set>
+                                      <p:cBhvr>
+                                        <p:cTn id="53" dur="1" fill="hold">
+                                          <p:stCondLst>
+                                            <p:cond delay="0"/>
+                                          </p:stCondLst>
+                                        </p:cTn>
+                                        <p:tgtEl>
+                                          <p:spTgt spid="22"/>
+                                        </p:tgtEl>
+                                        <p:attrNameLst>
+                                          <p:attrName>style.visibility</p:attrName>
+                                        </p:attrNameLst>
+                                      </p:cBhvr>
+                                      <p:to>
+                                        <p:strVal val="visible"/>
+                                      </p:to>
+                                    </p:set>
+                                  </p:childTnLst>
+                                </p:cTn>
+                              </p:par>
+                            </p:childTnLst>
+                          </p:cTn>
+                        </p:par>
+                        <p:par>
+                          <p:cTn id="54" fill="hold">
+                            <p:stCondLst>
+                              <p:cond delay="12000"/>
+                            </p:stCondLst>
+                            <p:childTnLst>
+                              <p:par>
+                                <p:cTn id="55" presetID="1" presetClass="exit" presetSubtype="0" fill="hold" nodeType="afterEffect">
+                                  <p:stCondLst>
+                                    <p:cond delay="1500"/>
+                                  </p:stCondLst>
+                                  <p:childTnLst>
+                                    <p:set>
+                                      <p:cBhvr>
+                                        <p:cTn id="56" dur="1" fill="hold">
+                                          <p:stCondLst>
+                                            <p:cond delay="0"/>
+                                          </p:stCondLst>
+                                        </p:cTn>
+                                        <p:tgtEl>
+                                          <p:spTgt spid="22"/>
+                                        </p:tgtEl>
+                                        <p:attrNameLst>
+                                          <p:attrName>style.visibility</p:attrName>
+                                        </p:attrNameLst>
+                                      </p:cBhvr>
+                                      <p:to>
+                                        <p:strVal val="hidden"/>
+                                      </p:to>
+                                    </p:set>
+                                  </p:childTnLst>
+                                </p:cTn>
+                              </p:par>
+                            </p:childTnLst>
+                          </p:cTn>
+                        </p:par>
+                        <p:par>
+                          <p:cTn id="57" fill="hold">
+                            <p:stCondLst>
+                              <p:cond delay="13500"/>
+                            </p:stCondLst>
+                            <p:childTnLst>
+                              <p:par>
+                                <p:cTn id="58" presetID="1" presetClass="entr" presetSubtype="0" fill="hold" nodeType="afterEffect">
+                                  <p:stCondLst>
+                                    <p:cond delay="0"/>
+                                  </p:stCondLst>
+                                  <p:childTnLst>
+                                    <p:set>
+                                      <p:cBhvr>
+                                        <p:cTn id="59" dur="1" fill="hold">
+                                          <p:stCondLst>
+                                            <p:cond delay="9"/>
+                                          </p:stCondLst>
+                                        </p:cTn>
+                                        <p:tgtEl>
+                                          <p:spTgt spid="5"/>
+                                        </p:tgtEl>
+                                        <p:attrNameLst>
+                                          <p:attrName>style.visibility</p:attrName>
+                                        </p:attrNameLst>
+                                      </p:cBhvr>
+                                      <p:to>
+                                        <p:strVal val="visible"/>
+                                      </p:to>
+                                    </p:set>
+                                  </p:childTnLst>
+                                </p:cTn>
+                              </p:par>
+                            </p:childTnLst>
+                          </p:cTn>
+                        </p:par>
+                        <p:par>
+                          <p:cTn id="60" fill="hold">
+                            <p:stCondLst>
+                              <p:cond delay="13510"/>
+                            </p:stCondLst>
+                            <p:childTnLst>
+                              <p:par>
+                                <p:cTn id="61" presetID="1" presetClass="exit" presetSubtype="0" fill="hold" nodeType="afterEffect">
+                                  <p:stCondLst>
+                                    <p:cond delay="1500"/>
+                                  </p:stCondLst>
+                                  <p:childTnLst>
+                                    <p:set>
+                                      <p:cBhvr>
+                                        <p:cTn id="62" dur="1" fill="hold">
+                                          <p:stCondLst>
+                                            <p:cond delay="0"/>
+                                          </p:stCondLst>
+                                        </p:cTn>
+                                        <p:tgtEl>
+                                          <p:spTgt spid="5"/>
+                                        </p:tgtEl>
+                                        <p:attrNameLst>
+                                          <p:attrName>style.visibility</p:attrName>
+                                        </p:attrNameLst>
+                                      </p:cBhvr>
+                                      <p:to>
+                                        <p:strVal val="hidden"/>
+                                      </p:to>
+                                    </p:set>
+                                  </p:childTnLst>
+                                </p:cTn>
+                              </p:par>
+                            </p:childTnLst>
+                          </p:cTn>
+                        </p:par>
+                        <p:par>
+                          <p:cTn id="63" fill="hold">
+                            <p:stCondLst>
+                              <p:cond delay="15010"/>
+                            </p:stCondLst>
+                            <p:childTnLst>
+                              <p:par>
+                                <p:cTn id="64" presetID="1" presetClass="entr" presetSubtype="0" fill="hold" nodeType="afterEffect">
+                                  <p:stCondLst>
+                                    <p:cond delay="0"/>
+                                  </p:stCondLst>
+                                  <p:childTnLst>
+                                    <p:set>
+                                      <p:cBhvr>
+                                        <p:cTn id="65" dur="1" fill="hold">
+                                          <p:stCondLst>
+                                            <p:cond delay="9"/>
+                                          </p:stCondLst>
+                                        </p:cTn>
+                                        <p:tgtEl>
+                                          <p:spTgt spid="9"/>
+                                        </p:tgtEl>
+                                        <p:attrNameLst>
+                                          <p:attrName>style.visibility</p:attrName>
+                                        </p:attrNameLst>
+                                      </p:cBhvr>
+                                      <p:to>
+                                        <p:strVal val="visible"/>
+                                      </p:to>
+                                    </p:set>
+                                  </p:childTnLst>
+                                </p:cTn>
+                              </p:par>
+                            </p:childTnLst>
+                          </p:cTn>
+                        </p:par>
+                        <p:par>
+                          <p:cTn id="66" fill="hold">
+                            <p:stCondLst>
+                              <p:cond delay="15020"/>
+                            </p:stCondLst>
+                            <p:childTnLst>
+                              <p:par>
+                                <p:cTn id="67" presetID="1" presetClass="exit" presetSubtype="0" fill="hold" nodeType="afterEffect">
+                                  <p:stCondLst>
+                                    <p:cond delay="1500"/>
+                                  </p:stCondLst>
+                                  <p:childTnLst>
+                                    <p:set>
+                                      <p:cBhvr>
+                                        <p:cTn id="68" dur="1" fill="hold">
+                                          <p:stCondLst>
+                                            <p:cond delay="0"/>
+                                          </p:stCondLst>
+                                        </p:cTn>
+                                        <p:tgtEl>
+                                          <p:spTgt spid="9"/>
+                                        </p:tgtEl>
+                                        <p:attrNameLst>
+                                          <p:attrName>style.visibility</p:attrName>
+                                        </p:attrNameLst>
+                                      </p:cBhvr>
+                                      <p:to>
+                                        <p:strVal val="hidden"/>
+                                      </p:to>
+                                    </p:set>
+                                  </p:childTnLst>
+                                </p:cTn>
+                              </p:par>
+                            </p:childTnLst>
+                          </p:cTn>
+                        </p:par>
+                        <p:par>
+                          <p:cTn id="69" fill="hold">
+                            <p:stCondLst>
+                              <p:cond delay="16520"/>
+                            </p:stCondLst>
+                            <p:childTnLst>
+                              <p:par>
+                                <p:cTn id="70" presetID="1" presetClass="entr" presetSubtype="0" fill="hold" nodeType="afterEffect">
+                                  <p:stCondLst>
+                                    <p:cond delay="0"/>
+                                  </p:stCondLst>
+                                  <p:childTnLst>
+                                    <p:set>
+                                      <p:cBhvr>
+                                        <p:cTn id="71" dur="1" fill="hold">
+                                          <p:stCondLst>
+                                            <p:cond delay="0"/>
+                                          </p:stCondLst>
+                                        </p:cTn>
+                                        <p:tgtEl>
+                                          <p:spTgt spid="10"/>
+                                        </p:tgtEl>
+                                        <p:attrNameLst>
+                                          <p:attrName>style.visibility</p:attrName>
+                                        </p:attrNameLst>
+                                      </p:cBhvr>
+                                      <p:to>
+                                        <p:strVal val="visible"/>
+                                      </p:to>
+                                    </p:set>
+                                  </p:childTnLst>
+                                </p:cTn>
+                              </p:par>
+                            </p:childTnLst>
+                          </p:cTn>
+                        </p:par>
+                        <p:par>
+                          <p:cTn id="72" fill="hold">
+                            <p:stCondLst>
+                              <p:cond delay="16520"/>
+                            </p:stCondLst>
+                            <p:childTnLst>
+                              <p:par>
+                                <p:cTn id="73" presetID="1" presetClass="exit" presetSubtype="0" fill="hold" nodeType="afterEffect">
+                                  <p:stCondLst>
+                                    <p:cond delay="1500"/>
+                                  </p:stCondLst>
+                                  <p:childTnLst>
+                                    <p:set>
+                                      <p:cBhvr>
+                                        <p:cTn id="74" dur="1" fill="hold">
+                                          <p:stCondLst>
+                                            <p:cond delay="0"/>
+                                          </p:stCondLst>
+                                        </p:cTn>
+                                        <p:tgtEl>
+                                          <p:spTgt spid="10"/>
+                                        </p:tgtEl>
+                                        <p:attrNameLst>
+                                          <p:attrName>style.visibility</p:attrName>
+                                        </p:attrNameLst>
+                                      </p:cBhvr>
+                                      <p:to>
+                                        <p:strVal val="hidden"/>
+                                      </p:to>
+                                    </p:set>
+                                  </p:childTnLst>
+                                </p:cTn>
+                              </p:par>
+                            </p:childTnLst>
+                          </p:cTn>
+                        </p:par>
+                        <p:par>
+                          <p:cTn id="75" fill="hold">
+                            <p:stCondLst>
+                              <p:cond delay="18020"/>
+                            </p:stCondLst>
+                            <p:childTnLst>
+                              <p:par>
+                                <p:cTn id="76" presetID="1" presetClass="entr" presetSubtype="0" fill="hold" nodeType="afterEffect">
+                                  <p:stCondLst>
+                                    <p:cond delay="0"/>
+                                  </p:stCondLst>
+                                  <p:childTnLst>
+                                    <p:set>
+                                      <p:cBhvr>
+                                        <p:cTn id="77" dur="1" fill="hold">
+                                          <p:stCondLst>
+                                            <p:cond delay="0"/>
+                                          </p:stCondLst>
+                                        </p:cTn>
+                                        <p:tgtEl>
+                                          <p:spTgt spid="6"/>
+                                        </p:tgtEl>
+                                        <p:attrNameLst>
+                                          <p:attrName>style.visibility</p:attrName>
+                                        </p:attrNameLst>
+                                      </p:cBhvr>
+                                      <p:to>
+                                        <p:strVal val="visible"/>
+                                      </p:to>
+                                    </p:set>
+                                  </p:childTnLst>
+                                </p:cTn>
+                              </p:par>
+                            </p:childTnLst>
+                          </p:cTn>
+                        </p:par>
+                        <p:par>
+                          <p:cTn id="78" fill="hold">
+                            <p:stCondLst>
+                              <p:cond delay="18020"/>
+                            </p:stCondLst>
+                            <p:childTnLst>
+                              <p:par>
+                                <p:cTn id="79" presetID="1" presetClass="exit" presetSubtype="0" fill="hold" nodeType="afterEffect">
+                                  <p:stCondLst>
+                                    <p:cond delay="1500"/>
+                                  </p:stCondLst>
+                                  <p:childTnLst>
+                                    <p:set>
+                                      <p:cBhvr>
+                                        <p:cTn id="80" dur="1" fill="hold">
+                                          <p:stCondLst>
+                                            <p:cond delay="0"/>
+                                          </p:stCondLst>
+                                        </p:cTn>
+                                        <p:tgtEl>
+                                          <p:spTgt spid="6"/>
+                                        </p:tgtEl>
+                                        <p:attrNameLst>
+                                          <p:attrName>style.visibility</p:attrName>
+                                        </p:attrNameLst>
+                                      </p:cBhvr>
+                                      <p:to>
+                                        <p:strVal val="hidden"/>
+                                      </p:to>
+                                    </p:set>
+                                  </p:childTnLst>
+                                </p:cTn>
+                              </p:par>
+                            </p:childTnLst>
+                          </p:cTn>
+                        </p:par>
+                        <p:par>
+                          <p:cTn id="81" fill="hold">
+                            <p:stCondLst>
+                              <p:cond delay="19520"/>
+                            </p:stCondLst>
+                            <p:childTnLst>
+                              <p:par>
+                                <p:cTn id="82" presetID="1" presetClass="entr" presetSubtype="0" fill="hold" nodeType="afterEffect">
+                                  <p:stCondLst>
+                                    <p:cond delay="0"/>
+                                  </p:stCondLst>
+                                  <p:childTnLst>
+                                    <p:set>
+                                      <p:cBhvr>
+                                        <p:cTn id="83" dur="1" fill="hold">
+                                          <p:stCondLst>
+                                            <p:cond delay="0"/>
+                                          </p:stCondLst>
+                                        </p:cTn>
+                                        <p:tgtEl>
+                                          <p:spTgt spid="11"/>
+                                        </p:tgtEl>
+                                        <p:attrNameLst>
+                                          <p:attrName>style.visibility</p:attrName>
+                                        </p:attrNameLst>
+                                      </p:cBhvr>
+                                      <p:to>
+                                        <p:strVal val="visible"/>
+                                      </p:to>
+                                    </p:set>
+                                  </p:childTnLst>
+                                </p:cTn>
+                              </p:par>
+                            </p:childTnLst>
+                          </p:cTn>
+                        </p:par>
+                        <p:par>
+                          <p:cTn id="84" fill="hold">
+                            <p:stCondLst>
+                              <p:cond delay="19520"/>
+                            </p:stCondLst>
+                            <p:childTnLst>
+                              <p:par>
+                                <p:cTn id="85" presetID="1" presetClass="exit" presetSubtype="0" fill="hold" nodeType="afterEffect">
+                                  <p:stCondLst>
+                                    <p:cond delay="1500"/>
+                                  </p:stCondLst>
+                                  <p:childTnLst>
+                                    <p:set>
+                                      <p:cBhvr>
+                                        <p:cTn id="86" dur="1" fill="hold">
+                                          <p:stCondLst>
+                                            <p:cond delay="0"/>
+                                          </p:stCondLst>
+                                        </p:cTn>
+                                        <p:tgtEl>
+                                          <p:spTgt spid="11"/>
+                                        </p:tgtEl>
+                                        <p:attrNameLst>
+                                          <p:attrName>style.visibility</p:attrName>
+                                        </p:attrNameLst>
+                                      </p:cBhvr>
+                                      <p:to>
+                                        <p:strVal val="hidden"/>
+                                      </p:to>
+                                    </p:set>
+                                  </p:childTnLst>
+                                </p:cTn>
+                              </p:par>
+                            </p:childTnLst>
+                          </p:cTn>
+                        </p:par>
+                        <p:par>
+                          <p:cTn id="87" fill="hold">
+                            <p:stCondLst>
+                              <p:cond delay="21020"/>
+                            </p:stCondLst>
+                            <p:childTnLst>
+                              <p:par>
+                                <p:cTn id="88" presetID="1" presetClass="entr" presetSubtype="0" fill="hold" nodeType="afterEffect">
+                                  <p:stCondLst>
+                                    <p:cond delay="0"/>
+                                  </p:stCondLst>
+                                  <p:childTnLst>
+                                    <p:set>
+                                      <p:cBhvr>
+                                        <p:cTn id="89" dur="1" fill="hold">
+                                          <p:stCondLst>
+                                            <p:cond delay="0"/>
+                                          </p:stCondLst>
+                                        </p:cTn>
+                                        <p:tgtEl>
+                                          <p:spTgt spid="23"/>
+                                        </p:tgtEl>
+                                        <p:attrNameLst>
+                                          <p:attrName>style.visibility</p:attrName>
+                                        </p:attrNameLst>
+                                      </p:cBhvr>
+                                      <p:to>
+                                        <p:strVal val="visible"/>
+                                      </p:to>
+                                    </p:set>
+                                  </p:childTnLst>
+                                </p:cTn>
+                              </p:par>
+                            </p:childTnLst>
+                          </p:cTn>
+                        </p:par>
+                        <p:par>
+                          <p:cTn id="90" fill="hold">
+                            <p:stCondLst>
+                              <p:cond delay="21020"/>
+                            </p:stCondLst>
+                            <p:childTnLst>
+                              <p:par>
+                                <p:cTn id="91" presetID="1" presetClass="exit" presetSubtype="0" fill="hold" nodeType="afterEffect">
+                                  <p:stCondLst>
+                                    <p:cond delay="1500"/>
+                                  </p:stCondLst>
+                                  <p:childTnLst>
+                                    <p:set>
+                                      <p:cBhvr>
+                                        <p:cTn id="92" dur="1" fill="hold">
+                                          <p:stCondLst>
+                                            <p:cond delay="0"/>
+                                          </p:stCondLst>
+                                        </p:cTn>
+                                        <p:tgtEl>
+                                          <p:spTgt spid="23"/>
+                                        </p:tgtEl>
+                                        <p:attrNameLst>
+                                          <p:attrName>style.visibility</p:attrName>
+                                        </p:attrNameLst>
+                                      </p:cBhvr>
+                                      <p:to>
+                                        <p:strVal val="hidden"/>
+                                      </p:to>
+                                    </p:set>
+                                  </p:childTnLst>
+                                </p:cTn>
+                              </p:par>
+                            </p:childTnLst>
+                          </p:cTn>
+                        </p:par>
+                        <p:par>
+                          <p:cTn id="93" fill="hold">
+                            <p:stCondLst>
+                              <p:cond delay="22520"/>
+                            </p:stCondLst>
+                            <p:childTnLst>
+                              <p:par>
+                                <p:cTn id="94" presetID="1" presetClass="entr" presetSubtype="0" fill="hold" nodeType="afterEffect">
+                                  <p:stCondLst>
+                                    <p:cond delay="0"/>
+                                  </p:stCondLst>
+                                  <p:childTnLst>
+                                    <p:set>
+                                      <p:cBhvr>
+                                        <p:cTn id="95" dur="1" fill="hold">
+                                          <p:stCondLst>
+                                            <p:cond delay="0"/>
+                                          </p:stCondLst>
+                                        </p:cTn>
+                                        <p:tgtEl>
+                                          <p:spTgt spid="24"/>
+                                        </p:tgtEl>
+                                        <p:attrNameLst>
+                                          <p:attrName>style.visibility</p:attrName>
+                                        </p:attrNameLst>
+                                      </p:cBhvr>
+                                      <p:to>
+                                        <p:strVal val="visible"/>
+                                      </p:to>
+                                    </p:set>
+                                  </p:childTnLst>
+                                </p:cTn>
+                              </p:par>
+                            </p:childTnLst>
+                          </p:cTn>
+                        </p:par>
+                        <p:par>
+                          <p:cTn id="96" fill="hold">
+                            <p:stCondLst>
+                              <p:cond delay="22520"/>
+                            </p:stCondLst>
+                            <p:childTnLst>
+                              <p:par>
+                                <p:cTn id="97" presetID="1" presetClass="exit" presetSubtype="0" fill="hold" nodeType="afterEffect">
+                                  <p:stCondLst>
+                                    <p:cond delay="1500"/>
+                                  </p:stCondLst>
+                                  <p:childTnLst>
+                                    <p:set>
+                                      <p:cBhvr>
+                                        <p:cTn id="98" dur="1" fill="hold">
+                                          <p:stCondLst>
+                                            <p:cond delay="9"/>
+                                          </p:stCondLst>
+                                        </p:cTn>
+                                        <p:tgtEl>
+                                          <p:spTgt spid="24"/>
+                                        </p:tgtEl>
+                                        <p:attrNameLst>
+                                          <p:attrName>style.visibility</p:attrName>
+                                        </p:attrNameLst>
+                                      </p:cBhvr>
+                                      <p:to>
+                                        <p:strVal val="hidden"/>
+                                      </p:to>
+                                    </p:set>
+                                  </p:childTnLst>
+                                </p:cTn>
+                              </p:par>
+                            </p:childTnLst>
+                          </p:cTn>
+                        </p:par>
+                        <p:par>
+                          <p:cTn id="99" fill="hold">
+                            <p:stCondLst>
+                              <p:cond delay="24030"/>
+                            </p:stCondLst>
+                            <p:childTnLst>
+                              <p:par>
+                                <p:cTn id="100" presetID="1" presetClass="entr" presetSubtype="0" fill="hold" nodeType="afterEffect">
+                                  <p:stCondLst>
+                                    <p:cond delay="0"/>
+                                  </p:stCondLst>
+                                  <p:childTnLst>
+                                    <p:set>
+                                      <p:cBhvr>
+                                        <p:cTn id="101" dur="1" fill="hold">
+                                          <p:stCondLst>
+                                            <p:cond delay="0"/>
+                                          </p:stCondLst>
+                                        </p:cTn>
+                                        <p:tgtEl>
+                                          <p:spTgt spid="14"/>
+                                        </p:tgtEl>
+                                        <p:attrNameLst>
+                                          <p:attrName>style.visibility</p:attrName>
+                                        </p:attrNameLst>
+                                      </p:cBhvr>
+                                      <p:to>
+                                        <p:strVal val="visible"/>
+                                      </p:to>
+                                    </p:set>
+                                  </p:childTnLst>
+                                </p:cTn>
+                              </p:par>
+                            </p:childTnLst>
+                          </p:cTn>
+                        </p:par>
+                        <p:par>
+                          <p:cTn id="102" fill="hold">
+                            <p:stCondLst>
+                              <p:cond delay="24030"/>
+                            </p:stCondLst>
+                            <p:childTnLst>
+                              <p:par>
+                                <p:cTn id="103" presetID="1" presetClass="exit" presetSubtype="0" fill="hold" nodeType="afterEffect">
+                                  <p:stCondLst>
+                                    <p:cond delay="1500"/>
+                                  </p:stCondLst>
+                                  <p:childTnLst>
+                                    <p:set>
+                                      <p:cBhvr>
+                                        <p:cTn id="104" dur="1" fill="hold">
+                                          <p:stCondLst>
+                                            <p:cond delay="0"/>
+                                          </p:stCondLst>
+                                        </p:cTn>
+                                        <p:tgtEl>
+                                          <p:spTgt spid="14"/>
+                                        </p:tgtEl>
+                                        <p:attrNameLst>
+                                          <p:attrName>style.visibility</p:attrName>
+                                        </p:attrNameLst>
+                                      </p:cBhvr>
+                                      <p:to>
+                                        <p:strVal val="hidden"/>
+                                      </p:to>
+                                    </p:set>
+                                  </p:childTnLst>
+                                </p:cTn>
+                              </p:par>
+                            </p:childTnLst>
+                          </p:cTn>
+                        </p:par>
+                        <p:par>
+                          <p:cTn id="105" fill="hold">
+                            <p:stCondLst>
+                              <p:cond delay="25530"/>
+                            </p:stCondLst>
+                            <p:childTnLst>
+                              <p:par>
+                                <p:cTn id="106" presetID="1" presetClass="entr" presetSubtype="0" fill="hold" nodeType="afterEffect">
+                                  <p:stCondLst>
+                                    <p:cond delay="0"/>
+                                  </p:stCondLst>
+                                  <p:childTnLst>
+                                    <p:set>
+                                      <p:cBhvr>
+                                        <p:cTn id="107" dur="1" fill="hold">
+                                          <p:stCondLst>
+                                            <p:cond delay="0"/>
+                                          </p:stCondLst>
+                                        </p:cTn>
+                                        <p:tgtEl>
+                                          <p:spTgt spid="15"/>
+                                        </p:tgtEl>
+                                        <p:attrNameLst>
+                                          <p:attrName>style.visibility</p:attrName>
+                                        </p:attrNameLst>
+                                      </p:cBhvr>
+                                      <p:to>
+                                        <p:strVal val="visible"/>
+                                      </p:to>
+                                    </p:set>
+                                  </p:childTnLst>
+                                </p:cTn>
+                              </p:par>
+                            </p:childTnLst>
+                          </p:cTn>
+                        </p:par>
+                        <p:par>
+                          <p:cTn id="108" fill="hold">
+                            <p:stCondLst>
+                              <p:cond delay="25530"/>
+                            </p:stCondLst>
+                            <p:childTnLst>
+                              <p:par>
+                                <p:cTn id="109" presetID="1" presetClass="exit" presetSubtype="0" fill="hold" nodeType="afterEffect">
+                                  <p:stCondLst>
+                                    <p:cond delay="1500"/>
+                                  </p:stCondLst>
+                                  <p:childTnLst>
+                                    <p:set>
+                                      <p:cBhvr>
+                                        <p:cTn id="110" dur="1" fill="hold">
+                                          <p:stCondLst>
+                                            <p:cond delay="0"/>
+                                          </p:stCondLst>
+                                        </p:cTn>
+                                        <p:tgtEl>
+                                          <p:spTgt spid="15"/>
+                                        </p:tgtEl>
+                                        <p:attrNameLst>
+                                          <p:attrName>style.visibility</p:attrName>
+                                        </p:attrNameLst>
+                                      </p:cBhvr>
+                                      <p:to>
+                                        <p:strVal val="hidden"/>
+                                      </p:to>
+                                    </p:set>
+                                  </p:childTnLst>
+                                </p:cTn>
+                              </p:par>
+                            </p:childTnLst>
+                          </p:cTn>
+                        </p:par>
+                      </p:childTnLst>
+                    </p:cTn>
+                  </p:par>
+                </p:childTnLst>
+              </p:cTn>
+              <p:prevCondLst>
+                <p:cond evt="onPrev" delay="0">
+                  <p:tgtEl>
+                    <p:sldTgt/>
+                  </p:tgtEl>
+                </p:cond>
+              </p:prevCondLst>
+              <p:nextCondLst>
+                <p:cond evt="onNext" delay="0">
+                  <p:tgtEl>
+                    <p:sldTgt/>
+                  </p:tgtEl>
+                </p:cond>
+              </p:nextCondLst>
+            </p:seq>
+          </p:childTnLst>
+        </p:cTn>
+      </p:par>
+    </p:tnLst>
+  </p:timing>
 </p:sld>
 </file>
 
@@ -12381,64 +13427,41 @@
           <a:p>
             <a:r>
               <a:rPr lang="en-US" dirty="0"/>
-              <a:t>Customers</a:t>
-            </a:r>
-          </a:p>
-          <a:p>
-            <a:pPr lvl="1"/>
+              <a:t>Survival gear</a:t>
+            </a:r>
+          </a:p>
+          <a:p>
+            <a:r>
+              <a:rPr lang="en-US" dirty="0"/>
+              <a:t>Sportswear</a:t>
+            </a:r>
+          </a:p>
+          <a:p>
+            <a:r>
+              <a:rPr lang="en-US" dirty="0"/>
+              <a:t>Outerwear</a:t>
+            </a:r>
+          </a:p>
+          <a:p>
+            <a:r>
+              <a:rPr lang="en-US" dirty="0"/>
+              <a:t>Off-road bicycles</a:t>
+            </a:r>
+          </a:p>
+          <a:p>
+            <a:r>
+              <a:rPr lang="en-US" dirty="0"/>
+              <a:t>Fishing equipment and tackle</a:t>
+            </a:r>
+          </a:p>
+          <a:p>
+            <a:r>
+              <a:rPr lang="en-US" dirty="0"/>
+              <a:t>Canoes and personal rowing </a:t>
+            </a:r>
             <a:r>
               <a:rPr lang="en-US" dirty="0" smtClean="0"/>
-              <a:t>[Year] </a:t>
-            </a:r>
-            <a:r>
-              <a:rPr lang="en-US" dirty="0"/>
-              <a:t>is projected to attract 920,700 new </a:t>
-            </a:r>
-            <a:r>
-              <a:rPr lang="en-US" dirty="0" smtClean="0"/>
-              <a:t>customers.</a:t>
-            </a:r>
-            <a:endParaRPr lang="en-US" dirty="0"/>
-          </a:p>
-          <a:p>
-            <a:pPr lvl="1"/>
-            <a:r>
-              <a:rPr lang="en-US" dirty="0"/>
-              <a:t>27% of first-time customers have become repeat </a:t>
-            </a:r>
-            <a:r>
-              <a:rPr lang="en-US" dirty="0" smtClean="0"/>
-              <a:t>customers.</a:t>
-            </a:r>
-            <a:endParaRPr lang="en-US" dirty="0"/>
-          </a:p>
-          <a:p>
-            <a:r>
-              <a:rPr lang="en-US" dirty="0"/>
-              <a:t>Transactions</a:t>
-            </a:r>
-          </a:p>
-          <a:p>
-            <a:pPr lvl="1"/>
-            <a:r>
-              <a:rPr lang="en-US" dirty="0"/>
-              <a:t>Average sale transaction = $</a:t>
-            </a:r>
-            <a:r>
-              <a:rPr lang="en-US" dirty="0" smtClean="0"/>
-              <a:t>52.17.</a:t>
-            </a:r>
-            <a:endParaRPr lang="en-US" dirty="0"/>
-          </a:p>
-          <a:p>
-            <a:pPr lvl="1"/>
-            <a:r>
-              <a:rPr lang="en-US" dirty="0"/>
-              <a:t>75% of customers have bought at least 1 non-sale item in addition to a sale </a:t>
-            </a:r>
-            <a:r>
-              <a:rPr lang="en-US" dirty="0" smtClean="0"/>
-              <a:t>item.</a:t>
+              <a:t>shells</a:t>
             </a:r>
             <a:endParaRPr lang="en-US" dirty="0"/>
           </a:p>
@@ -12460,131 +13483,6 @@
           <a:lstStyle/>
           <a:p>
             <a:r>
-              <a:rPr lang="en-US" dirty="0" smtClean="0"/>
-              <a:t>[Year] </a:t>
-            </a:r>
-            <a:r>
-              <a:rPr lang="en-US" dirty="0"/>
-              <a:t>Sales Research</a:t>
-            </a:r>
-          </a:p>
-        </p:txBody>
-      </p:sp>
-    </p:spTree>
-    <p:extLst>
-      <p:ext uri="{BB962C8B-B14F-4D97-AF65-F5344CB8AC3E}">
-        <p14:creationId xmlns:p14="http://schemas.microsoft.com/office/powerpoint/2010/main" val="425374157"/>
-      </p:ext>
-    </p:extLst>
-  </p:cSld>
-  <p:clrMapOvr>
-    <a:masterClrMapping/>
-  </p:clrMapOvr>
-  <mc:AlternateContent xmlns:mc="http://schemas.openxmlformats.org/markup-compatibility/2006" xmlns:p14="http://schemas.microsoft.com/office/powerpoint/2010/main">
-    <mc:Choice Requires="p14">
-      <p:transition spd="med" p14:dur="700">
-        <p:fade/>
-      </p:transition>
-    </mc:Choice>
-    <mc:Fallback xmlns="">
-      <p:transition spd="med">
-        <p:fade/>
-      </p:transition>
-    </mc:Fallback>
-  </mc:AlternateContent>
-</p:sld>
-</file>
-
-<file path=ppt/slides/slide7.xml><?xml version="1.0" encoding="utf-8"?>
-<p:sld xmlns:a="http://schemas.openxmlformats.org/drawingml/2006/main" xmlns:r="http://schemas.openxmlformats.org/officeDocument/2006/relationships" xmlns:p="http://schemas.openxmlformats.org/presentationml/2006/main">
-  <p:cSld>
-    <p:spTree>
-      <p:nvGrpSpPr>
-        <p:cNvPr id="1" name=""/>
-        <p:cNvGrpSpPr/>
-        <p:nvPr/>
-      </p:nvGrpSpPr>
-      <p:grpSpPr>
-        <a:xfrm>
-          <a:off x="0" y="0"/>
-          <a:ext cx="0" cy="0"/>
-          <a:chOff x="0" y="0"/>
-          <a:chExt cx="0" cy="0"/>
-        </a:xfrm>
-      </p:grpSpPr>
-      <p:sp>
-        <p:nvSpPr>
-          <p:cNvPr id="3" name="Content Placeholder 2"/>
-          <p:cNvSpPr>
-            <a:spLocks noGrp="1"/>
-          </p:cNvSpPr>
-          <p:nvPr>
-            <p:ph idx="1"/>
-          </p:nvPr>
-        </p:nvSpPr>
-        <p:spPr/>
-        <p:txBody>
-          <a:bodyPr/>
-          <a:lstStyle/>
-          <a:p>
-            <a:r>
-              <a:rPr lang="en-US" dirty="0"/>
-              <a:t>Survival gear</a:t>
-            </a:r>
-          </a:p>
-          <a:p>
-            <a:r>
-              <a:rPr lang="en-US" dirty="0"/>
-              <a:t>Sportswear</a:t>
-            </a:r>
-          </a:p>
-          <a:p>
-            <a:r>
-              <a:rPr lang="en-US" dirty="0"/>
-              <a:t>Outerwear</a:t>
-            </a:r>
-          </a:p>
-          <a:p>
-            <a:r>
-              <a:rPr lang="en-US" dirty="0"/>
-              <a:t>Off-road bicycles</a:t>
-            </a:r>
-          </a:p>
-          <a:p>
-            <a:r>
-              <a:rPr lang="en-US" dirty="0"/>
-              <a:t>Fishing equipment and tackle</a:t>
-            </a:r>
-          </a:p>
-          <a:p>
-            <a:r>
-              <a:rPr lang="en-US" dirty="0"/>
-              <a:t>Canoes and personal rowing </a:t>
-            </a:r>
-            <a:r>
-              <a:rPr lang="en-US" dirty="0" smtClean="0"/>
-              <a:t>shells</a:t>
-            </a:r>
-            <a:endParaRPr lang="en-US" dirty="0"/>
-          </a:p>
-        </p:txBody>
-      </p:sp>
-      <p:sp>
-        <p:nvSpPr>
-          <p:cNvPr id="2" name="Title 1"/>
-          <p:cNvSpPr>
-            <a:spLocks noGrp="1"/>
-          </p:cNvSpPr>
-          <p:nvPr>
-            <p:ph type="title"/>
-          </p:nvPr>
-        </p:nvSpPr>
-        <p:spPr/>
-        <p:txBody>
-          <a:bodyPr/>
-          <a:lstStyle/>
-          <a:p>
-            <a:r>
               <a:rPr lang="en-US" dirty="0"/>
               <a:t>Proposed New Products</a:t>
             </a:r>
@@ -12601,22 +13499,20 @@
   <p:clrMapOvr>
     <a:masterClrMapping/>
   </p:clrMapOvr>
-  <mc:AlternateContent xmlns:mc="http://schemas.openxmlformats.org/markup-compatibility/2006" xmlns:p14="http://schemas.microsoft.com/office/powerpoint/2010/main">
-    <mc:Choice Requires="p14">
-      <p:transition spd="med" p14:dur="700">
-        <p:fade/>
-      </p:transition>
-    </mc:Choice>
-    <mc:Fallback xmlns="">
-      <p:transition spd="med">
-        <p:fade/>
-      </p:transition>
-    </mc:Fallback>
-  </mc:AlternateContent>
+  <p:transition spd="slow">
+    <p:fade/>
+  </p:transition>
+  <p:timing>
+    <p:tnLst>
+      <p:par>
+        <p:cTn id="1" dur="indefinite" restart="never" nodeType="tmRoot"/>
+      </p:par>
+    </p:tnLst>
+  </p:timing>
 </p:sld>
 </file>
 
-<file path=ppt/slides/slide8.xml><?xml version="1.0" encoding="utf-8"?>
+<file path=ppt/slides/slide7.xml><?xml version="1.0" encoding="utf-8"?>
 <p:sld xmlns:a="http://schemas.openxmlformats.org/drawingml/2006/main" xmlns:r="http://schemas.openxmlformats.org/officeDocument/2006/relationships" xmlns:p="http://schemas.openxmlformats.org/presentationml/2006/main">
   <p:cSld>
     <p:spTree>
@@ -12719,18 +13615,9 @@
   <p:clrMapOvr>
     <a:masterClrMapping/>
   </p:clrMapOvr>
-  <mc:AlternateContent xmlns:mc="http://schemas.openxmlformats.org/markup-compatibility/2006" xmlns:p14="http://schemas.microsoft.com/office/powerpoint/2010/main">
-    <mc:Choice Requires="p14">
-      <p:transition spd="med" p14:dur="700">
-        <p:fade/>
-      </p:transition>
-    </mc:Choice>
-    <mc:Fallback xmlns="">
-      <p:transition spd="med">
-        <p:fade/>
-      </p:transition>
-    </mc:Fallback>
-  </mc:AlternateContent>
+  <p:transition spd="slow">
+    <p:fade/>
+  </p:transition>
   <p:timing>
     <p:tnLst>
       <p:par>
@@ -12741,7 +13628,7 @@
 </p:sld>
 </file>
 
-<file path=ppt/slides/slide9.xml><?xml version="1.0" encoding="utf-8"?>
+<file path=ppt/slides/slide8.xml><?xml version="1.0" encoding="utf-8"?>
 <p:sld xmlns:a="http://schemas.openxmlformats.org/drawingml/2006/main" xmlns:r="http://schemas.openxmlformats.org/officeDocument/2006/relationships" xmlns:p="http://schemas.openxmlformats.org/presentationml/2006/main">
   <p:cSld>
     <p:spTree>
@@ -12841,18 +13728,151 @@
   <p:clrMapOvr>
     <a:masterClrMapping/>
   </p:clrMapOvr>
-  <mc:AlternateContent xmlns:mc="http://schemas.openxmlformats.org/markup-compatibility/2006" xmlns:p14="http://schemas.microsoft.com/office/powerpoint/2010/main">
-    <mc:Choice Requires="p14">
-      <p:transition spd="med" p14:dur="700">
-        <p:fade/>
-      </p:transition>
-    </mc:Choice>
-    <mc:Fallback xmlns="">
-      <p:transition spd="med">
-        <p:fade/>
-      </p:transition>
-    </mc:Fallback>
-  </mc:AlternateContent>
+  <p:transition spd="slow">
+    <p:fade/>
+  </p:transition>
+  <p:timing>
+    <p:tnLst>
+      <p:par>
+        <p:cTn id="1" dur="indefinite" restart="never" nodeType="tmRoot"/>
+      </p:par>
+    </p:tnLst>
+  </p:timing>
+</p:sld>
+</file>
+
+<file path=ppt/slides/slide9.xml><?xml version="1.0" encoding="utf-8"?>
+<p:sld xmlns:a="http://schemas.openxmlformats.org/drawingml/2006/main" xmlns:r="http://schemas.openxmlformats.org/officeDocument/2006/relationships" xmlns:p="http://schemas.openxmlformats.org/presentationml/2006/main">
+  <p:cSld>
+    <p:spTree>
+      <p:nvGrpSpPr>
+        <p:cNvPr id="1" name=""/>
+        <p:cNvGrpSpPr/>
+        <p:nvPr/>
+      </p:nvGrpSpPr>
+      <p:grpSpPr>
+        <a:xfrm>
+          <a:off x="0" y="0"/>
+          <a:ext cx="0" cy="0"/>
+          <a:chOff x="0" y="0"/>
+          <a:chExt cx="0" cy="0"/>
+        </a:xfrm>
+      </p:grpSpPr>
+      <p:graphicFrame>
+        <p:nvGraphicFramePr>
+          <p:cNvPr id="3" name="Diagram 2" title="Strategy and schedule graphic"/>
+          <p:cNvGraphicFramePr/>
+          <p:nvPr>
+            <p:extLst>
+              <p:ext uri="{D42A27DB-BD31-4B8C-83A1-F6EECF244321}">
+                <p14:modId xmlns:p14="http://schemas.microsoft.com/office/powerpoint/2010/main" val="1050565563"/>
+              </p:ext>
+            </p:extLst>
+          </p:nvPr>
+        </p:nvGraphicFramePr>
+        <p:xfrm>
+          <a:off x="3420059" y="3429000"/>
+          <a:ext cx="8128000" cy="3429000"/>
+        </p:xfrm>
+        <a:graphic>
+          <a:graphicData uri="http://schemas.openxmlformats.org/drawingml/2006/diagram">
+            <dgm:relIds xmlns:dgm="http://schemas.openxmlformats.org/drawingml/2006/diagram" xmlns:r="http://schemas.openxmlformats.org/officeDocument/2006/relationships" r:dm="rId2" r:lo="rId3" r:qs="rId4" r:cs="rId5"/>
+          </a:graphicData>
+        </a:graphic>
+      </p:graphicFrame>
+      <p:sp>
+        <p:nvSpPr>
+          <p:cNvPr id="6" name="Content Placeholder 5"/>
+          <p:cNvSpPr>
+            <a:spLocks noGrp="1"/>
+          </p:cNvSpPr>
+          <p:nvPr>
+            <p:ph idx="1"/>
+          </p:nvPr>
+        </p:nvSpPr>
+        <p:spPr/>
+        <p:txBody>
+          <a:bodyPr/>
+          <a:lstStyle/>
+          <a:p>
+            <a:r>
+              <a:rPr lang="en-US" smtClean="0"/>
+              <a:t>Strategy</a:t>
+            </a:r>
+          </a:p>
+          <a:p>
+            <a:pPr lvl="1"/>
+            <a:r>
+              <a:rPr lang="en-US" smtClean="0"/>
+              <a:t>Tactic #1</a:t>
+            </a:r>
+          </a:p>
+          <a:p>
+            <a:pPr lvl="1"/>
+            <a:r>
+              <a:rPr lang="en-US" smtClean="0"/>
+              <a:t>Tactic #2</a:t>
+            </a:r>
+          </a:p>
+          <a:p>
+            <a:pPr lvl="1"/>
+            <a:r>
+              <a:rPr lang="en-US" smtClean="0"/>
+              <a:t>Tactic #3</a:t>
+            </a:r>
+          </a:p>
+          <a:p>
+            <a:r>
+              <a:rPr lang="en-US" smtClean="0"/>
+              <a:t>Schedule</a:t>
+            </a:r>
+            <a:endParaRPr lang="en-US" dirty="0"/>
+          </a:p>
+        </p:txBody>
+      </p:sp>
+      <p:sp>
+        <p:nvSpPr>
+          <p:cNvPr id="7" name="Title 6"/>
+          <p:cNvSpPr>
+            <a:spLocks noGrp="1"/>
+          </p:cNvSpPr>
+          <p:nvPr>
+            <p:ph type="title"/>
+          </p:nvPr>
+        </p:nvSpPr>
+        <p:spPr/>
+        <p:txBody>
+          <a:bodyPr/>
+          <a:lstStyle/>
+          <a:p>
+            <a:r>
+              <a:rPr lang="en-US" smtClean="0"/>
+              <a:t>Strategy and Schedule</a:t>
+            </a:r>
+            <a:endParaRPr lang="en-US" dirty="0"/>
+          </a:p>
+        </p:txBody>
+      </p:sp>
+    </p:spTree>
+    <p:extLst>
+      <p:ext uri="{BB962C8B-B14F-4D97-AF65-F5344CB8AC3E}">
+        <p14:creationId xmlns:p14="http://schemas.microsoft.com/office/powerpoint/2010/main" val="3873045866"/>
+      </p:ext>
+    </p:extLst>
+  </p:cSld>
+  <p:clrMapOvr>
+    <a:masterClrMapping/>
+  </p:clrMapOvr>
+  <p:transition spd="slow">
+    <p:fade/>
+  </p:transition>
+  <p:timing>
+    <p:tnLst>
+      <p:par>
+        <p:cTn id="1" dur="indefinite" restart="never" nodeType="tmRoot"/>
+      </p:par>
+    </p:tnLst>
+  </p:timing>
 </p:sld>
 </file>
 
@@ -13643,6 +14663,49 @@
 </a:theme>
 </file>
 
+<file path=ppt/theme/themeOverride1.xml><?xml version="1.0" encoding="utf-8"?>
+<a:themeOverride xmlns:a="http://schemas.openxmlformats.org/drawingml/2006/main">
+  <a:clrScheme name="Marquee">
+    <a:dk1>
+      <a:srgbClr val="000000"/>
+    </a:dk1>
+    <a:lt1>
+      <a:sysClr val="window" lastClr="FFFFFF"/>
+    </a:lt1>
+    <a:dk2>
+      <a:srgbClr val="5E5E5E"/>
+    </a:dk2>
+    <a:lt2>
+      <a:srgbClr val="DDDDDD"/>
+    </a:lt2>
+    <a:accent1>
+      <a:srgbClr val="418AB3"/>
+    </a:accent1>
+    <a:accent2>
+      <a:srgbClr val="A6B727"/>
+    </a:accent2>
+    <a:accent3>
+      <a:srgbClr val="F69200"/>
+    </a:accent3>
+    <a:accent4>
+      <a:srgbClr val="838383"/>
+    </a:accent4>
+    <a:accent5>
+      <a:srgbClr val="FEC306"/>
+    </a:accent5>
+    <a:accent6>
+      <a:srgbClr val="DF5327"/>
+    </a:accent6>
+    <a:hlink>
+      <a:srgbClr val="F59E00"/>
+    </a:hlink>
+    <a:folHlink>
+      <a:srgbClr val="B2B2B2"/>
+    </a:folHlink>
+  </a:clrScheme>
+</a:themeOverride>
+</file>
+
 <file path=customXml/item1.xml><?xml version="1.0" encoding="utf-8"?>
 <?mso-contentType ?>
 <FormTemplates xmlns="http://schemas.microsoft.com/sharepoint/v3/contenttype/forms">

--- a/Apresentacoes/Redes Neurais Convolucionais.pptx
+++ b/Apresentacoes/Redes Neurais Convolucionais.pptx
@@ -5,27 +5,30 @@
     <p:sldMasterId id="2147483684" r:id="rId2"/>
   </p:sldMasterIdLst>
   <p:notesMasterIdLst>
-    <p:notesMasterId r:id="rId18"/>
+    <p:notesMasterId r:id="rId21"/>
   </p:notesMasterIdLst>
   <p:handoutMasterIdLst>
-    <p:handoutMasterId r:id="rId19"/>
+    <p:handoutMasterId r:id="rId22"/>
   </p:handoutMasterIdLst>
   <p:sldIdLst>
     <p:sldId id="275" r:id="rId3"/>
     <p:sldId id="276" r:id="rId4"/>
-    <p:sldId id="277" r:id="rId5"/>
-    <p:sldId id="287" r:id="rId6"/>
-    <p:sldId id="278" r:id="rId7"/>
-    <p:sldId id="280" r:id="rId8"/>
-    <p:sldId id="274" r:id="rId9"/>
-    <p:sldId id="282" r:id="rId10"/>
-    <p:sldId id="267" r:id="rId11"/>
-    <p:sldId id="283" r:id="rId12"/>
-    <p:sldId id="284" r:id="rId13"/>
-    <p:sldId id="285" r:id="rId14"/>
-    <p:sldId id="286" r:id="rId15"/>
-    <p:sldId id="272" r:id="rId16"/>
-    <p:sldId id="273" r:id="rId17"/>
+    <p:sldId id="288" r:id="rId5"/>
+    <p:sldId id="289" r:id="rId6"/>
+    <p:sldId id="277" r:id="rId7"/>
+    <p:sldId id="287" r:id="rId8"/>
+    <p:sldId id="290" r:id="rId9"/>
+    <p:sldId id="278" r:id="rId10"/>
+    <p:sldId id="280" r:id="rId11"/>
+    <p:sldId id="274" r:id="rId12"/>
+    <p:sldId id="282" r:id="rId13"/>
+    <p:sldId id="267" r:id="rId14"/>
+    <p:sldId id="283" r:id="rId15"/>
+    <p:sldId id="284" r:id="rId16"/>
+    <p:sldId id="285" r:id="rId17"/>
+    <p:sldId id="286" r:id="rId18"/>
+    <p:sldId id="272" r:id="rId19"/>
+    <p:sldId id="273" r:id="rId20"/>
   </p:sldIdLst>
   <p:sldSz cx="12192000" cy="6858000"/>
   <p:notesSz cx="6858000" cy="9144000"/>
@@ -5396,7 +5399,7 @@
           <a:p>
             <a:fld id="{32674CE4-FBD8-4481-AEFB-CA53E599A745}" type="slidenum">
               <a:rPr lang="en-US" smtClean="0"/>
-              <a:t>7</a:t>
+              <a:t>10</a:t>
             </a:fld>
             <a:endParaRPr lang="en-US"/>
           </a:p>
@@ -9722,14 +9725,39 @@
           <a:chExt cx="0" cy="0"/>
         </a:xfrm>
       </p:grpSpPr>
+      <p:graphicFrame>
+        <p:nvGraphicFramePr>
+          <p:cNvPr id="24" name="Content Placeholder 23" title="Costs of ROI Projections chart"/>
+          <p:cNvGraphicFramePr>
+            <a:graphicFrameLocks noGrp="1"/>
+          </p:cNvGraphicFramePr>
+          <p:nvPr>
+            <p:ph sz="half" idx="2"/>
+            <p:extLst>
+              <p:ext uri="{D42A27DB-BD31-4B8C-83A1-F6EECF244321}">
+                <p14:modId xmlns:p14="http://schemas.microsoft.com/office/powerpoint/2010/main" val="3726715043"/>
+              </p:ext>
+            </p:extLst>
+          </p:nvPr>
+        </p:nvGraphicFramePr>
+        <p:xfrm>
+          <a:off x="6197600" y="2249488"/>
+          <a:ext cx="5384800" cy="4341812"/>
+        </p:xfrm>
+        <a:graphic>
+          <a:graphicData uri="http://schemas.openxmlformats.org/drawingml/2006/chart">
+            <c:chart xmlns:c="http://schemas.openxmlformats.org/drawingml/2006/chart" xmlns:r="http://schemas.openxmlformats.org/officeDocument/2006/relationships" r:id="rId3"/>
+          </a:graphicData>
+        </a:graphic>
+      </p:graphicFrame>
       <p:sp>
         <p:nvSpPr>
-          <p:cNvPr id="3" name="Content Placeholder 2"/>
+          <p:cNvPr id="12" name="Content Placeholder 11"/>
           <p:cNvSpPr>
             <a:spLocks noGrp="1"/>
           </p:cNvSpPr>
           <p:nvPr>
-            <p:ph idx="1"/>
+            <p:ph sz="half" idx="1"/>
           </p:nvPr>
         </p:nvSpPr>
         <p:spPr/>
@@ -9739,56 +9767,13 @@
           <a:p>
             <a:r>
               <a:rPr lang="en-US" dirty="0"/>
-              <a:t>Close sales </a:t>
-            </a:r>
+              <a:t>Costs</a:t>
+            </a:r>
+          </a:p>
+          <a:p>
             <a:r>
               <a:rPr lang="en-US" dirty="0" smtClean="0"/>
-              <a:t>faster.</a:t>
-            </a:r>
-            <a:endParaRPr lang="en-US" dirty="0"/>
-          </a:p>
-          <a:p>
-            <a:r>
-              <a:rPr lang="en-US" dirty="0"/>
-              <a:t>Present complex concepts quickly and </a:t>
-            </a:r>
-            <a:r>
-              <a:rPr lang="en-US" dirty="0" smtClean="0"/>
-              <a:t>clearly.</a:t>
-            </a:r>
-            <a:endParaRPr lang="en-US" dirty="0"/>
-          </a:p>
-          <a:p>
-            <a:r>
-              <a:rPr lang="en-US" dirty="0"/>
-              <a:t>Leverage database information </a:t>
-            </a:r>
-            <a:r>
-              <a:rPr lang="en-US" dirty="0" smtClean="0"/>
-              <a:t>(</a:t>
-            </a:r>
-            <a:r>
-              <a:rPr lang="en-US" dirty="0"/>
-              <a:t>sales numbers, customer </a:t>
-            </a:r>
-            <a:r>
-              <a:rPr lang="en-US" dirty="0" smtClean="0"/>
-              <a:t/>
-            </a:r>
-            <a:br>
-              <a:rPr lang="en-US" dirty="0" smtClean="0"/>
-            </a:br>
-            <a:r>
-              <a:rPr lang="en-US" dirty="0" smtClean="0"/>
-              <a:t>locations</a:t>
-            </a:r>
-            <a:r>
-              <a:rPr lang="en-US" dirty="0"/>
-              <a:t>, etc</a:t>
-            </a:r>
-            <a:r>
-              <a:rPr lang="en-US" dirty="0" smtClean="0"/>
-              <a:t>.).</a:t>
+              <a:t>ROI</a:t>
             </a:r>
             <a:endParaRPr lang="en-US" dirty="0"/>
           </a:p>
@@ -9796,7 +9781,7 @@
       </p:sp>
       <p:sp>
         <p:nvSpPr>
-          <p:cNvPr id="2" name="Title 1"/>
+          <p:cNvPr id="11" name="Title 10"/>
           <p:cNvSpPr>
             <a:spLocks noGrp="1"/>
           </p:cNvSpPr>
@@ -9811,7 +9796,7 @@
           <a:p>
             <a:r>
               <a:rPr lang="en-US" dirty="0"/>
-              <a:t>Sales and Marketing Needs</a:t>
+              <a:t>Costs of Return on Investment Projections</a:t>
             </a:r>
           </a:p>
         </p:txBody>
@@ -9819,7 +9804,7 @@
     </p:spTree>
     <p:extLst>
       <p:ext uri="{BB962C8B-B14F-4D97-AF65-F5344CB8AC3E}">
-        <p14:creationId xmlns:p14="http://schemas.microsoft.com/office/powerpoint/2010/main" val="3828235049"/>
+        <p14:creationId xmlns:p14="http://schemas.microsoft.com/office/powerpoint/2010/main" val="1304216357"/>
       </p:ext>
     </p:extLst>
   </p:cSld>
@@ -9858,7 +9843,7 @@
       </p:grpSpPr>
       <p:sp>
         <p:nvSpPr>
-          <p:cNvPr id="3" name="Content Placeholder 2"/>
+          <p:cNvPr id="8" name="Content Placeholder 7"/>
           <p:cNvSpPr>
             <a:spLocks noGrp="1"/>
           </p:cNvSpPr>
@@ -9873,31 +9858,31 @@
           <a:p>
             <a:r>
               <a:rPr lang="en-US" dirty="0"/>
-              <a:t>Need and solution #1</a:t>
+              <a:t>Terms and conditions #1</a:t>
             </a:r>
           </a:p>
           <a:p>
             <a:r>
               <a:rPr lang="en-US" dirty="0"/>
-              <a:t>Need and solution #2</a:t>
+              <a:t>Terms and conditions #2</a:t>
             </a:r>
           </a:p>
           <a:p>
             <a:r>
               <a:rPr lang="en-US" dirty="0"/>
-              <a:t>Need and solution #3</a:t>
+              <a:t>Terms and conditions #3</a:t>
             </a:r>
           </a:p>
           <a:p>
             <a:r>
               <a:rPr lang="en-US" dirty="0"/>
-              <a:t>Need and solution #4</a:t>
+              <a:t>Terms and conditions #4</a:t>
             </a:r>
           </a:p>
           <a:p>
             <a:r>
               <a:rPr lang="en-US" dirty="0"/>
-              <a:t>Need and solution #</a:t>
+              <a:t>Terms and conditions #</a:t>
             </a:r>
             <a:r>
               <a:rPr lang="en-US" dirty="0" smtClean="0"/>
@@ -9924,7 +9909,7 @@
           <a:p>
             <a:r>
               <a:rPr lang="en-US" dirty="0"/>
-              <a:t>Close Sales Faster</a:t>
+              <a:t>Terms and Conditions</a:t>
             </a:r>
           </a:p>
         </p:txBody>
@@ -9932,7 +9917,7 @@
     </p:spTree>
     <p:extLst>
       <p:ext uri="{BB962C8B-B14F-4D97-AF65-F5344CB8AC3E}">
-        <p14:creationId xmlns:p14="http://schemas.microsoft.com/office/powerpoint/2010/main" val="3562184845"/>
+        <p14:creationId xmlns:p14="http://schemas.microsoft.com/office/powerpoint/2010/main" val="539272822"/>
       </p:ext>
     </p:extLst>
   </p:cSld>
@@ -9969,9 +9954,31 @@
           <a:chExt cx="0" cy="0"/>
         </a:xfrm>
       </p:grpSpPr>
+      <p:graphicFrame>
+        <p:nvGraphicFramePr>
+          <p:cNvPr id="3" name="Diagram 2" title="Strategy and schedule graphic"/>
+          <p:cNvGraphicFramePr/>
+          <p:nvPr>
+            <p:extLst>
+              <p:ext uri="{D42A27DB-BD31-4B8C-83A1-F6EECF244321}">
+                <p14:modId xmlns:p14="http://schemas.microsoft.com/office/powerpoint/2010/main" val="1050565563"/>
+              </p:ext>
+            </p:extLst>
+          </p:nvPr>
+        </p:nvGraphicFramePr>
+        <p:xfrm>
+          <a:off x="3420059" y="3429000"/>
+          <a:ext cx="8128000" cy="3429000"/>
+        </p:xfrm>
+        <a:graphic>
+          <a:graphicData uri="http://schemas.openxmlformats.org/drawingml/2006/diagram">
+            <dgm:relIds xmlns:dgm="http://schemas.openxmlformats.org/drawingml/2006/diagram" xmlns:r="http://schemas.openxmlformats.org/officeDocument/2006/relationships" r:dm="rId2" r:lo="rId3" r:qs="rId4" r:cs="rId5"/>
+          </a:graphicData>
+        </a:graphic>
+      </p:graphicFrame>
       <p:sp>
         <p:nvSpPr>
-          <p:cNvPr id="3" name="Content Placeholder 2"/>
+          <p:cNvPr id="6" name="Content Placeholder 5"/>
           <p:cNvSpPr>
             <a:spLocks noGrp="1"/>
           </p:cNvSpPr>
@@ -9985,36 +9992,35 @@
           <a:lstStyle/>
           <a:p>
             <a:r>
-              <a:rPr lang="en-US" dirty="0"/>
-              <a:t>Need and solution #1</a:t>
-            </a:r>
-          </a:p>
-          <a:p>
-            <a:r>
-              <a:rPr lang="en-US" dirty="0"/>
-              <a:t>Need and solution #2</a:t>
-            </a:r>
-          </a:p>
-          <a:p>
-            <a:r>
-              <a:rPr lang="en-US" dirty="0"/>
-              <a:t>Need and solution #3</a:t>
-            </a:r>
-          </a:p>
-          <a:p>
-            <a:r>
-              <a:rPr lang="en-US" dirty="0"/>
-              <a:t>Need and solution #4</a:t>
-            </a:r>
-          </a:p>
-          <a:p>
-            <a:r>
-              <a:rPr lang="en-US" dirty="0"/>
-              <a:t>Need and solution #</a:t>
-            </a:r>
-            <a:r>
-              <a:rPr lang="en-US" dirty="0" smtClean="0"/>
-              <a:t>5</a:t>
+              <a:rPr lang="en-US" smtClean="0"/>
+              <a:t>Strategy</a:t>
+            </a:r>
+          </a:p>
+          <a:p>
+            <a:pPr lvl="1"/>
+            <a:r>
+              <a:rPr lang="en-US" smtClean="0"/>
+              <a:t>Tactic #1</a:t>
+            </a:r>
+          </a:p>
+          <a:p>
+            <a:pPr lvl="1"/>
+            <a:r>
+              <a:rPr lang="en-US" smtClean="0"/>
+              <a:t>Tactic #2</a:t>
+            </a:r>
+          </a:p>
+          <a:p>
+            <a:pPr lvl="1"/>
+            <a:r>
+              <a:rPr lang="en-US" smtClean="0"/>
+              <a:t>Tactic #3</a:t>
+            </a:r>
+          </a:p>
+          <a:p>
+            <a:r>
+              <a:rPr lang="en-US" smtClean="0"/>
+              <a:t>Schedule</a:t>
             </a:r>
             <a:endParaRPr lang="en-US" dirty="0"/>
           </a:p>
@@ -10022,7 +10028,7 @@
       </p:sp>
       <p:sp>
         <p:nvSpPr>
-          <p:cNvPr id="2" name="Title 1"/>
+          <p:cNvPr id="7" name="Title 6"/>
           <p:cNvSpPr>
             <a:spLocks noGrp="1"/>
           </p:cNvSpPr>
@@ -10036,16 +10042,17 @@
           <a:lstStyle/>
           <a:p>
             <a:r>
-              <a:rPr lang="en-US" dirty="0"/>
-              <a:t>Present Complex Concepts Quickly and Clearly</a:t>
-            </a:r>
+              <a:rPr lang="en-US" smtClean="0"/>
+              <a:t>Strategy and Schedule</a:t>
+            </a:r>
+            <a:endParaRPr lang="en-US" dirty="0"/>
           </a:p>
         </p:txBody>
       </p:sp>
     </p:spTree>
     <p:extLst>
       <p:ext uri="{BB962C8B-B14F-4D97-AF65-F5344CB8AC3E}">
-        <p14:creationId xmlns:p14="http://schemas.microsoft.com/office/powerpoint/2010/main" val="506897720"/>
+        <p14:creationId xmlns:p14="http://schemas.microsoft.com/office/powerpoint/2010/main" val="3873045866"/>
       </p:ext>
     </p:extLst>
   </p:cSld>
@@ -10055,6 +10062,13 @@
   <p:transition spd="slow">
     <p:fade/>
   </p:transition>
+  <p:timing>
+    <p:tnLst>
+      <p:par>
+        <p:cTn id="1" dur="indefinite" restart="never" nodeType="tmRoot"/>
+      </p:par>
+    </p:tnLst>
+  </p:timing>
 </p:sld>
 </file>
 
@@ -10092,6 +10106,359 @@
           <a:p>
             <a:r>
               <a:rPr lang="en-US" dirty="0"/>
+              <a:t>Close sales </a:t>
+            </a:r>
+            <a:r>
+              <a:rPr lang="en-US" dirty="0" smtClean="0"/>
+              <a:t>faster.</a:t>
+            </a:r>
+            <a:endParaRPr lang="en-US" dirty="0"/>
+          </a:p>
+          <a:p>
+            <a:r>
+              <a:rPr lang="en-US" dirty="0"/>
+              <a:t>Present complex concepts quickly and </a:t>
+            </a:r>
+            <a:r>
+              <a:rPr lang="en-US" dirty="0" smtClean="0"/>
+              <a:t>clearly.</a:t>
+            </a:r>
+            <a:endParaRPr lang="en-US" dirty="0"/>
+          </a:p>
+          <a:p>
+            <a:r>
+              <a:rPr lang="en-US" dirty="0"/>
+              <a:t>Leverage database information </a:t>
+            </a:r>
+            <a:r>
+              <a:rPr lang="en-US" dirty="0" smtClean="0"/>
+              <a:t>(</a:t>
+            </a:r>
+            <a:r>
+              <a:rPr lang="en-US" dirty="0"/>
+              <a:t>sales numbers, customer </a:t>
+            </a:r>
+            <a:r>
+              <a:rPr lang="en-US" dirty="0" smtClean="0"/>
+              <a:t/>
+            </a:r>
+            <a:br>
+              <a:rPr lang="en-US" dirty="0" smtClean="0"/>
+            </a:br>
+            <a:r>
+              <a:rPr lang="en-US" dirty="0" smtClean="0"/>
+              <a:t>locations</a:t>
+            </a:r>
+            <a:r>
+              <a:rPr lang="en-US" dirty="0"/>
+              <a:t>, etc</a:t>
+            </a:r>
+            <a:r>
+              <a:rPr lang="en-US" dirty="0" smtClean="0"/>
+              <a:t>.).</a:t>
+            </a:r>
+            <a:endParaRPr lang="en-US" dirty="0"/>
+          </a:p>
+        </p:txBody>
+      </p:sp>
+      <p:sp>
+        <p:nvSpPr>
+          <p:cNvPr id="2" name="Title 1"/>
+          <p:cNvSpPr>
+            <a:spLocks noGrp="1"/>
+          </p:cNvSpPr>
+          <p:nvPr>
+            <p:ph type="title"/>
+          </p:nvPr>
+        </p:nvSpPr>
+        <p:spPr/>
+        <p:txBody>
+          <a:bodyPr/>
+          <a:lstStyle/>
+          <a:p>
+            <a:r>
+              <a:rPr lang="en-US" dirty="0"/>
+              <a:t>Sales and Marketing Needs</a:t>
+            </a:r>
+          </a:p>
+        </p:txBody>
+      </p:sp>
+    </p:spTree>
+    <p:extLst>
+      <p:ext uri="{BB962C8B-B14F-4D97-AF65-F5344CB8AC3E}">
+        <p14:creationId xmlns:p14="http://schemas.microsoft.com/office/powerpoint/2010/main" val="3828235049"/>
+      </p:ext>
+    </p:extLst>
+  </p:cSld>
+  <p:clrMapOvr>
+    <a:masterClrMapping/>
+  </p:clrMapOvr>
+  <p:transition spd="slow">
+    <p:fade/>
+  </p:transition>
+  <p:timing>
+    <p:tnLst>
+      <p:par>
+        <p:cTn id="1" dur="indefinite" restart="never" nodeType="tmRoot"/>
+      </p:par>
+    </p:tnLst>
+  </p:timing>
+</p:sld>
+</file>
+
+<file path=ppt/slides/slide14.xml><?xml version="1.0" encoding="utf-8"?>
+<p:sld xmlns:a="http://schemas.openxmlformats.org/drawingml/2006/main" xmlns:r="http://schemas.openxmlformats.org/officeDocument/2006/relationships" xmlns:p="http://schemas.openxmlformats.org/presentationml/2006/main">
+  <p:cSld>
+    <p:spTree>
+      <p:nvGrpSpPr>
+        <p:cNvPr id="1" name=""/>
+        <p:cNvGrpSpPr/>
+        <p:nvPr/>
+      </p:nvGrpSpPr>
+      <p:grpSpPr>
+        <a:xfrm>
+          <a:off x="0" y="0"/>
+          <a:ext cx="0" cy="0"/>
+          <a:chOff x="0" y="0"/>
+          <a:chExt cx="0" cy="0"/>
+        </a:xfrm>
+      </p:grpSpPr>
+      <p:sp>
+        <p:nvSpPr>
+          <p:cNvPr id="3" name="Content Placeholder 2"/>
+          <p:cNvSpPr>
+            <a:spLocks noGrp="1"/>
+          </p:cNvSpPr>
+          <p:nvPr>
+            <p:ph idx="1"/>
+          </p:nvPr>
+        </p:nvSpPr>
+        <p:spPr/>
+        <p:txBody>
+          <a:bodyPr/>
+          <a:lstStyle/>
+          <a:p>
+            <a:r>
+              <a:rPr lang="en-US" dirty="0"/>
+              <a:t>Need and solution #1</a:t>
+            </a:r>
+          </a:p>
+          <a:p>
+            <a:r>
+              <a:rPr lang="en-US" dirty="0"/>
+              <a:t>Need and solution #2</a:t>
+            </a:r>
+          </a:p>
+          <a:p>
+            <a:r>
+              <a:rPr lang="en-US" dirty="0"/>
+              <a:t>Need and solution #3</a:t>
+            </a:r>
+          </a:p>
+          <a:p>
+            <a:r>
+              <a:rPr lang="en-US" dirty="0"/>
+              <a:t>Need and solution #4</a:t>
+            </a:r>
+          </a:p>
+          <a:p>
+            <a:r>
+              <a:rPr lang="en-US" dirty="0"/>
+              <a:t>Need and solution #</a:t>
+            </a:r>
+            <a:r>
+              <a:rPr lang="en-US" dirty="0" smtClean="0"/>
+              <a:t>5</a:t>
+            </a:r>
+            <a:endParaRPr lang="en-US" dirty="0"/>
+          </a:p>
+        </p:txBody>
+      </p:sp>
+      <p:sp>
+        <p:nvSpPr>
+          <p:cNvPr id="2" name="Title 1"/>
+          <p:cNvSpPr>
+            <a:spLocks noGrp="1"/>
+          </p:cNvSpPr>
+          <p:nvPr>
+            <p:ph type="title"/>
+          </p:nvPr>
+        </p:nvSpPr>
+        <p:spPr/>
+        <p:txBody>
+          <a:bodyPr/>
+          <a:lstStyle/>
+          <a:p>
+            <a:r>
+              <a:rPr lang="en-US" dirty="0"/>
+              <a:t>Close Sales Faster</a:t>
+            </a:r>
+          </a:p>
+        </p:txBody>
+      </p:sp>
+    </p:spTree>
+    <p:extLst>
+      <p:ext uri="{BB962C8B-B14F-4D97-AF65-F5344CB8AC3E}">
+        <p14:creationId xmlns:p14="http://schemas.microsoft.com/office/powerpoint/2010/main" val="3562184845"/>
+      </p:ext>
+    </p:extLst>
+  </p:cSld>
+  <p:clrMapOvr>
+    <a:masterClrMapping/>
+  </p:clrMapOvr>
+  <p:transition spd="slow">
+    <p:fade/>
+  </p:transition>
+  <p:timing>
+    <p:tnLst>
+      <p:par>
+        <p:cTn id="1" dur="indefinite" restart="never" nodeType="tmRoot"/>
+      </p:par>
+    </p:tnLst>
+  </p:timing>
+</p:sld>
+</file>
+
+<file path=ppt/slides/slide15.xml><?xml version="1.0" encoding="utf-8"?>
+<p:sld xmlns:a="http://schemas.openxmlformats.org/drawingml/2006/main" xmlns:r="http://schemas.openxmlformats.org/officeDocument/2006/relationships" xmlns:p="http://schemas.openxmlformats.org/presentationml/2006/main">
+  <p:cSld>
+    <p:spTree>
+      <p:nvGrpSpPr>
+        <p:cNvPr id="1" name=""/>
+        <p:cNvGrpSpPr/>
+        <p:nvPr/>
+      </p:nvGrpSpPr>
+      <p:grpSpPr>
+        <a:xfrm>
+          <a:off x="0" y="0"/>
+          <a:ext cx="0" cy="0"/>
+          <a:chOff x="0" y="0"/>
+          <a:chExt cx="0" cy="0"/>
+        </a:xfrm>
+      </p:grpSpPr>
+      <p:sp>
+        <p:nvSpPr>
+          <p:cNvPr id="3" name="Content Placeholder 2"/>
+          <p:cNvSpPr>
+            <a:spLocks noGrp="1"/>
+          </p:cNvSpPr>
+          <p:nvPr>
+            <p:ph idx="1"/>
+          </p:nvPr>
+        </p:nvSpPr>
+        <p:spPr/>
+        <p:txBody>
+          <a:bodyPr/>
+          <a:lstStyle/>
+          <a:p>
+            <a:r>
+              <a:rPr lang="en-US" dirty="0"/>
+              <a:t>Need and solution #1</a:t>
+            </a:r>
+          </a:p>
+          <a:p>
+            <a:r>
+              <a:rPr lang="en-US" dirty="0"/>
+              <a:t>Need and solution #2</a:t>
+            </a:r>
+          </a:p>
+          <a:p>
+            <a:r>
+              <a:rPr lang="en-US" dirty="0"/>
+              <a:t>Need and solution #3</a:t>
+            </a:r>
+          </a:p>
+          <a:p>
+            <a:r>
+              <a:rPr lang="en-US" dirty="0"/>
+              <a:t>Need and solution #4</a:t>
+            </a:r>
+          </a:p>
+          <a:p>
+            <a:r>
+              <a:rPr lang="en-US" dirty="0"/>
+              <a:t>Need and solution #</a:t>
+            </a:r>
+            <a:r>
+              <a:rPr lang="en-US" dirty="0" smtClean="0"/>
+              <a:t>5</a:t>
+            </a:r>
+            <a:endParaRPr lang="en-US" dirty="0"/>
+          </a:p>
+        </p:txBody>
+      </p:sp>
+      <p:sp>
+        <p:nvSpPr>
+          <p:cNvPr id="2" name="Title 1"/>
+          <p:cNvSpPr>
+            <a:spLocks noGrp="1"/>
+          </p:cNvSpPr>
+          <p:nvPr>
+            <p:ph type="title"/>
+          </p:nvPr>
+        </p:nvSpPr>
+        <p:spPr/>
+        <p:txBody>
+          <a:bodyPr/>
+          <a:lstStyle/>
+          <a:p>
+            <a:r>
+              <a:rPr lang="en-US" dirty="0"/>
+              <a:t>Present Complex Concepts Quickly and Clearly</a:t>
+            </a:r>
+          </a:p>
+        </p:txBody>
+      </p:sp>
+    </p:spTree>
+    <p:extLst>
+      <p:ext uri="{BB962C8B-B14F-4D97-AF65-F5344CB8AC3E}">
+        <p14:creationId xmlns:p14="http://schemas.microsoft.com/office/powerpoint/2010/main" val="506897720"/>
+      </p:ext>
+    </p:extLst>
+  </p:cSld>
+  <p:clrMapOvr>
+    <a:masterClrMapping/>
+  </p:clrMapOvr>
+  <p:transition spd="slow">
+    <p:fade/>
+  </p:transition>
+</p:sld>
+</file>
+
+<file path=ppt/slides/slide16.xml><?xml version="1.0" encoding="utf-8"?>
+<p:sld xmlns:a="http://schemas.openxmlformats.org/drawingml/2006/main" xmlns:r="http://schemas.openxmlformats.org/officeDocument/2006/relationships" xmlns:p="http://schemas.openxmlformats.org/presentationml/2006/main">
+  <p:cSld>
+    <p:spTree>
+      <p:nvGrpSpPr>
+        <p:cNvPr id="1" name=""/>
+        <p:cNvGrpSpPr/>
+        <p:nvPr/>
+      </p:nvGrpSpPr>
+      <p:grpSpPr>
+        <a:xfrm>
+          <a:off x="0" y="0"/>
+          <a:ext cx="0" cy="0"/>
+          <a:chOff x="0" y="0"/>
+          <a:chExt cx="0" cy="0"/>
+        </a:xfrm>
+      </p:grpSpPr>
+      <p:sp>
+        <p:nvSpPr>
+          <p:cNvPr id="3" name="Content Placeholder 2"/>
+          <p:cNvSpPr>
+            <a:spLocks noGrp="1"/>
+          </p:cNvSpPr>
+          <p:nvPr>
+            <p:ph idx="1"/>
+          </p:nvPr>
+        </p:nvSpPr>
+        <p:spPr/>
+        <p:txBody>
+          <a:bodyPr/>
+          <a:lstStyle/>
+          <a:p>
+            <a:r>
+              <a:rPr lang="en-US" dirty="0"/>
               <a:t>Need and solution #1</a:t>
             </a:r>
           </a:p>
@@ -10164,7 +10531,7 @@
 </p:sld>
 </file>
 
-<file path=ppt/slides/slide14.xml><?xml version="1.0" encoding="utf-8"?>
+<file path=ppt/slides/slide17.xml><?xml version="1.0" encoding="utf-8"?>
 <p:sld xmlns:a="http://schemas.openxmlformats.org/drawingml/2006/main" xmlns:r="http://schemas.openxmlformats.org/officeDocument/2006/relationships" xmlns:p="http://schemas.openxmlformats.org/presentationml/2006/main">
   <p:cSld>
     <p:spTree>
@@ -10245,7 +10612,7 @@
 </p:sld>
 </file>
 
-<file path=ppt/slides/slide15.xml><?xml version="1.0" encoding="utf-8"?>
+<file path=ppt/slides/slide18.xml><?xml version="1.0" encoding="utf-8"?>
 <p:sld xmlns:a="http://schemas.openxmlformats.org/drawingml/2006/main" xmlns:r="http://schemas.openxmlformats.org/officeDocument/2006/relationships" xmlns:p="http://schemas.openxmlformats.org/presentationml/2006/main">
   <p:cSld>
     <p:spTree>
@@ -10399,7 +10766,7 @@
         </p:spPr>
         <p:txBody>
           <a:bodyPr>
-            <a:normAutofit fontScale="92500" lnSpcReduction="10000"/>
+            <a:normAutofit fontScale="92500" lnSpcReduction="20000"/>
           </a:bodyPr>
           <a:lstStyle/>
           <a:p>
@@ -10412,12 +10779,27 @@
           <a:p>
             <a:pPr lvl="1"/>
             <a:r>
+              <a:rPr lang="en-US" dirty="0" err="1" smtClean="0"/>
+              <a:t>Redes</a:t>
+            </a:r>
+            <a:r>
+              <a:rPr lang="en-US" dirty="0" smtClean="0"/>
+              <a:t> </a:t>
+            </a:r>
+            <a:r>
+              <a:rPr lang="en-US" dirty="0" err="1" smtClean="0"/>
+              <a:t>Neurais</a:t>
+            </a:r>
+            <a:endParaRPr lang="en-US" dirty="0"/>
+          </a:p>
+          <a:p>
+            <a:pPr lvl="1"/>
+            <a:r>
               <a:rPr lang="en-US" dirty="0" smtClean="0"/>
               <a:t>Deep Learning.</a:t>
             </a:r>
           </a:p>
           <a:p>
-            <a:pPr lvl="1"/>
             <a:r>
               <a:rPr lang="en-US" dirty="0" err="1" smtClean="0"/>
               <a:t>Redes</a:t>
@@ -10615,6 +10997,2693 @@
       </p:grpSpPr>
       <p:sp>
         <p:nvSpPr>
+          <p:cNvPr id="2" name="Content Placeholder 1"/>
+          <p:cNvSpPr>
+            <a:spLocks noGrp="1"/>
+          </p:cNvSpPr>
+          <p:nvPr>
+            <p:ph idx="1"/>
+          </p:nvPr>
+        </p:nvSpPr>
+        <p:spPr>
+          <a:xfrm>
+            <a:off x="609600" y="2209800"/>
+            <a:ext cx="5559188" cy="1229436"/>
+          </a:xfrm>
+        </p:spPr>
+        <p:txBody>
+          <a:bodyPr/>
+          <a:lstStyle/>
+          <a:p>
+            <a:r>
+              <a:rPr lang="en-US" dirty="0" smtClean="0"/>
+              <a:t>O </a:t>
+            </a:r>
+            <a:r>
+              <a:rPr lang="en-US" dirty="0" err="1" smtClean="0"/>
+              <a:t>neurônio</a:t>
+            </a:r>
+            <a:r>
+              <a:rPr lang="en-US" dirty="0" smtClean="0"/>
+              <a:t>: Perceptron x Sigmoid</a:t>
+            </a:r>
+            <a:endParaRPr lang="en-US" dirty="0"/>
+          </a:p>
+        </p:txBody>
+      </p:sp>
+      <p:sp>
+        <p:nvSpPr>
+          <p:cNvPr id="3" name="Title 2"/>
+          <p:cNvSpPr>
+            <a:spLocks noGrp="1"/>
+          </p:cNvSpPr>
+          <p:nvPr>
+            <p:ph type="title"/>
+          </p:nvPr>
+        </p:nvSpPr>
+        <p:spPr/>
+        <p:txBody>
+          <a:bodyPr/>
+          <a:lstStyle/>
+          <a:p>
+            <a:r>
+              <a:rPr lang="en-US" dirty="0" err="1" smtClean="0"/>
+              <a:t>Redes</a:t>
+            </a:r>
+            <a:r>
+              <a:rPr lang="en-US" dirty="0" smtClean="0"/>
+              <a:t> </a:t>
+            </a:r>
+            <a:r>
+              <a:rPr lang="en-US" dirty="0" err="1" smtClean="0"/>
+              <a:t>Neurais</a:t>
+            </a:r>
+            <a:endParaRPr lang="en-US" dirty="0"/>
+          </a:p>
+        </p:txBody>
+      </p:sp>
+      <p:pic>
+        <p:nvPicPr>
+          <p:cNvPr id="5" name="Picture 4"/>
+          <p:cNvPicPr>
+            <a:picLocks noChangeAspect="1"/>
+          </p:cNvPicPr>
+          <p:nvPr/>
+        </p:nvPicPr>
+        <p:blipFill>
+          <a:blip r:embed="rId2">
+            <a:extLst>
+              <a:ext uri="{28A0092B-C50C-407E-A947-70E740481C1C}">
+                <a14:useLocalDpi xmlns:a14="http://schemas.microsoft.com/office/drawing/2010/main" val="0"/>
+              </a:ext>
+            </a:extLst>
+          </a:blip>
+          <a:stretch>
+            <a:fillRect/>
+          </a:stretch>
+        </p:blipFill>
+        <p:spPr>
+          <a:xfrm>
+            <a:off x="935230" y="3535173"/>
+            <a:ext cx="2299289" cy="1743972"/>
+          </a:xfrm>
+          <a:prstGeom prst="rect">
+            <a:avLst/>
+          </a:prstGeom>
+        </p:spPr>
+      </p:pic>
+      <p:pic>
+        <p:nvPicPr>
+          <p:cNvPr id="7" name="Picture 6"/>
+          <p:cNvPicPr>
+            <a:picLocks noChangeAspect="1"/>
+          </p:cNvPicPr>
+          <p:nvPr/>
+        </p:nvPicPr>
+        <p:blipFill>
+          <a:blip r:embed="rId3">
+            <a:extLst>
+              <a:ext uri="{28A0092B-C50C-407E-A947-70E740481C1C}">
+                <a14:useLocalDpi xmlns:a14="http://schemas.microsoft.com/office/drawing/2010/main" val="0"/>
+              </a:ext>
+            </a:extLst>
+          </a:blip>
+          <a:stretch>
+            <a:fillRect/>
+          </a:stretch>
+        </p:blipFill>
+        <p:spPr>
+          <a:xfrm>
+            <a:off x="650086" y="3603007"/>
+            <a:ext cx="353384" cy="1775980"/>
+          </a:xfrm>
+          <a:prstGeom prst="rect">
+            <a:avLst/>
+          </a:prstGeom>
+        </p:spPr>
+      </p:pic>
+      <p:pic>
+        <p:nvPicPr>
+          <p:cNvPr id="8" name="Picture 7"/>
+          <p:cNvPicPr>
+            <a:picLocks noChangeAspect="1"/>
+          </p:cNvPicPr>
+          <p:nvPr/>
+        </p:nvPicPr>
+        <p:blipFill>
+          <a:blip r:embed="rId4">
+            <a:extLst>
+              <a:ext uri="{28A0092B-C50C-407E-A947-70E740481C1C}">
+                <a14:useLocalDpi xmlns:a14="http://schemas.microsoft.com/office/drawing/2010/main" val="0"/>
+              </a:ext>
+            </a:extLst>
+          </a:blip>
+          <a:stretch>
+            <a:fillRect/>
+          </a:stretch>
+        </p:blipFill>
+        <p:spPr>
+          <a:xfrm>
+            <a:off x="3380405" y="3678071"/>
+            <a:ext cx="841734" cy="1625851"/>
+          </a:xfrm>
+          <a:prstGeom prst="rect">
+            <a:avLst/>
+          </a:prstGeom>
+        </p:spPr>
+      </p:pic>
+      <p:sp>
+        <p:nvSpPr>
+          <p:cNvPr id="9" name="TextBox 8"/>
+          <p:cNvSpPr txBox="1"/>
+          <p:nvPr/>
+        </p:nvSpPr>
+        <p:spPr>
+          <a:xfrm>
+            <a:off x="1397798" y="3753136"/>
+            <a:ext cx="466794" cy="369332"/>
+          </a:xfrm>
+          <a:prstGeom prst="rect">
+            <a:avLst/>
+          </a:prstGeom>
+          <a:noFill/>
+        </p:spPr>
+        <p:txBody>
+          <a:bodyPr wrap="none" rtlCol="0">
+            <a:spAutoFit/>
+          </a:bodyPr>
+          <a:lstStyle/>
+          <a:p>
+            <a:r>
+              <a:rPr lang="en-US" dirty="0" smtClean="0"/>
+              <a:t>w1</a:t>
+            </a:r>
+            <a:endParaRPr lang="en-US" dirty="0"/>
+          </a:p>
+        </p:txBody>
+      </p:sp>
+      <p:sp>
+        <p:nvSpPr>
+          <p:cNvPr id="10" name="TextBox 9"/>
+          <p:cNvSpPr txBox="1"/>
+          <p:nvPr/>
+        </p:nvSpPr>
+        <p:spPr>
+          <a:xfrm>
+            <a:off x="1452924" y="4909812"/>
+            <a:ext cx="466794" cy="369332"/>
+          </a:xfrm>
+          <a:prstGeom prst="rect">
+            <a:avLst/>
+          </a:prstGeom>
+          <a:noFill/>
+        </p:spPr>
+        <p:txBody>
+          <a:bodyPr wrap="none" rtlCol="0">
+            <a:spAutoFit/>
+          </a:bodyPr>
+          <a:lstStyle/>
+          <a:p>
+            <a:r>
+              <a:rPr lang="en-US" dirty="0" smtClean="0"/>
+              <a:t>w3</a:t>
+            </a:r>
+            <a:endParaRPr lang="en-US" dirty="0"/>
+          </a:p>
+        </p:txBody>
+      </p:sp>
+      <p:sp>
+        <p:nvSpPr>
+          <p:cNvPr id="11" name="TextBox 10"/>
+          <p:cNvSpPr txBox="1"/>
+          <p:nvPr/>
+        </p:nvSpPr>
+        <p:spPr>
+          <a:xfrm>
+            <a:off x="1384150" y="4396328"/>
+            <a:ext cx="466794" cy="369332"/>
+          </a:xfrm>
+          <a:prstGeom prst="rect">
+            <a:avLst/>
+          </a:prstGeom>
+          <a:noFill/>
+        </p:spPr>
+        <p:txBody>
+          <a:bodyPr wrap="none" rtlCol="0">
+            <a:spAutoFit/>
+          </a:bodyPr>
+          <a:lstStyle/>
+          <a:p>
+            <a:r>
+              <a:rPr lang="en-US" dirty="0" smtClean="0"/>
+              <a:t>w2</a:t>
+            </a:r>
+            <a:endParaRPr lang="en-US" dirty="0"/>
+          </a:p>
+        </p:txBody>
+      </p:sp>
+      <mc:AlternateContent xmlns:mc="http://schemas.openxmlformats.org/markup-compatibility/2006">
+        <mc:Choice xmlns:a14="http://schemas.microsoft.com/office/drawing/2010/main" Requires="a14">
+          <p:sp>
+            <p:nvSpPr>
+              <p:cNvPr id="12" name="TextBox 11"/>
+              <p:cNvSpPr txBox="1"/>
+              <p:nvPr/>
+            </p:nvSpPr>
+            <p:spPr>
+              <a:xfrm>
+                <a:off x="2010478" y="4035121"/>
+                <a:ext cx="514358" cy="810607"/>
+              </a:xfrm>
+              <a:prstGeom prst="rect">
+                <a:avLst/>
+              </a:prstGeom>
+              <a:noFill/>
+            </p:spPr>
+            <p:txBody>
+              <a:bodyPr wrap="square" rtlCol="0">
+                <a:spAutoFit/>
+              </a:bodyPr>
+              <a:lstStyle/>
+              <a:p>
+                <a14:m>
+                  <m:oMathPara xmlns:m="http://schemas.openxmlformats.org/officeDocument/2006/math">
+                    <m:oMathParaPr>
+                      <m:jc m:val="centerGroup"/>
+                    </m:oMathParaPr>
+                    <m:oMath xmlns:m="http://schemas.openxmlformats.org/officeDocument/2006/math">
+                      <m:nary>
+                        <m:naryPr>
+                          <m:chr m:val="∑"/>
+                          <m:ctrlPr>
+                            <a:rPr lang="pt-BR" sz="1600" i="1" smtClean="0">
+                              <a:latin typeface="Cambria Math" panose="02040503050406030204" pitchFamily="18" charset="0"/>
+                            </a:rPr>
+                          </m:ctrlPr>
+                        </m:naryPr>
+                        <m:sub/>
+                        <m:sup/>
+                        <m:e/>
+                      </m:nary>
+                    </m:oMath>
+                  </m:oMathPara>
+                </a14:m>
+                <a:endParaRPr lang="en-US" sz="1600" dirty="0"/>
+              </a:p>
+            </p:txBody>
+          </p:sp>
+        </mc:Choice>
+        <mc:Fallback>
+          <p:sp>
+            <p:nvSpPr>
+              <p:cNvPr id="12" name="TextBox 11"/>
+              <p:cNvSpPr txBox="1">
+                <a:spLocks noRot="1" noChangeAspect="1" noMove="1" noResize="1" noEditPoints="1" noAdjustHandles="1" noChangeArrowheads="1" noChangeShapeType="1" noTextEdit="1"/>
+              </p:cNvSpPr>
+              <p:nvPr/>
+            </p:nvSpPr>
+            <p:spPr>
+              <a:xfrm>
+                <a:off x="2010478" y="4035121"/>
+                <a:ext cx="514358" cy="810607"/>
+              </a:xfrm>
+              <a:prstGeom prst="rect">
+                <a:avLst/>
+              </a:prstGeom>
+              <a:blipFill>
+                <a:blip r:embed="rId5"/>
+                <a:stretch>
+                  <a:fillRect/>
+                </a:stretch>
+              </a:blipFill>
+            </p:spPr>
+            <p:txBody>
+              <a:bodyPr/>
+              <a:lstStyle/>
+              <a:p>
+                <a:r>
+                  <a:rPr lang="en-US">
+                    <a:noFill/>
+                  </a:rPr>
+                  <a:t> </a:t>
+                </a:r>
+              </a:p>
+            </p:txBody>
+          </p:sp>
+        </mc:Fallback>
+      </mc:AlternateContent>
+      <mc:AlternateContent xmlns:mc="http://schemas.openxmlformats.org/markup-compatibility/2006">
+        <mc:Choice xmlns:a14="http://schemas.microsoft.com/office/drawing/2010/main" Requires="a14">
+          <p:sp>
+            <p:nvSpPr>
+              <p:cNvPr id="13" name="TextBox 12"/>
+              <p:cNvSpPr txBox="1"/>
+              <p:nvPr/>
+            </p:nvSpPr>
+            <p:spPr>
+              <a:xfrm>
+                <a:off x="509403" y="5466991"/>
+                <a:ext cx="5800068" cy="1248547"/>
+              </a:xfrm>
+              <a:prstGeom prst="rect">
+                <a:avLst/>
+              </a:prstGeom>
+              <a:noFill/>
+            </p:spPr>
+            <p:txBody>
+              <a:bodyPr wrap="square" lIns="0" tIns="0" rIns="0" bIns="0" rtlCol="0">
+                <a:spAutoFit/>
+              </a:bodyPr>
+              <a:lstStyle/>
+              <a:p>
+                <a14:m>
+                  <m:oMathPara xmlns:m="http://schemas.openxmlformats.org/officeDocument/2006/math">
+                    <m:oMathParaPr>
+                      <m:jc m:val="centerGroup"/>
+                    </m:oMathParaPr>
+                    <m:oMath xmlns:m="http://schemas.openxmlformats.org/officeDocument/2006/math">
+                      <m:r>
+                        <a:rPr lang="en-US" b="0" i="1" smtClean="0">
+                          <a:latin typeface="Cambria Math" panose="02040503050406030204" pitchFamily="18" charset="0"/>
+                        </a:rPr>
+                        <m:t>𝑜𝑢𝑡𝑝𝑢𝑡</m:t>
+                      </m:r>
+                      <m:r>
+                        <a:rPr lang="pt-BR" i="1" smtClean="0">
+                          <a:latin typeface="Cambria Math" panose="02040503050406030204" pitchFamily="18" charset="0"/>
+                        </a:rPr>
+                        <m:t>=</m:t>
+                      </m:r>
+                      <m:d>
+                        <m:dPr>
+                          <m:begChr m:val="{"/>
+                          <m:endChr m:val=""/>
+                          <m:ctrlPr>
+                            <a:rPr lang="pt-BR" i="1" smtClean="0">
+                              <a:latin typeface="Cambria Math" panose="02040503050406030204" pitchFamily="18" charset="0"/>
+                            </a:rPr>
+                          </m:ctrlPr>
+                        </m:dPr>
+                        <m:e>
+                          <m:eqArr>
+                            <m:eqArrPr>
+                              <m:ctrlPr>
+                                <a:rPr lang="pt-BR" i="1" smtClean="0">
+                                  <a:latin typeface="Cambria Math" panose="02040503050406030204" pitchFamily="18" charset="0"/>
+                                </a:rPr>
+                              </m:ctrlPr>
+                            </m:eqArrPr>
+                            <m:e>
+                              <m:r>
+                                <a:rPr lang="en-US" b="0" i="1" smtClean="0">
+                                  <a:latin typeface="Cambria Math" panose="02040503050406030204" pitchFamily="18" charset="0"/>
+                                </a:rPr>
+                                <m:t>0</m:t>
+                              </m:r>
+                              <m:r>
+                                <a:rPr lang="pt-BR" i="1" smtClean="0">
+                                  <a:latin typeface="Cambria Math" panose="02040503050406030204" pitchFamily="18" charset="0"/>
+                                </a:rPr>
+                                <m:t>, </m:t>
+                              </m:r>
+                              <m:r>
+                                <a:rPr lang="en-US" b="0" i="1" smtClean="0">
+                                  <a:latin typeface="Cambria Math" panose="02040503050406030204" pitchFamily="18" charset="0"/>
+                                </a:rPr>
+                                <m:t> </m:t>
+                              </m:r>
+                              <m:nary>
+                                <m:naryPr>
+                                  <m:chr m:val="∑"/>
+                                  <m:limLoc m:val="subSup"/>
+                                  <m:supHide m:val="on"/>
+                                  <m:ctrlPr>
+                                    <a:rPr lang="en-US" b="0" i="1" smtClean="0">
+                                      <a:latin typeface="Cambria Math" panose="02040503050406030204" pitchFamily="18" charset="0"/>
+                                    </a:rPr>
+                                  </m:ctrlPr>
+                                </m:naryPr>
+                                <m:sub>
+                                  <m:r>
+                                    <m:rPr>
+                                      <m:brk m:alnAt="9"/>
+                                    </m:rPr>
+                                    <a:rPr lang="en-US" b="0" i="1" smtClean="0">
+                                      <a:latin typeface="Cambria Math" panose="02040503050406030204" pitchFamily="18" charset="0"/>
+                                    </a:rPr>
+                                    <m:t>𝑗</m:t>
+                                  </m:r>
+                                </m:sub>
+                                <m:sup/>
+                                <m:e>
+                                  <m:sSub>
+                                    <m:sSubPr>
+                                      <m:ctrlPr>
+                                        <a:rPr lang="en-US" b="0" i="1" smtClean="0">
+                                          <a:latin typeface="Cambria Math" panose="02040503050406030204" pitchFamily="18" charset="0"/>
+                                        </a:rPr>
+                                      </m:ctrlPr>
+                                    </m:sSubPr>
+                                    <m:e>
+                                      <m:r>
+                                        <a:rPr lang="en-US" b="0" i="1" smtClean="0">
+                                          <a:latin typeface="Cambria Math" panose="02040503050406030204" pitchFamily="18" charset="0"/>
+                                        </a:rPr>
+                                        <m:t>𝑤</m:t>
+                                      </m:r>
+                                    </m:e>
+                                    <m:sub>
+                                      <m:r>
+                                        <a:rPr lang="en-US" b="0" i="1" smtClean="0">
+                                          <a:latin typeface="Cambria Math" panose="02040503050406030204" pitchFamily="18" charset="0"/>
+                                        </a:rPr>
+                                        <m:t>𝑗</m:t>
+                                      </m:r>
+                                    </m:sub>
+                                  </m:sSub>
+                                </m:e>
+                              </m:nary>
+                              <m:sSub>
+                                <m:sSubPr>
+                                  <m:ctrlPr>
+                                    <a:rPr lang="en-US" b="0" i="1" smtClean="0">
+                                      <a:latin typeface="Cambria Math" panose="02040503050406030204" pitchFamily="18" charset="0"/>
+                                    </a:rPr>
+                                  </m:ctrlPr>
+                                </m:sSubPr>
+                                <m:e>
+                                  <m:r>
+                                    <a:rPr lang="en-US" b="0" i="1" smtClean="0">
+                                      <a:latin typeface="Cambria Math" panose="02040503050406030204" pitchFamily="18" charset="0"/>
+                                    </a:rPr>
+                                    <m:t>𝑥</m:t>
+                                  </m:r>
+                                </m:e>
+                                <m:sub>
+                                  <m:r>
+                                    <a:rPr lang="en-US" b="0" i="1" smtClean="0">
+                                      <a:latin typeface="Cambria Math" panose="02040503050406030204" pitchFamily="18" charset="0"/>
+                                    </a:rPr>
+                                    <m:t>𝑗</m:t>
+                                  </m:r>
+                                </m:sub>
+                              </m:sSub>
+                              <m:r>
+                                <a:rPr lang="pt-BR" i="1" smtClean="0">
+                                  <a:latin typeface="Cambria Math" panose="02040503050406030204" pitchFamily="18" charset="0"/>
+                                </a:rPr>
+                                <m:t>&lt;</m:t>
+                              </m:r>
+                              <m:r>
+                                <a:rPr lang="en-US" b="0" i="1" smtClean="0">
+                                  <a:latin typeface="Cambria Math" panose="02040503050406030204" pitchFamily="18" charset="0"/>
+                                </a:rPr>
+                                <m:t>𝑡h𝑟𝑒𝑠h𝑜𝑙𝑑</m:t>
+                              </m:r>
+                            </m:e>
+                            <m:e>
+                              <m:r>
+                                <a:rPr lang="en-US" b="0" i="1" smtClean="0">
+                                  <a:latin typeface="Cambria Math" panose="02040503050406030204" pitchFamily="18" charset="0"/>
+                                </a:rPr>
+                                <m:t>1</m:t>
+                              </m:r>
+                              <m:r>
+                                <a:rPr lang="pt-BR" i="1" smtClean="0">
+                                  <a:latin typeface="Cambria Math" panose="02040503050406030204" pitchFamily="18" charset="0"/>
+                                </a:rPr>
+                                <m:t>,  </m:t>
+                              </m:r>
+                              <m:nary>
+                                <m:naryPr>
+                                  <m:chr m:val="∑"/>
+                                  <m:limLoc m:val="subSup"/>
+                                  <m:supHide m:val="on"/>
+                                  <m:ctrlPr>
+                                    <a:rPr lang="pt-BR" i="1" smtClean="0">
+                                      <a:latin typeface="Cambria Math" panose="02040503050406030204" pitchFamily="18" charset="0"/>
+                                    </a:rPr>
+                                  </m:ctrlPr>
+                                </m:naryPr>
+                                <m:sub>
+                                  <m:r>
+                                    <m:rPr>
+                                      <m:brk m:alnAt="9"/>
+                                    </m:rPr>
+                                    <a:rPr lang="en-US" b="0" i="1" smtClean="0">
+                                      <a:latin typeface="Cambria Math" panose="02040503050406030204" pitchFamily="18" charset="0"/>
+                                    </a:rPr>
+                                    <m:t>𝑗</m:t>
+                                  </m:r>
+                                </m:sub>
+                                <m:sup/>
+                                <m:e>
+                                  <m:sSub>
+                                    <m:sSubPr>
+                                      <m:ctrlPr>
+                                        <a:rPr lang="en-US" b="0" i="1" smtClean="0">
+                                          <a:latin typeface="Cambria Math" panose="02040503050406030204" pitchFamily="18" charset="0"/>
+                                        </a:rPr>
+                                      </m:ctrlPr>
+                                    </m:sSubPr>
+                                    <m:e>
+                                      <m:r>
+                                        <a:rPr lang="en-US" b="0" i="1" smtClean="0">
+                                          <a:latin typeface="Cambria Math" panose="02040503050406030204" pitchFamily="18" charset="0"/>
+                                        </a:rPr>
+                                        <m:t>𝑤</m:t>
+                                      </m:r>
+                                    </m:e>
+                                    <m:sub>
+                                      <m:r>
+                                        <a:rPr lang="en-US" b="0" i="1" smtClean="0">
+                                          <a:latin typeface="Cambria Math" panose="02040503050406030204" pitchFamily="18" charset="0"/>
+                                        </a:rPr>
+                                        <m:t>𝑗</m:t>
+                                      </m:r>
+                                    </m:sub>
+                                  </m:sSub>
+                                  <m:sSub>
+                                    <m:sSubPr>
+                                      <m:ctrlPr>
+                                        <a:rPr lang="en-US" b="0" i="1" smtClean="0">
+                                          <a:latin typeface="Cambria Math" panose="02040503050406030204" pitchFamily="18" charset="0"/>
+                                        </a:rPr>
+                                      </m:ctrlPr>
+                                    </m:sSubPr>
+                                    <m:e>
+                                      <m:r>
+                                        <a:rPr lang="en-US" b="0" i="1" smtClean="0">
+                                          <a:latin typeface="Cambria Math" panose="02040503050406030204" pitchFamily="18" charset="0"/>
+                                        </a:rPr>
+                                        <m:t>𝑥</m:t>
+                                      </m:r>
+                                    </m:e>
+                                    <m:sub>
+                                      <m:r>
+                                        <a:rPr lang="en-US" b="0" i="1" smtClean="0">
+                                          <a:latin typeface="Cambria Math" panose="02040503050406030204" pitchFamily="18" charset="0"/>
+                                        </a:rPr>
+                                        <m:t>𝑗</m:t>
+                                      </m:r>
+                                    </m:sub>
+                                  </m:sSub>
+                                </m:e>
+                              </m:nary>
+                              <m:r>
+                                <a:rPr lang="pt-BR" i="1" smtClean="0">
+                                  <a:latin typeface="Cambria Math" panose="02040503050406030204" pitchFamily="18" charset="0"/>
+                                </a:rPr>
+                                <m:t>≥</m:t>
+                              </m:r>
+                              <m:r>
+                                <a:rPr lang="en-US" b="0" i="1" smtClean="0">
+                                  <a:latin typeface="Cambria Math" panose="02040503050406030204" pitchFamily="18" charset="0"/>
+                                </a:rPr>
+                                <m:t>𝑡h𝑟𝑒𝑠h𝑜𝑙𝑑</m:t>
+                              </m:r>
+                            </m:e>
+                          </m:eqArr>
+                        </m:e>
+                      </m:d>
+                    </m:oMath>
+                  </m:oMathPara>
+                </a14:m>
+                <a:endParaRPr lang="en-US" dirty="0"/>
+              </a:p>
+            </p:txBody>
+          </p:sp>
+        </mc:Choice>
+        <mc:Fallback>
+          <p:sp>
+            <p:nvSpPr>
+              <p:cNvPr id="13" name="TextBox 12"/>
+              <p:cNvSpPr txBox="1">
+                <a:spLocks noRot="1" noChangeAspect="1" noMove="1" noResize="1" noEditPoints="1" noAdjustHandles="1" noChangeArrowheads="1" noChangeShapeType="1" noTextEdit="1"/>
+              </p:cNvSpPr>
+              <p:nvPr/>
+            </p:nvSpPr>
+            <p:spPr>
+              <a:xfrm>
+                <a:off x="509403" y="5466991"/>
+                <a:ext cx="5800068" cy="1248547"/>
+              </a:xfrm>
+              <a:prstGeom prst="rect">
+                <a:avLst/>
+              </a:prstGeom>
+              <a:blipFill>
+                <a:blip r:embed="rId6"/>
+                <a:stretch>
+                  <a:fillRect/>
+                </a:stretch>
+              </a:blipFill>
+            </p:spPr>
+            <p:txBody>
+              <a:bodyPr/>
+              <a:lstStyle/>
+              <a:p>
+                <a:r>
+                  <a:rPr lang="en-US">
+                    <a:noFill/>
+                  </a:rPr>
+                  <a:t> </a:t>
+                </a:r>
+              </a:p>
+            </p:txBody>
+          </p:sp>
+        </mc:Fallback>
+      </mc:AlternateContent>
+      <p:cxnSp>
+        <p:nvCxnSpPr>
+          <p:cNvPr id="17" name="Straight Arrow Connector 16"/>
+          <p:cNvCxnSpPr/>
+          <p:nvPr/>
+        </p:nvCxnSpPr>
+        <p:spPr>
+          <a:xfrm>
+            <a:off x="1452924" y="3466726"/>
+            <a:ext cx="525642" cy="612551"/>
+          </a:xfrm>
+          <a:prstGeom prst="straightConnector1">
+            <a:avLst/>
+          </a:prstGeom>
+          <a:ln>
+            <a:tailEnd type="triangle"/>
+          </a:ln>
+        </p:spPr>
+        <p:style>
+          <a:lnRef idx="2">
+            <a:schemeClr val="dk1"/>
+          </a:lnRef>
+          <a:fillRef idx="0">
+            <a:schemeClr val="dk1"/>
+          </a:fillRef>
+          <a:effectRef idx="1">
+            <a:schemeClr val="dk1"/>
+          </a:effectRef>
+          <a:fontRef idx="minor">
+            <a:schemeClr val="tx1"/>
+          </a:fontRef>
+        </p:style>
+      </p:cxnSp>
+      <p:sp>
+        <p:nvSpPr>
+          <p:cNvPr id="19" name="TextBox 18"/>
+          <p:cNvSpPr txBox="1"/>
+          <p:nvPr/>
+        </p:nvSpPr>
+        <p:spPr>
+          <a:xfrm>
+            <a:off x="1674714" y="3479276"/>
+            <a:ext cx="306494" cy="369332"/>
+          </a:xfrm>
+          <a:prstGeom prst="rect">
+            <a:avLst/>
+          </a:prstGeom>
+          <a:noFill/>
+        </p:spPr>
+        <p:txBody>
+          <a:bodyPr wrap="none" rtlCol="0">
+            <a:spAutoFit/>
+          </a:bodyPr>
+          <a:lstStyle/>
+          <a:p>
+            <a:r>
+              <a:rPr lang="en-US" dirty="0" smtClean="0"/>
+              <a:t>b</a:t>
+            </a:r>
+            <a:endParaRPr lang="en-US" dirty="0"/>
+          </a:p>
+        </p:txBody>
+      </p:sp>
+      <mc:AlternateContent xmlns:mc="http://schemas.openxmlformats.org/markup-compatibility/2006">
+        <mc:Choice xmlns:a14="http://schemas.microsoft.com/office/drawing/2010/main" Requires="a14">
+          <p:sp>
+            <p:nvSpPr>
+              <p:cNvPr id="20" name="TextBox 19"/>
+              <p:cNvSpPr txBox="1"/>
+              <p:nvPr/>
+            </p:nvSpPr>
+            <p:spPr>
+              <a:xfrm>
+                <a:off x="187570" y="5779093"/>
+                <a:ext cx="5800068" cy="617861"/>
+              </a:xfrm>
+              <a:prstGeom prst="rect">
+                <a:avLst/>
+              </a:prstGeom>
+              <a:noFill/>
+            </p:spPr>
+            <p:txBody>
+              <a:bodyPr wrap="square" lIns="0" tIns="0" rIns="0" bIns="0" rtlCol="0">
+                <a:spAutoFit/>
+              </a:bodyPr>
+              <a:lstStyle/>
+              <a:p>
+                <a14:m>
+                  <m:oMathPara xmlns:m="http://schemas.openxmlformats.org/officeDocument/2006/math">
+                    <m:oMathParaPr>
+                      <m:jc m:val="centerGroup"/>
+                    </m:oMathParaPr>
+                    <m:oMath xmlns:m="http://schemas.openxmlformats.org/officeDocument/2006/math">
+                      <m:r>
+                        <a:rPr lang="en-US" b="0" i="1" smtClean="0">
+                          <a:latin typeface="Cambria Math" panose="02040503050406030204" pitchFamily="18" charset="0"/>
+                        </a:rPr>
+                        <m:t>𝑜𝑢𝑡𝑝𝑢𝑡</m:t>
+                      </m:r>
+                      <m:r>
+                        <a:rPr lang="pt-BR" i="1" smtClean="0">
+                          <a:latin typeface="Cambria Math" panose="02040503050406030204" pitchFamily="18" charset="0"/>
+                        </a:rPr>
+                        <m:t>=</m:t>
+                      </m:r>
+                      <m:d>
+                        <m:dPr>
+                          <m:begChr m:val="{"/>
+                          <m:endChr m:val=""/>
+                          <m:ctrlPr>
+                            <a:rPr lang="pt-BR" i="1" smtClean="0">
+                              <a:latin typeface="Cambria Math" panose="02040503050406030204" pitchFamily="18" charset="0"/>
+                            </a:rPr>
+                          </m:ctrlPr>
+                        </m:dPr>
+                        <m:e>
+                          <m:eqArr>
+                            <m:eqArrPr>
+                              <m:ctrlPr>
+                                <a:rPr lang="pt-BR" i="1" smtClean="0">
+                                  <a:latin typeface="Cambria Math" panose="02040503050406030204" pitchFamily="18" charset="0"/>
+                                </a:rPr>
+                              </m:ctrlPr>
+                            </m:eqArrPr>
+                            <m:e>
+                              <m:r>
+                                <a:rPr lang="en-US" b="0" i="1" smtClean="0">
+                                  <a:latin typeface="Cambria Math" panose="02040503050406030204" pitchFamily="18" charset="0"/>
+                                </a:rPr>
+                                <m:t>0</m:t>
+                              </m:r>
+                              <m:r>
+                                <a:rPr lang="pt-BR" i="1" smtClean="0">
+                                  <a:latin typeface="Cambria Math" panose="02040503050406030204" pitchFamily="18" charset="0"/>
+                                </a:rPr>
+                                <m:t>, </m:t>
+                              </m:r>
+                              <m:r>
+                                <a:rPr lang="en-US" b="0" i="1" smtClean="0">
+                                  <a:latin typeface="Cambria Math" panose="02040503050406030204" pitchFamily="18" charset="0"/>
+                                </a:rPr>
+                                <m:t> </m:t>
+                              </m:r>
+                              <m:sSub>
+                                <m:sSubPr>
+                                  <m:ctrlPr>
+                                    <a:rPr lang="en-US" b="0" i="1" smtClean="0">
+                                      <a:latin typeface="Cambria Math" panose="02040503050406030204" pitchFamily="18" charset="0"/>
+                                    </a:rPr>
+                                  </m:ctrlPr>
+                                </m:sSubPr>
+                                <m:e>
+                                  <m:r>
+                                    <a:rPr lang="en-US" b="0" i="1" smtClean="0">
+                                      <a:latin typeface="Cambria Math" panose="02040503050406030204" pitchFamily="18" charset="0"/>
+                                    </a:rPr>
+                                    <m:t>𝑤</m:t>
+                                  </m:r>
+                                </m:e>
+                                <m:sub/>
+                              </m:sSub>
+                              <m:r>
+                                <a:rPr lang="en-US" b="0" i="1" smtClean="0">
+                                  <a:latin typeface="Cambria Math" panose="02040503050406030204" pitchFamily="18" charset="0"/>
+                                  <a:ea typeface="Cambria Math" panose="02040503050406030204" pitchFamily="18" charset="0"/>
+                                </a:rPr>
+                                <m:t>∙</m:t>
+                              </m:r>
+                              <m:r>
+                                <a:rPr lang="en-US" b="0" i="1" smtClean="0">
+                                  <a:latin typeface="Cambria Math" panose="02040503050406030204" pitchFamily="18" charset="0"/>
+                                </a:rPr>
+                                <m:t>  </m:t>
+                              </m:r>
+                              <m:r>
+                                <a:rPr lang="en-US" b="0" i="1" smtClean="0">
+                                  <a:latin typeface="Cambria Math" panose="02040503050406030204" pitchFamily="18" charset="0"/>
+                                </a:rPr>
+                                <m:t>𝑥</m:t>
+                              </m:r>
+                              <m:r>
+                                <a:rPr lang="en-US" b="0" i="1" smtClean="0">
+                                  <a:latin typeface="Cambria Math" panose="02040503050406030204" pitchFamily="18" charset="0"/>
+                                </a:rPr>
+                                <m:t>+</m:t>
+                              </m:r>
+                              <m:r>
+                                <a:rPr lang="en-US" b="0" i="1" smtClean="0">
+                                  <a:latin typeface="Cambria Math" panose="02040503050406030204" pitchFamily="18" charset="0"/>
+                                </a:rPr>
+                                <m:t>𝑏</m:t>
+                              </m:r>
+                              <m:r>
+                                <a:rPr lang="pt-BR" i="1" smtClean="0">
+                                  <a:latin typeface="Cambria Math" panose="02040503050406030204" pitchFamily="18" charset="0"/>
+                                </a:rPr>
+                                <m:t>&lt;</m:t>
+                              </m:r>
+                              <m:r>
+                                <a:rPr lang="en-US" b="0" i="1" smtClean="0">
+                                  <a:latin typeface="Cambria Math" panose="02040503050406030204" pitchFamily="18" charset="0"/>
+                                </a:rPr>
+                                <m:t>0</m:t>
+                              </m:r>
+                            </m:e>
+                            <m:e>
+                              <m:r>
+                                <a:rPr lang="en-US" b="0" i="1" smtClean="0">
+                                  <a:latin typeface="Cambria Math" panose="02040503050406030204" pitchFamily="18" charset="0"/>
+                                </a:rPr>
+                                <m:t>1</m:t>
+                              </m:r>
+                              <m:r>
+                                <a:rPr lang="pt-BR" i="1" smtClean="0">
+                                  <a:latin typeface="Cambria Math" panose="02040503050406030204" pitchFamily="18" charset="0"/>
+                                </a:rPr>
+                                <m:t>,</m:t>
+                              </m:r>
+                              <m:r>
+                                <a:rPr lang="en-US" b="0" i="1" smtClean="0">
+                                  <a:latin typeface="Cambria Math" panose="02040503050406030204" pitchFamily="18" charset="0"/>
+                                </a:rPr>
+                                <m:t> </m:t>
+                              </m:r>
+                              <m:r>
+                                <a:rPr lang="pt-BR" i="1" smtClean="0">
+                                  <a:latin typeface="Cambria Math" panose="02040503050406030204" pitchFamily="18" charset="0"/>
+                                </a:rPr>
+                                <m:t> </m:t>
+                              </m:r>
+                              <m:r>
+                                <a:rPr lang="en-US" b="0" i="1" smtClean="0">
+                                  <a:latin typeface="Cambria Math" panose="02040503050406030204" pitchFamily="18" charset="0"/>
+                                </a:rPr>
+                                <m:t>𝑤</m:t>
+                              </m:r>
+                              <m:r>
+                                <a:rPr lang="en-US" b="0" i="1" smtClean="0">
+                                  <a:latin typeface="Cambria Math" panose="02040503050406030204" pitchFamily="18" charset="0"/>
+                                </a:rPr>
+                                <m:t>  ∙  </m:t>
+                              </m:r>
+                              <m:r>
+                                <a:rPr lang="en-US" b="0" i="1" smtClean="0">
+                                  <a:latin typeface="Cambria Math" panose="02040503050406030204" pitchFamily="18" charset="0"/>
+                                </a:rPr>
+                                <m:t>𝑥</m:t>
+                              </m:r>
+                              <m:r>
+                                <a:rPr lang="en-US" b="0" i="1" smtClean="0">
+                                  <a:latin typeface="Cambria Math" panose="02040503050406030204" pitchFamily="18" charset="0"/>
+                                </a:rPr>
+                                <m:t>+</m:t>
+                              </m:r>
+                              <m:r>
+                                <a:rPr lang="en-US" b="0" i="1" smtClean="0">
+                                  <a:latin typeface="Cambria Math" panose="02040503050406030204" pitchFamily="18" charset="0"/>
+                                </a:rPr>
+                                <m:t>𝑏</m:t>
+                              </m:r>
+                              <m:r>
+                                <a:rPr lang="pt-BR" i="1" smtClean="0">
+                                  <a:latin typeface="Cambria Math" panose="02040503050406030204" pitchFamily="18" charset="0"/>
+                                </a:rPr>
+                                <m:t>≥</m:t>
+                              </m:r>
+                              <m:r>
+                                <a:rPr lang="en-US" b="0" i="1" smtClean="0">
+                                  <a:latin typeface="Cambria Math" panose="02040503050406030204" pitchFamily="18" charset="0"/>
+                                </a:rPr>
+                                <m:t>0</m:t>
+                              </m:r>
+                            </m:e>
+                          </m:eqArr>
+                        </m:e>
+                      </m:d>
+                    </m:oMath>
+                  </m:oMathPara>
+                </a14:m>
+                <a:endParaRPr lang="en-US" dirty="0"/>
+              </a:p>
+            </p:txBody>
+          </p:sp>
+        </mc:Choice>
+        <mc:Fallback>
+          <p:sp>
+            <p:nvSpPr>
+              <p:cNvPr id="20" name="TextBox 19"/>
+              <p:cNvSpPr txBox="1">
+                <a:spLocks noRot="1" noChangeAspect="1" noMove="1" noResize="1" noEditPoints="1" noAdjustHandles="1" noChangeArrowheads="1" noChangeShapeType="1" noTextEdit="1"/>
+              </p:cNvSpPr>
+              <p:nvPr/>
+            </p:nvSpPr>
+            <p:spPr>
+              <a:xfrm>
+                <a:off x="187570" y="5779093"/>
+                <a:ext cx="5800068" cy="617861"/>
+              </a:xfrm>
+              <a:prstGeom prst="rect">
+                <a:avLst/>
+              </a:prstGeom>
+              <a:blipFill>
+                <a:blip r:embed="rId7"/>
+                <a:stretch>
+                  <a:fillRect b="-990"/>
+                </a:stretch>
+              </a:blipFill>
+            </p:spPr>
+            <p:txBody>
+              <a:bodyPr/>
+              <a:lstStyle/>
+              <a:p>
+                <a:r>
+                  <a:rPr lang="en-US">
+                    <a:noFill/>
+                  </a:rPr>
+                  <a:t> </a:t>
+                </a:r>
+              </a:p>
+            </p:txBody>
+          </p:sp>
+        </mc:Fallback>
+      </mc:AlternateContent>
+      <mc:AlternateContent xmlns:mc="http://schemas.openxmlformats.org/markup-compatibility/2006">
+        <mc:Choice xmlns:a14="http://schemas.microsoft.com/office/drawing/2010/main" Requires="a14">
+          <p:sp>
+            <p:nvSpPr>
+              <p:cNvPr id="22" name="TextBox 21"/>
+              <p:cNvSpPr txBox="1"/>
+              <p:nvPr/>
+            </p:nvSpPr>
+            <p:spPr>
+              <a:xfrm>
+                <a:off x="6912671" y="2647666"/>
+                <a:ext cx="2178767" cy="525016"/>
+              </a:xfrm>
+              <a:prstGeom prst="rect">
+                <a:avLst/>
+              </a:prstGeom>
+              <a:noFill/>
+            </p:spPr>
+            <p:txBody>
+              <a:bodyPr wrap="square" lIns="0" tIns="0" rIns="0" bIns="0" rtlCol="0">
+                <a:spAutoFit/>
+              </a:bodyPr>
+              <a:lstStyle/>
+              <a:p>
+                <a14:m>
+                  <m:oMathPara xmlns:m="http://schemas.openxmlformats.org/officeDocument/2006/math">
+                    <m:oMathParaPr>
+                      <m:jc m:val="centerGroup"/>
+                    </m:oMathParaPr>
+                    <m:oMath xmlns:m="http://schemas.openxmlformats.org/officeDocument/2006/math">
+                      <m:r>
+                        <a:rPr lang="en-US" i="1" smtClean="0">
+                          <a:latin typeface="Cambria Math" panose="02040503050406030204" pitchFamily="18" charset="0"/>
+                          <a:ea typeface="Cambria Math" panose="02040503050406030204" pitchFamily="18" charset="0"/>
+                        </a:rPr>
+                        <m:t>𝜎</m:t>
+                      </m:r>
+                      <m:d>
+                        <m:dPr>
+                          <m:ctrlPr>
+                            <a:rPr lang="en-US" b="0" i="1" smtClean="0">
+                              <a:latin typeface="Cambria Math" panose="02040503050406030204" pitchFamily="18" charset="0"/>
+                              <a:ea typeface="Cambria Math" panose="02040503050406030204" pitchFamily="18" charset="0"/>
+                            </a:rPr>
+                          </m:ctrlPr>
+                        </m:dPr>
+                        <m:e>
+                          <m:r>
+                            <a:rPr lang="en-US" b="0" i="1" smtClean="0">
+                              <a:latin typeface="Cambria Math" panose="02040503050406030204" pitchFamily="18" charset="0"/>
+                              <a:ea typeface="Cambria Math" panose="02040503050406030204" pitchFamily="18" charset="0"/>
+                            </a:rPr>
+                            <m:t>𝑧</m:t>
+                          </m:r>
+                        </m:e>
+                      </m:d>
+                      <m:r>
+                        <a:rPr lang="en-US" b="0" i="1" smtClean="0">
+                          <a:latin typeface="Cambria Math" panose="02040503050406030204" pitchFamily="18" charset="0"/>
+                          <a:ea typeface="Cambria Math" panose="02040503050406030204" pitchFamily="18" charset="0"/>
+                        </a:rPr>
+                        <m:t>=</m:t>
+                      </m:r>
+                      <m:f>
+                        <m:fPr>
+                          <m:ctrlPr>
+                            <a:rPr lang="en-US" b="0" i="1" smtClean="0">
+                              <a:latin typeface="Cambria Math" panose="02040503050406030204" pitchFamily="18" charset="0"/>
+                              <a:ea typeface="Cambria Math" panose="02040503050406030204" pitchFamily="18" charset="0"/>
+                            </a:rPr>
+                          </m:ctrlPr>
+                        </m:fPr>
+                        <m:num>
+                          <m:r>
+                            <a:rPr lang="en-US" b="0" i="1" smtClean="0">
+                              <a:latin typeface="Cambria Math" panose="02040503050406030204" pitchFamily="18" charset="0"/>
+                              <a:ea typeface="Cambria Math" panose="02040503050406030204" pitchFamily="18" charset="0"/>
+                            </a:rPr>
+                            <m:t>1</m:t>
+                          </m:r>
+                        </m:num>
+                        <m:den>
+                          <m:r>
+                            <a:rPr lang="en-US" b="0" i="1" smtClean="0">
+                              <a:latin typeface="Cambria Math" panose="02040503050406030204" pitchFamily="18" charset="0"/>
+                              <a:ea typeface="Cambria Math" panose="02040503050406030204" pitchFamily="18" charset="0"/>
+                            </a:rPr>
+                            <m:t>1+ </m:t>
+                          </m:r>
+                          <m:sSup>
+                            <m:sSupPr>
+                              <m:ctrlPr>
+                                <a:rPr lang="en-US" b="0" i="1" smtClean="0">
+                                  <a:latin typeface="Cambria Math" panose="02040503050406030204" pitchFamily="18" charset="0"/>
+                                  <a:ea typeface="Cambria Math" panose="02040503050406030204" pitchFamily="18" charset="0"/>
+                                </a:rPr>
+                              </m:ctrlPr>
+                            </m:sSupPr>
+                            <m:e>
+                              <m:r>
+                                <a:rPr lang="en-US" b="0" i="1" smtClean="0">
+                                  <a:latin typeface="Cambria Math" panose="02040503050406030204" pitchFamily="18" charset="0"/>
+                                  <a:ea typeface="Cambria Math" panose="02040503050406030204" pitchFamily="18" charset="0"/>
+                                </a:rPr>
+                                <m:t>𝑒</m:t>
+                              </m:r>
+                            </m:e>
+                            <m:sup>
+                              <m:r>
+                                <a:rPr lang="en-US" b="0" i="1" smtClean="0">
+                                  <a:latin typeface="Cambria Math" panose="02040503050406030204" pitchFamily="18" charset="0"/>
+                                  <a:ea typeface="Cambria Math" panose="02040503050406030204" pitchFamily="18" charset="0"/>
+                                </a:rPr>
+                                <m:t>−</m:t>
+                              </m:r>
+                              <m:r>
+                                <a:rPr lang="en-US" b="0" i="1" smtClean="0">
+                                  <a:latin typeface="Cambria Math" panose="02040503050406030204" pitchFamily="18" charset="0"/>
+                                  <a:ea typeface="Cambria Math" panose="02040503050406030204" pitchFamily="18" charset="0"/>
+                                </a:rPr>
+                                <m:t>𝑧</m:t>
+                              </m:r>
+                            </m:sup>
+                          </m:sSup>
+                        </m:den>
+                      </m:f>
+                    </m:oMath>
+                  </m:oMathPara>
+                </a14:m>
+                <a:endParaRPr lang="en-US" dirty="0"/>
+              </a:p>
+            </p:txBody>
+          </p:sp>
+        </mc:Choice>
+        <mc:Fallback>
+          <p:sp>
+            <p:nvSpPr>
+              <p:cNvPr id="22" name="TextBox 21"/>
+              <p:cNvSpPr txBox="1">
+                <a:spLocks noRot="1" noChangeAspect="1" noMove="1" noResize="1" noEditPoints="1" noAdjustHandles="1" noChangeArrowheads="1" noChangeShapeType="1" noTextEdit="1"/>
+              </p:cNvSpPr>
+              <p:nvPr/>
+            </p:nvSpPr>
+            <p:spPr>
+              <a:xfrm>
+                <a:off x="6912671" y="2647666"/>
+                <a:ext cx="2178767" cy="525016"/>
+              </a:xfrm>
+              <a:prstGeom prst="rect">
+                <a:avLst/>
+              </a:prstGeom>
+              <a:blipFill>
+                <a:blip r:embed="rId8"/>
+                <a:stretch>
+                  <a:fillRect/>
+                </a:stretch>
+              </a:blipFill>
+            </p:spPr>
+            <p:txBody>
+              <a:bodyPr/>
+              <a:lstStyle/>
+              <a:p>
+                <a:r>
+                  <a:rPr lang="en-US">
+                    <a:noFill/>
+                  </a:rPr>
+                  <a:t> </a:t>
+                </a:r>
+              </a:p>
+            </p:txBody>
+          </p:sp>
+        </mc:Fallback>
+      </mc:AlternateContent>
+      <p:cxnSp>
+        <p:nvCxnSpPr>
+          <p:cNvPr id="24" name="Straight Connector 23"/>
+          <p:cNvCxnSpPr/>
+          <p:nvPr/>
+        </p:nvCxnSpPr>
+        <p:spPr>
+          <a:xfrm>
+            <a:off x="6450154" y="2647666"/>
+            <a:ext cx="0" cy="3752530"/>
+          </a:xfrm>
+          <a:prstGeom prst="line">
+            <a:avLst/>
+          </a:prstGeom>
+          <a:ln w="38100"/>
+        </p:spPr>
+        <p:style>
+          <a:lnRef idx="3">
+            <a:schemeClr val="accent1"/>
+          </a:lnRef>
+          <a:fillRef idx="0">
+            <a:schemeClr val="accent1"/>
+          </a:fillRef>
+          <a:effectRef idx="2">
+            <a:schemeClr val="accent1"/>
+          </a:effectRef>
+          <a:fontRef idx="minor">
+            <a:schemeClr val="tx1"/>
+          </a:fontRef>
+        </p:style>
+      </p:cxnSp>
+      <p:sp>
+        <p:nvSpPr>
+          <p:cNvPr id="25" name="Bent Arrow 24"/>
+          <p:cNvSpPr/>
+          <p:nvPr/>
+        </p:nvSpPr>
+        <p:spPr>
+          <a:xfrm rot="5400000">
+            <a:off x="9262242" y="2832490"/>
+            <a:ext cx="807095" cy="733940"/>
+          </a:xfrm>
+          <a:prstGeom prst="bentArrow">
+            <a:avLst>
+              <a:gd name="adj1" fmla="val 19078"/>
+              <a:gd name="adj2" fmla="val 26855"/>
+              <a:gd name="adj3" fmla="val 25000"/>
+              <a:gd name="adj4" fmla="val 43750"/>
+            </a:avLst>
+          </a:prstGeom>
+          <a:solidFill>
+            <a:schemeClr val="bg1"/>
+          </a:solidFill>
+          <a:ln>
+            <a:solidFill>
+              <a:schemeClr val="tx1"/>
+            </a:solidFill>
+          </a:ln>
+        </p:spPr>
+        <p:style>
+          <a:lnRef idx="2">
+            <a:schemeClr val="accent1">
+              <a:shade val="50000"/>
+            </a:schemeClr>
+          </a:lnRef>
+          <a:fillRef idx="1">
+            <a:schemeClr val="accent1"/>
+          </a:fillRef>
+          <a:effectRef idx="0">
+            <a:schemeClr val="accent1"/>
+          </a:effectRef>
+          <a:fontRef idx="minor">
+            <a:schemeClr val="lt1"/>
+          </a:fontRef>
+        </p:style>
+        <p:txBody>
+          <a:bodyPr rtlCol="0" anchor="ctr"/>
+          <a:lstStyle/>
+          <a:p>
+            <a:pPr algn="ctr"/>
+            <a:endParaRPr lang="en-US">
+              <a:solidFill>
+                <a:schemeClr val="tx1"/>
+              </a:solidFill>
+            </a:endParaRPr>
+          </a:p>
+        </p:txBody>
+      </p:sp>
+      <mc:AlternateContent xmlns:mc="http://schemas.openxmlformats.org/markup-compatibility/2006">
+        <mc:Choice xmlns:a14="http://schemas.microsoft.com/office/drawing/2010/main" Requires="a14">
+          <p:sp>
+            <p:nvSpPr>
+              <p:cNvPr id="26" name="TextBox 25"/>
+              <p:cNvSpPr txBox="1"/>
+              <p:nvPr/>
+            </p:nvSpPr>
+            <p:spPr>
+              <a:xfrm>
+                <a:off x="8372543" y="3807568"/>
+                <a:ext cx="3320434" cy="543418"/>
+              </a:xfrm>
+              <a:prstGeom prst="rect">
+                <a:avLst/>
+              </a:prstGeom>
+              <a:noFill/>
+            </p:spPr>
+            <p:txBody>
+              <a:bodyPr wrap="square" lIns="0" tIns="0" rIns="0" bIns="0" rtlCol="0">
+                <a:spAutoFit/>
+              </a:bodyPr>
+              <a:lstStyle/>
+              <a:p>
+                <a14:m>
+                  <m:oMathPara xmlns:m="http://schemas.openxmlformats.org/officeDocument/2006/math">
+                    <m:oMathParaPr>
+                      <m:jc m:val="centerGroup"/>
+                    </m:oMathParaPr>
+                    <m:oMath xmlns:m="http://schemas.openxmlformats.org/officeDocument/2006/math">
+                      <m:r>
+                        <a:rPr lang="en-US" i="1" smtClean="0">
+                          <a:latin typeface="Cambria Math" panose="02040503050406030204" pitchFamily="18" charset="0"/>
+                          <a:ea typeface="Cambria Math" panose="02040503050406030204" pitchFamily="18" charset="0"/>
+                        </a:rPr>
+                        <m:t>𝑧</m:t>
+                      </m:r>
+                      <m:r>
+                        <a:rPr lang="en-US" b="0" i="1" smtClean="0">
+                          <a:latin typeface="Cambria Math" panose="02040503050406030204" pitchFamily="18" charset="0"/>
+                          <a:ea typeface="Cambria Math" panose="02040503050406030204" pitchFamily="18" charset="0"/>
+                        </a:rPr>
+                        <m:t>= </m:t>
+                      </m:r>
+                      <m:nary>
+                        <m:naryPr>
+                          <m:chr m:val="∑"/>
+                          <m:limLoc m:val="subSup"/>
+                          <m:supHide m:val="on"/>
+                          <m:ctrlPr>
+                            <a:rPr lang="en-US" i="1" smtClean="0">
+                              <a:latin typeface="Cambria Math" panose="02040503050406030204" pitchFamily="18" charset="0"/>
+                              <a:ea typeface="Cambria Math" panose="02040503050406030204" pitchFamily="18" charset="0"/>
+                            </a:rPr>
+                          </m:ctrlPr>
+                        </m:naryPr>
+                        <m:sub>
+                          <m:r>
+                            <m:rPr>
+                              <m:brk m:alnAt="9"/>
+                            </m:rPr>
+                            <a:rPr lang="en-US" b="0" i="1" smtClean="0">
+                              <a:latin typeface="Cambria Math" panose="02040503050406030204" pitchFamily="18" charset="0"/>
+                              <a:ea typeface="Cambria Math" panose="02040503050406030204" pitchFamily="18" charset="0"/>
+                            </a:rPr>
+                            <m:t>𝑗</m:t>
+                          </m:r>
+                        </m:sub>
+                        <m:sup/>
+                        <m:e>
+                          <m:sSub>
+                            <m:sSubPr>
+                              <m:ctrlPr>
+                                <a:rPr lang="en-US" b="0" i="1" smtClean="0">
+                                  <a:latin typeface="Cambria Math" panose="02040503050406030204" pitchFamily="18" charset="0"/>
+                                  <a:ea typeface="Cambria Math" panose="02040503050406030204" pitchFamily="18" charset="0"/>
+                                </a:rPr>
+                              </m:ctrlPr>
+                            </m:sSubPr>
+                            <m:e>
+                              <m:r>
+                                <a:rPr lang="en-US" b="0" i="1" smtClean="0">
+                                  <a:latin typeface="Cambria Math" panose="02040503050406030204" pitchFamily="18" charset="0"/>
+                                  <a:ea typeface="Cambria Math" panose="02040503050406030204" pitchFamily="18" charset="0"/>
+                                </a:rPr>
+                                <m:t>𝑤</m:t>
+                              </m:r>
+                            </m:e>
+                            <m:sub>
+                              <m:r>
+                                <a:rPr lang="en-US" b="0" i="1" smtClean="0">
+                                  <a:latin typeface="Cambria Math" panose="02040503050406030204" pitchFamily="18" charset="0"/>
+                                  <a:ea typeface="Cambria Math" panose="02040503050406030204" pitchFamily="18" charset="0"/>
+                                </a:rPr>
+                                <m:t>𝑗</m:t>
+                              </m:r>
+                            </m:sub>
+                          </m:sSub>
+                        </m:e>
+                      </m:nary>
+                      <m:sSub>
+                        <m:sSubPr>
+                          <m:ctrlPr>
+                            <a:rPr lang="en-US" b="0" i="1" smtClean="0">
+                              <a:latin typeface="Cambria Math" panose="02040503050406030204" pitchFamily="18" charset="0"/>
+                              <a:ea typeface="Cambria Math" panose="02040503050406030204" pitchFamily="18" charset="0"/>
+                            </a:rPr>
+                          </m:ctrlPr>
+                        </m:sSubPr>
+                        <m:e>
+                          <m:r>
+                            <a:rPr lang="en-US" b="0" i="1" smtClean="0">
+                              <a:latin typeface="Cambria Math" panose="02040503050406030204" pitchFamily="18" charset="0"/>
+                              <a:ea typeface="Cambria Math" panose="02040503050406030204" pitchFamily="18" charset="0"/>
+                            </a:rPr>
+                            <m:t>𝑥</m:t>
+                          </m:r>
+                        </m:e>
+                        <m:sub>
+                          <m:r>
+                            <a:rPr lang="en-US" b="0" i="1" smtClean="0">
+                              <a:latin typeface="Cambria Math" panose="02040503050406030204" pitchFamily="18" charset="0"/>
+                              <a:ea typeface="Cambria Math" panose="02040503050406030204" pitchFamily="18" charset="0"/>
+                            </a:rPr>
+                            <m:t>𝑗</m:t>
+                          </m:r>
+                        </m:sub>
+                      </m:sSub>
+                      <m:r>
+                        <a:rPr lang="en-US" b="0" i="1" smtClean="0">
+                          <a:latin typeface="Cambria Math" panose="02040503050406030204" pitchFamily="18" charset="0"/>
+                          <a:ea typeface="Cambria Math" panose="02040503050406030204" pitchFamily="18" charset="0"/>
+                        </a:rPr>
+                        <m:t>+</m:t>
+                      </m:r>
+                      <m:r>
+                        <a:rPr lang="en-US" b="0" i="1" smtClean="0">
+                          <a:latin typeface="Cambria Math" panose="02040503050406030204" pitchFamily="18" charset="0"/>
+                          <a:ea typeface="Cambria Math" panose="02040503050406030204" pitchFamily="18" charset="0"/>
+                        </a:rPr>
+                        <m:t>𝑏</m:t>
+                      </m:r>
+                    </m:oMath>
+                  </m:oMathPara>
+                </a14:m>
+                <a:endParaRPr lang="en-US" dirty="0"/>
+              </a:p>
+            </p:txBody>
+          </p:sp>
+        </mc:Choice>
+        <mc:Fallback>
+          <p:sp>
+            <p:nvSpPr>
+              <p:cNvPr id="26" name="TextBox 25"/>
+              <p:cNvSpPr txBox="1">
+                <a:spLocks noRot="1" noChangeAspect="1" noMove="1" noResize="1" noEditPoints="1" noAdjustHandles="1" noChangeArrowheads="1" noChangeShapeType="1" noTextEdit="1"/>
+              </p:cNvSpPr>
+              <p:nvPr/>
+            </p:nvSpPr>
+            <p:spPr>
+              <a:xfrm>
+                <a:off x="8372543" y="3807568"/>
+                <a:ext cx="3320434" cy="543418"/>
+              </a:xfrm>
+              <a:prstGeom prst="rect">
+                <a:avLst/>
+              </a:prstGeom>
+              <a:blipFill>
+                <a:blip r:embed="rId9"/>
+                <a:stretch>
+                  <a:fillRect/>
+                </a:stretch>
+              </a:blipFill>
+            </p:spPr>
+            <p:txBody>
+              <a:bodyPr/>
+              <a:lstStyle/>
+              <a:p>
+                <a:r>
+                  <a:rPr lang="en-US">
+                    <a:noFill/>
+                  </a:rPr>
+                  <a:t> </a:t>
+                </a:r>
+              </a:p>
+            </p:txBody>
+          </p:sp>
+        </mc:Fallback>
+      </mc:AlternateContent>
+      <p:pic>
+        <p:nvPicPr>
+          <p:cNvPr id="35" name="Picture 34"/>
+          <p:cNvPicPr>
+            <a:picLocks noChangeAspect="1"/>
+          </p:cNvPicPr>
+          <p:nvPr/>
+        </p:nvPicPr>
+        <p:blipFill>
+          <a:blip r:embed="rId10">
+            <a:extLst>
+              <a:ext uri="{28A0092B-C50C-407E-A947-70E740481C1C}">
+                <a14:useLocalDpi xmlns:a14="http://schemas.microsoft.com/office/drawing/2010/main" val="0"/>
+              </a:ext>
+            </a:extLst>
+          </a:blip>
+          <a:stretch>
+            <a:fillRect/>
+          </a:stretch>
+        </p:blipFill>
+        <p:spPr>
+          <a:xfrm>
+            <a:off x="7516564" y="4440424"/>
+            <a:ext cx="3787468" cy="2370025"/>
+          </a:xfrm>
+          <a:prstGeom prst="rect">
+            <a:avLst/>
+          </a:prstGeom>
+        </p:spPr>
+      </p:pic>
+    </p:spTree>
+    <p:extLst>
+      <p:ext uri="{BB962C8B-B14F-4D97-AF65-F5344CB8AC3E}">
+        <p14:creationId xmlns:p14="http://schemas.microsoft.com/office/powerpoint/2010/main" val="3381343028"/>
+      </p:ext>
+    </p:extLst>
+  </p:cSld>
+  <p:clrMapOvr>
+    <a:masterClrMapping/>
+  </p:clrMapOvr>
+  <p:transition spd="slow">
+    <p:fade/>
+  </p:transition>
+  <p:timing>
+    <p:tnLst>
+      <p:par>
+        <p:cTn id="1" dur="indefinite" restart="never" nodeType="tmRoot">
+          <p:childTnLst>
+            <p:seq concurrent="1" nextAc="seek">
+              <p:cTn id="2" dur="indefinite" nodeType="mainSeq">
+                <p:childTnLst>
+                  <p:par>
+                    <p:cTn id="3" fill="hold">
+                      <p:stCondLst>
+                        <p:cond delay="indefinite"/>
+                      </p:stCondLst>
+                      <p:childTnLst>
+                        <p:par>
+                          <p:cTn id="4" fill="hold">
+                            <p:stCondLst>
+                              <p:cond delay="0"/>
+                            </p:stCondLst>
+                            <p:childTnLst>
+                              <p:par>
+                                <p:cTn id="5" presetID="1" presetClass="entr" presetSubtype="0" fill="hold" nodeType="clickEffect">
+                                  <p:stCondLst>
+                                    <p:cond delay="0"/>
+                                  </p:stCondLst>
+                                  <p:childTnLst>
+                                    <p:set>
+                                      <p:cBhvr>
+                                        <p:cTn id="6" dur="1" fill="hold">
+                                          <p:stCondLst>
+                                            <p:cond delay="0"/>
+                                          </p:stCondLst>
+                                        </p:cTn>
+                                        <p:tgtEl>
+                                          <p:spTgt spid="5"/>
+                                        </p:tgtEl>
+                                        <p:attrNameLst>
+                                          <p:attrName>style.visibility</p:attrName>
+                                        </p:attrNameLst>
+                                      </p:cBhvr>
+                                      <p:to>
+                                        <p:strVal val="visible"/>
+                                      </p:to>
+                                    </p:set>
+                                  </p:childTnLst>
+                                </p:cTn>
+                              </p:par>
+                            </p:childTnLst>
+                          </p:cTn>
+                        </p:par>
+                      </p:childTnLst>
+                    </p:cTn>
+                  </p:par>
+                  <p:par>
+                    <p:cTn id="7" fill="hold">
+                      <p:stCondLst>
+                        <p:cond delay="indefinite"/>
+                      </p:stCondLst>
+                      <p:childTnLst>
+                        <p:par>
+                          <p:cTn id="8" fill="hold">
+                            <p:stCondLst>
+                              <p:cond delay="0"/>
+                            </p:stCondLst>
+                            <p:childTnLst>
+                              <p:par>
+                                <p:cTn id="9" presetID="1" presetClass="entr" presetSubtype="0" fill="hold" nodeType="clickEffect">
+                                  <p:stCondLst>
+                                    <p:cond delay="0"/>
+                                  </p:stCondLst>
+                                  <p:childTnLst>
+                                    <p:set>
+                                      <p:cBhvr>
+                                        <p:cTn id="10" dur="1" fill="hold">
+                                          <p:stCondLst>
+                                            <p:cond delay="0"/>
+                                          </p:stCondLst>
+                                        </p:cTn>
+                                        <p:tgtEl>
+                                          <p:spTgt spid="7"/>
+                                        </p:tgtEl>
+                                        <p:attrNameLst>
+                                          <p:attrName>style.visibility</p:attrName>
+                                        </p:attrNameLst>
+                                      </p:cBhvr>
+                                      <p:to>
+                                        <p:strVal val="visible"/>
+                                      </p:to>
+                                    </p:set>
+                                  </p:childTnLst>
+                                </p:cTn>
+                              </p:par>
+                            </p:childTnLst>
+                          </p:cTn>
+                        </p:par>
+                      </p:childTnLst>
+                    </p:cTn>
+                  </p:par>
+                  <p:par>
+                    <p:cTn id="11" fill="hold">
+                      <p:stCondLst>
+                        <p:cond delay="indefinite"/>
+                      </p:stCondLst>
+                      <p:childTnLst>
+                        <p:par>
+                          <p:cTn id="12" fill="hold">
+                            <p:stCondLst>
+                              <p:cond delay="0"/>
+                            </p:stCondLst>
+                            <p:childTnLst>
+                              <p:par>
+                                <p:cTn id="13" presetID="1" presetClass="entr" presetSubtype="0" fill="hold" grpId="0" nodeType="clickEffect">
+                                  <p:stCondLst>
+                                    <p:cond delay="0"/>
+                                  </p:stCondLst>
+                                  <p:childTnLst>
+                                    <p:set>
+                                      <p:cBhvr>
+                                        <p:cTn id="14" dur="1" fill="hold">
+                                          <p:stCondLst>
+                                            <p:cond delay="0"/>
+                                          </p:stCondLst>
+                                        </p:cTn>
+                                        <p:tgtEl>
+                                          <p:spTgt spid="9"/>
+                                        </p:tgtEl>
+                                        <p:attrNameLst>
+                                          <p:attrName>style.visibility</p:attrName>
+                                        </p:attrNameLst>
+                                      </p:cBhvr>
+                                      <p:to>
+                                        <p:strVal val="visible"/>
+                                      </p:to>
+                                    </p:set>
+                                  </p:childTnLst>
+                                </p:cTn>
+                              </p:par>
+                              <p:par>
+                                <p:cTn id="15" presetID="1" presetClass="entr" presetSubtype="0" fill="hold" grpId="0" nodeType="withEffect">
+                                  <p:stCondLst>
+                                    <p:cond delay="0"/>
+                                  </p:stCondLst>
+                                  <p:childTnLst>
+                                    <p:set>
+                                      <p:cBhvr>
+                                        <p:cTn id="16" dur="1" fill="hold">
+                                          <p:stCondLst>
+                                            <p:cond delay="0"/>
+                                          </p:stCondLst>
+                                        </p:cTn>
+                                        <p:tgtEl>
+                                          <p:spTgt spid="11"/>
+                                        </p:tgtEl>
+                                        <p:attrNameLst>
+                                          <p:attrName>style.visibility</p:attrName>
+                                        </p:attrNameLst>
+                                      </p:cBhvr>
+                                      <p:to>
+                                        <p:strVal val="visible"/>
+                                      </p:to>
+                                    </p:set>
+                                  </p:childTnLst>
+                                </p:cTn>
+                              </p:par>
+                              <p:par>
+                                <p:cTn id="17" presetID="1" presetClass="entr" presetSubtype="0" fill="hold" grpId="0" nodeType="withEffect">
+                                  <p:stCondLst>
+                                    <p:cond delay="0"/>
+                                  </p:stCondLst>
+                                  <p:childTnLst>
+                                    <p:set>
+                                      <p:cBhvr>
+                                        <p:cTn id="18" dur="1" fill="hold">
+                                          <p:stCondLst>
+                                            <p:cond delay="0"/>
+                                          </p:stCondLst>
+                                        </p:cTn>
+                                        <p:tgtEl>
+                                          <p:spTgt spid="10"/>
+                                        </p:tgtEl>
+                                        <p:attrNameLst>
+                                          <p:attrName>style.visibility</p:attrName>
+                                        </p:attrNameLst>
+                                      </p:cBhvr>
+                                      <p:to>
+                                        <p:strVal val="visible"/>
+                                      </p:to>
+                                    </p:set>
+                                  </p:childTnLst>
+                                </p:cTn>
+                              </p:par>
+                            </p:childTnLst>
+                          </p:cTn>
+                        </p:par>
+                      </p:childTnLst>
+                    </p:cTn>
+                  </p:par>
+                  <p:par>
+                    <p:cTn id="19" fill="hold">
+                      <p:stCondLst>
+                        <p:cond delay="indefinite"/>
+                      </p:stCondLst>
+                      <p:childTnLst>
+                        <p:par>
+                          <p:cTn id="20" fill="hold">
+                            <p:stCondLst>
+                              <p:cond delay="0"/>
+                            </p:stCondLst>
+                            <p:childTnLst>
+                              <p:par>
+                                <p:cTn id="21" presetID="1" presetClass="entr" presetSubtype="0" fill="hold" grpId="0" nodeType="clickEffect">
+                                  <p:stCondLst>
+                                    <p:cond delay="0"/>
+                                  </p:stCondLst>
+                                  <p:childTnLst>
+                                    <p:set>
+                                      <p:cBhvr>
+                                        <p:cTn id="22" dur="1" fill="hold">
+                                          <p:stCondLst>
+                                            <p:cond delay="0"/>
+                                          </p:stCondLst>
+                                        </p:cTn>
+                                        <p:tgtEl>
+                                          <p:spTgt spid="12"/>
+                                        </p:tgtEl>
+                                        <p:attrNameLst>
+                                          <p:attrName>style.visibility</p:attrName>
+                                        </p:attrNameLst>
+                                      </p:cBhvr>
+                                      <p:to>
+                                        <p:strVal val="visible"/>
+                                      </p:to>
+                                    </p:set>
+                                  </p:childTnLst>
+                                </p:cTn>
+                              </p:par>
+                            </p:childTnLst>
+                          </p:cTn>
+                        </p:par>
+                      </p:childTnLst>
+                    </p:cTn>
+                  </p:par>
+                  <p:par>
+                    <p:cTn id="23" fill="hold">
+                      <p:stCondLst>
+                        <p:cond delay="indefinite"/>
+                      </p:stCondLst>
+                      <p:childTnLst>
+                        <p:par>
+                          <p:cTn id="24" fill="hold">
+                            <p:stCondLst>
+                              <p:cond delay="0"/>
+                            </p:stCondLst>
+                            <p:childTnLst>
+                              <p:par>
+                                <p:cTn id="25" presetID="1" presetClass="entr" presetSubtype="0" fill="hold" nodeType="clickEffect">
+                                  <p:stCondLst>
+                                    <p:cond delay="0"/>
+                                  </p:stCondLst>
+                                  <p:childTnLst>
+                                    <p:set>
+                                      <p:cBhvr>
+                                        <p:cTn id="26" dur="1" fill="hold">
+                                          <p:stCondLst>
+                                            <p:cond delay="0"/>
+                                          </p:stCondLst>
+                                        </p:cTn>
+                                        <p:tgtEl>
+                                          <p:spTgt spid="8"/>
+                                        </p:tgtEl>
+                                        <p:attrNameLst>
+                                          <p:attrName>style.visibility</p:attrName>
+                                        </p:attrNameLst>
+                                      </p:cBhvr>
+                                      <p:to>
+                                        <p:strVal val="visible"/>
+                                      </p:to>
+                                    </p:set>
+                                  </p:childTnLst>
+                                </p:cTn>
+                              </p:par>
+                              <p:par>
+                                <p:cTn id="27" presetID="1" presetClass="entr" presetSubtype="0" fill="hold" grpId="0" nodeType="withEffect">
+                                  <p:stCondLst>
+                                    <p:cond delay="0"/>
+                                  </p:stCondLst>
+                                  <p:childTnLst>
+                                    <p:set>
+                                      <p:cBhvr>
+                                        <p:cTn id="28" dur="1" fill="hold">
+                                          <p:stCondLst>
+                                            <p:cond delay="0"/>
+                                          </p:stCondLst>
+                                        </p:cTn>
+                                        <p:tgtEl>
+                                          <p:spTgt spid="13"/>
+                                        </p:tgtEl>
+                                        <p:attrNameLst>
+                                          <p:attrName>style.visibility</p:attrName>
+                                        </p:attrNameLst>
+                                      </p:cBhvr>
+                                      <p:to>
+                                        <p:strVal val="visible"/>
+                                      </p:to>
+                                    </p:set>
+                                  </p:childTnLst>
+                                </p:cTn>
+                              </p:par>
+                            </p:childTnLst>
+                          </p:cTn>
+                        </p:par>
+                      </p:childTnLst>
+                    </p:cTn>
+                  </p:par>
+                  <p:par>
+                    <p:cTn id="29" fill="hold">
+                      <p:stCondLst>
+                        <p:cond delay="indefinite"/>
+                      </p:stCondLst>
+                      <p:childTnLst>
+                        <p:par>
+                          <p:cTn id="30" fill="hold">
+                            <p:stCondLst>
+                              <p:cond delay="0"/>
+                            </p:stCondLst>
+                            <p:childTnLst>
+                              <p:par>
+                                <p:cTn id="31" presetID="10" presetClass="entr" presetSubtype="0" fill="hold" nodeType="clickEffect">
+                                  <p:stCondLst>
+                                    <p:cond delay="0"/>
+                                  </p:stCondLst>
+                                  <p:childTnLst>
+                                    <p:set>
+                                      <p:cBhvr>
+                                        <p:cTn id="32" dur="1" fill="hold">
+                                          <p:stCondLst>
+                                            <p:cond delay="0"/>
+                                          </p:stCondLst>
+                                        </p:cTn>
+                                        <p:tgtEl>
+                                          <p:spTgt spid="17"/>
+                                        </p:tgtEl>
+                                        <p:attrNameLst>
+                                          <p:attrName>style.visibility</p:attrName>
+                                        </p:attrNameLst>
+                                      </p:cBhvr>
+                                      <p:to>
+                                        <p:strVal val="visible"/>
+                                      </p:to>
+                                    </p:set>
+                                    <p:animEffect transition="in" filter="fade">
+                                      <p:cBhvr>
+                                        <p:cTn id="33" dur="500"/>
+                                        <p:tgtEl>
+                                          <p:spTgt spid="17"/>
+                                        </p:tgtEl>
+                                      </p:cBhvr>
+                                    </p:animEffect>
+                                  </p:childTnLst>
+                                </p:cTn>
+                              </p:par>
+                              <p:par>
+                                <p:cTn id="34" presetID="10" presetClass="entr" presetSubtype="0" fill="hold" grpId="0" nodeType="withEffect">
+                                  <p:stCondLst>
+                                    <p:cond delay="0"/>
+                                  </p:stCondLst>
+                                  <p:childTnLst>
+                                    <p:set>
+                                      <p:cBhvr>
+                                        <p:cTn id="35" dur="1" fill="hold">
+                                          <p:stCondLst>
+                                            <p:cond delay="0"/>
+                                          </p:stCondLst>
+                                        </p:cTn>
+                                        <p:tgtEl>
+                                          <p:spTgt spid="19"/>
+                                        </p:tgtEl>
+                                        <p:attrNameLst>
+                                          <p:attrName>style.visibility</p:attrName>
+                                        </p:attrNameLst>
+                                      </p:cBhvr>
+                                      <p:to>
+                                        <p:strVal val="visible"/>
+                                      </p:to>
+                                    </p:set>
+                                    <p:animEffect transition="in" filter="fade">
+                                      <p:cBhvr>
+                                        <p:cTn id="36" dur="500"/>
+                                        <p:tgtEl>
+                                          <p:spTgt spid="19"/>
+                                        </p:tgtEl>
+                                      </p:cBhvr>
+                                    </p:animEffect>
+                                  </p:childTnLst>
+                                </p:cTn>
+                              </p:par>
+                            </p:childTnLst>
+                          </p:cTn>
+                        </p:par>
+                      </p:childTnLst>
+                    </p:cTn>
+                  </p:par>
+                  <p:par>
+                    <p:cTn id="37" fill="hold">
+                      <p:stCondLst>
+                        <p:cond delay="indefinite"/>
+                      </p:stCondLst>
+                      <p:childTnLst>
+                        <p:par>
+                          <p:cTn id="38" fill="hold">
+                            <p:stCondLst>
+                              <p:cond delay="0"/>
+                            </p:stCondLst>
+                            <p:childTnLst>
+                              <p:par>
+                                <p:cTn id="39" presetID="1" presetClass="exit" presetSubtype="0" fill="hold" grpId="1" nodeType="clickEffect">
+                                  <p:stCondLst>
+                                    <p:cond delay="0"/>
+                                  </p:stCondLst>
+                                  <p:childTnLst>
+                                    <p:set>
+                                      <p:cBhvr>
+                                        <p:cTn id="40" dur="1" fill="hold">
+                                          <p:stCondLst>
+                                            <p:cond delay="0"/>
+                                          </p:stCondLst>
+                                        </p:cTn>
+                                        <p:tgtEl>
+                                          <p:spTgt spid="13"/>
+                                        </p:tgtEl>
+                                        <p:attrNameLst>
+                                          <p:attrName>style.visibility</p:attrName>
+                                        </p:attrNameLst>
+                                      </p:cBhvr>
+                                      <p:to>
+                                        <p:strVal val="hidden"/>
+                                      </p:to>
+                                    </p:set>
+                                  </p:childTnLst>
+                                </p:cTn>
+                              </p:par>
+                            </p:childTnLst>
+                          </p:cTn>
+                        </p:par>
+                        <p:par>
+                          <p:cTn id="41" fill="hold">
+                            <p:stCondLst>
+                              <p:cond delay="0"/>
+                            </p:stCondLst>
+                            <p:childTnLst>
+                              <p:par>
+                                <p:cTn id="42" presetID="1" presetClass="entr" presetSubtype="0" fill="hold" grpId="0" nodeType="afterEffect">
+                                  <p:stCondLst>
+                                    <p:cond delay="0"/>
+                                  </p:stCondLst>
+                                  <p:childTnLst>
+                                    <p:set>
+                                      <p:cBhvr>
+                                        <p:cTn id="43" dur="1" fill="hold">
+                                          <p:stCondLst>
+                                            <p:cond delay="0"/>
+                                          </p:stCondLst>
+                                        </p:cTn>
+                                        <p:tgtEl>
+                                          <p:spTgt spid="20"/>
+                                        </p:tgtEl>
+                                        <p:attrNameLst>
+                                          <p:attrName>style.visibility</p:attrName>
+                                        </p:attrNameLst>
+                                      </p:cBhvr>
+                                      <p:to>
+                                        <p:strVal val="visible"/>
+                                      </p:to>
+                                    </p:set>
+                                  </p:childTnLst>
+                                </p:cTn>
+                              </p:par>
+                            </p:childTnLst>
+                          </p:cTn>
+                        </p:par>
+                      </p:childTnLst>
+                    </p:cTn>
+                  </p:par>
+                  <p:par>
+                    <p:cTn id="44" fill="hold">
+                      <p:stCondLst>
+                        <p:cond delay="indefinite"/>
+                      </p:stCondLst>
+                      <p:childTnLst>
+                        <p:par>
+                          <p:cTn id="45" fill="hold">
+                            <p:stCondLst>
+                              <p:cond delay="0"/>
+                            </p:stCondLst>
+                            <p:childTnLst>
+                              <p:par>
+                                <p:cTn id="46" presetID="1" presetClass="entr" presetSubtype="0" fill="hold" grpId="0" nodeType="clickEffect">
+                                  <p:stCondLst>
+                                    <p:cond delay="0"/>
+                                  </p:stCondLst>
+                                  <p:childTnLst>
+                                    <p:set>
+                                      <p:cBhvr>
+                                        <p:cTn id="47" dur="1" fill="hold">
+                                          <p:stCondLst>
+                                            <p:cond delay="0"/>
+                                          </p:stCondLst>
+                                        </p:cTn>
+                                        <p:tgtEl>
+                                          <p:spTgt spid="22"/>
+                                        </p:tgtEl>
+                                        <p:attrNameLst>
+                                          <p:attrName>style.visibility</p:attrName>
+                                        </p:attrNameLst>
+                                      </p:cBhvr>
+                                      <p:to>
+                                        <p:strVal val="visible"/>
+                                      </p:to>
+                                    </p:set>
+                                  </p:childTnLst>
+                                </p:cTn>
+                              </p:par>
+                            </p:childTnLst>
+                          </p:cTn>
+                        </p:par>
+                      </p:childTnLst>
+                    </p:cTn>
+                  </p:par>
+                  <p:par>
+                    <p:cTn id="48" fill="hold">
+                      <p:stCondLst>
+                        <p:cond delay="indefinite"/>
+                      </p:stCondLst>
+                      <p:childTnLst>
+                        <p:par>
+                          <p:cTn id="49" fill="hold">
+                            <p:stCondLst>
+                              <p:cond delay="0"/>
+                            </p:stCondLst>
+                            <p:childTnLst>
+                              <p:par>
+                                <p:cTn id="50" presetID="1" presetClass="entr" presetSubtype="0" fill="hold" grpId="0" nodeType="clickEffect">
+                                  <p:stCondLst>
+                                    <p:cond delay="0"/>
+                                  </p:stCondLst>
+                                  <p:childTnLst>
+                                    <p:set>
+                                      <p:cBhvr>
+                                        <p:cTn id="51" dur="1" fill="hold">
+                                          <p:stCondLst>
+                                            <p:cond delay="0"/>
+                                          </p:stCondLst>
+                                        </p:cTn>
+                                        <p:tgtEl>
+                                          <p:spTgt spid="25"/>
+                                        </p:tgtEl>
+                                        <p:attrNameLst>
+                                          <p:attrName>style.visibility</p:attrName>
+                                        </p:attrNameLst>
+                                      </p:cBhvr>
+                                      <p:to>
+                                        <p:strVal val="visible"/>
+                                      </p:to>
+                                    </p:set>
+                                  </p:childTnLst>
+                                </p:cTn>
+                              </p:par>
+                            </p:childTnLst>
+                          </p:cTn>
+                        </p:par>
+                        <p:par>
+                          <p:cTn id="52" fill="hold">
+                            <p:stCondLst>
+                              <p:cond delay="0"/>
+                            </p:stCondLst>
+                            <p:childTnLst>
+                              <p:par>
+                                <p:cTn id="53" presetID="10" presetClass="entr" presetSubtype="0" fill="hold" grpId="0" nodeType="afterEffect">
+                                  <p:stCondLst>
+                                    <p:cond delay="0"/>
+                                  </p:stCondLst>
+                                  <p:childTnLst>
+                                    <p:set>
+                                      <p:cBhvr>
+                                        <p:cTn id="54" dur="1" fill="hold">
+                                          <p:stCondLst>
+                                            <p:cond delay="0"/>
+                                          </p:stCondLst>
+                                        </p:cTn>
+                                        <p:tgtEl>
+                                          <p:spTgt spid="26"/>
+                                        </p:tgtEl>
+                                        <p:attrNameLst>
+                                          <p:attrName>style.visibility</p:attrName>
+                                        </p:attrNameLst>
+                                      </p:cBhvr>
+                                      <p:to>
+                                        <p:strVal val="visible"/>
+                                      </p:to>
+                                    </p:set>
+                                    <p:animEffect transition="in" filter="fade">
+                                      <p:cBhvr>
+                                        <p:cTn id="55" dur="2500"/>
+                                        <p:tgtEl>
+                                          <p:spTgt spid="26"/>
+                                        </p:tgtEl>
+                                      </p:cBhvr>
+                                    </p:animEffect>
+                                  </p:childTnLst>
+                                </p:cTn>
+                              </p:par>
+                            </p:childTnLst>
+                          </p:cTn>
+                        </p:par>
+                        <p:par>
+                          <p:cTn id="56" fill="hold">
+                            <p:stCondLst>
+                              <p:cond delay="2500"/>
+                            </p:stCondLst>
+                            <p:childTnLst>
+                              <p:par>
+                                <p:cTn id="57" presetID="10" presetClass="entr" presetSubtype="0" fill="hold" nodeType="afterEffect">
+                                  <p:stCondLst>
+                                    <p:cond delay="0"/>
+                                  </p:stCondLst>
+                                  <p:childTnLst>
+                                    <p:set>
+                                      <p:cBhvr>
+                                        <p:cTn id="58" dur="1" fill="hold">
+                                          <p:stCondLst>
+                                            <p:cond delay="0"/>
+                                          </p:stCondLst>
+                                        </p:cTn>
+                                        <p:tgtEl>
+                                          <p:spTgt spid="35"/>
+                                        </p:tgtEl>
+                                        <p:attrNameLst>
+                                          <p:attrName>style.visibility</p:attrName>
+                                        </p:attrNameLst>
+                                      </p:cBhvr>
+                                      <p:to>
+                                        <p:strVal val="visible"/>
+                                      </p:to>
+                                    </p:set>
+                                    <p:animEffect transition="in" filter="fade">
+                                      <p:cBhvr>
+                                        <p:cTn id="59" dur="2500"/>
+                                        <p:tgtEl>
+                                          <p:spTgt spid="35"/>
+                                        </p:tgtEl>
+                                      </p:cBhvr>
+                                    </p:animEffect>
+                                  </p:childTnLst>
+                                </p:cTn>
+                              </p:par>
+                            </p:childTnLst>
+                          </p:cTn>
+                        </p:par>
+                      </p:childTnLst>
+                    </p:cTn>
+                  </p:par>
+                </p:childTnLst>
+              </p:cTn>
+              <p:prevCondLst>
+                <p:cond evt="onPrev" delay="0">
+                  <p:tgtEl>
+                    <p:sldTgt/>
+                  </p:tgtEl>
+                </p:cond>
+              </p:prevCondLst>
+              <p:nextCondLst>
+                <p:cond evt="onNext" delay="0">
+                  <p:tgtEl>
+                    <p:sldTgt/>
+                  </p:tgtEl>
+                </p:cond>
+              </p:nextCondLst>
+            </p:seq>
+          </p:childTnLst>
+        </p:cTn>
+      </p:par>
+    </p:tnLst>
+    <p:bldLst>
+      <p:bldP spid="9" grpId="0"/>
+      <p:bldP spid="10" grpId="0"/>
+      <p:bldP spid="11" grpId="0"/>
+      <p:bldP spid="12" grpId="0"/>
+      <p:bldP spid="13" grpId="0"/>
+      <p:bldP spid="13" grpId="1"/>
+      <p:bldP spid="19" grpId="0"/>
+      <p:bldP spid="20" grpId="0"/>
+      <p:bldP spid="22" grpId="0"/>
+      <p:bldP spid="25" grpId="0" animBg="1"/>
+      <p:bldP spid="26" grpId="0"/>
+    </p:bldLst>
+  </p:timing>
+</p:sld>
+</file>
+
+<file path=ppt/slides/slide4.xml><?xml version="1.0" encoding="utf-8"?>
+<p:sld xmlns:a="http://schemas.openxmlformats.org/drawingml/2006/main" xmlns:r="http://schemas.openxmlformats.org/officeDocument/2006/relationships" xmlns:p="http://schemas.openxmlformats.org/presentationml/2006/main">
+  <p:cSld>
+    <p:spTree>
+      <p:nvGrpSpPr>
+        <p:cNvPr id="1" name=""/>
+        <p:cNvGrpSpPr/>
+        <p:nvPr/>
+      </p:nvGrpSpPr>
+      <p:grpSpPr>
+        <a:xfrm>
+          <a:off x="0" y="0"/>
+          <a:ext cx="0" cy="0"/>
+          <a:chOff x="0" y="0"/>
+          <a:chExt cx="0" cy="0"/>
+        </a:xfrm>
+      </p:grpSpPr>
+      <p:pic>
+        <p:nvPicPr>
+          <p:cNvPr id="19" name="Content Placeholder 18"/>
+          <p:cNvPicPr>
+            <a:picLocks noGrp="1" noChangeAspect="1"/>
+          </p:cNvPicPr>
+          <p:nvPr>
+            <p:ph idx="1"/>
+          </p:nvPr>
+        </p:nvPicPr>
+        <p:blipFill>
+          <a:blip r:embed="rId2">
+            <a:extLst>
+              <a:ext uri="{28A0092B-C50C-407E-A947-70E740481C1C}">
+                <a14:useLocalDpi xmlns:a14="http://schemas.microsoft.com/office/drawing/2010/main" val="0"/>
+              </a:ext>
+            </a:extLst>
+          </a:blip>
+          <a:stretch>
+            <a:fillRect/>
+          </a:stretch>
+        </p:blipFill>
+        <p:spPr>
+          <a:xfrm>
+            <a:off x="6450155" y="3051089"/>
+            <a:ext cx="5132245" cy="2879813"/>
+          </a:xfrm>
+        </p:spPr>
+      </p:pic>
+      <p:sp>
+        <p:nvSpPr>
+          <p:cNvPr id="3" name="Title 2"/>
+          <p:cNvSpPr>
+            <a:spLocks noGrp="1"/>
+          </p:cNvSpPr>
+          <p:nvPr>
+            <p:ph type="title"/>
+          </p:nvPr>
+        </p:nvSpPr>
+        <p:spPr/>
+        <p:txBody>
+          <a:bodyPr/>
+          <a:lstStyle/>
+          <a:p>
+            <a:r>
+              <a:rPr lang="en-US" dirty="0" err="1" smtClean="0"/>
+              <a:t>Redes</a:t>
+            </a:r>
+            <a:r>
+              <a:rPr lang="en-US" dirty="0" smtClean="0"/>
+              <a:t> </a:t>
+            </a:r>
+            <a:r>
+              <a:rPr lang="en-US" dirty="0" err="1" smtClean="0"/>
+              <a:t>Neurais</a:t>
+            </a:r>
+            <a:r>
+              <a:rPr lang="en-US" dirty="0" smtClean="0"/>
+              <a:t> (</a:t>
+            </a:r>
+            <a:r>
+              <a:rPr lang="en-US" dirty="0" err="1" smtClean="0"/>
+              <a:t>arquitetura</a:t>
+            </a:r>
+            <a:r>
+              <a:rPr lang="en-US" dirty="0" smtClean="0"/>
+              <a:t>)</a:t>
+            </a:r>
+            <a:endParaRPr lang="en-US" dirty="0"/>
+          </a:p>
+        </p:txBody>
+      </p:sp>
+      <p:pic>
+        <p:nvPicPr>
+          <p:cNvPr id="12" name="Picture 11"/>
+          <p:cNvPicPr>
+            <a:picLocks noChangeAspect="1"/>
+          </p:cNvPicPr>
+          <p:nvPr/>
+        </p:nvPicPr>
+        <p:blipFill>
+          <a:blip r:embed="rId3">
+            <a:extLst>
+              <a:ext uri="{28A0092B-C50C-407E-A947-70E740481C1C}">
+                <a14:useLocalDpi xmlns:a14="http://schemas.microsoft.com/office/drawing/2010/main" val="0"/>
+              </a:ext>
+            </a:extLst>
+          </a:blip>
+          <a:stretch>
+            <a:fillRect/>
+          </a:stretch>
+        </p:blipFill>
+        <p:spPr>
+          <a:xfrm>
+            <a:off x="935230" y="3535173"/>
+            <a:ext cx="2299289" cy="1743972"/>
+          </a:xfrm>
+          <a:prstGeom prst="rect">
+            <a:avLst/>
+          </a:prstGeom>
+        </p:spPr>
+      </p:pic>
+      <p:pic>
+        <p:nvPicPr>
+          <p:cNvPr id="13" name="Picture 12"/>
+          <p:cNvPicPr>
+            <a:picLocks noChangeAspect="1"/>
+          </p:cNvPicPr>
+          <p:nvPr/>
+        </p:nvPicPr>
+        <p:blipFill>
+          <a:blip r:embed="rId4">
+            <a:extLst>
+              <a:ext uri="{28A0092B-C50C-407E-A947-70E740481C1C}">
+                <a14:useLocalDpi xmlns:a14="http://schemas.microsoft.com/office/drawing/2010/main" val="0"/>
+              </a:ext>
+            </a:extLst>
+          </a:blip>
+          <a:stretch>
+            <a:fillRect/>
+          </a:stretch>
+        </p:blipFill>
+        <p:spPr>
+          <a:xfrm>
+            <a:off x="650086" y="3603007"/>
+            <a:ext cx="353384" cy="1775980"/>
+          </a:xfrm>
+          <a:prstGeom prst="rect">
+            <a:avLst/>
+          </a:prstGeom>
+        </p:spPr>
+      </p:pic>
+      <p:pic>
+        <p:nvPicPr>
+          <p:cNvPr id="14" name="Picture 13"/>
+          <p:cNvPicPr>
+            <a:picLocks noChangeAspect="1"/>
+          </p:cNvPicPr>
+          <p:nvPr/>
+        </p:nvPicPr>
+        <p:blipFill>
+          <a:blip r:embed="rId5">
+            <a:extLst>
+              <a:ext uri="{28A0092B-C50C-407E-A947-70E740481C1C}">
+                <a14:useLocalDpi xmlns:a14="http://schemas.microsoft.com/office/drawing/2010/main" val="0"/>
+              </a:ext>
+            </a:extLst>
+          </a:blip>
+          <a:stretch>
+            <a:fillRect/>
+          </a:stretch>
+        </p:blipFill>
+        <p:spPr>
+          <a:xfrm>
+            <a:off x="3380405" y="3678071"/>
+            <a:ext cx="841734" cy="1625851"/>
+          </a:xfrm>
+          <a:prstGeom prst="rect">
+            <a:avLst/>
+          </a:prstGeom>
+        </p:spPr>
+      </p:pic>
+      <p:sp>
+        <p:nvSpPr>
+          <p:cNvPr id="15" name="TextBox 14"/>
+          <p:cNvSpPr txBox="1"/>
+          <p:nvPr/>
+        </p:nvSpPr>
+        <p:spPr>
+          <a:xfrm>
+            <a:off x="1397798" y="3753136"/>
+            <a:ext cx="466794" cy="369332"/>
+          </a:xfrm>
+          <a:prstGeom prst="rect">
+            <a:avLst/>
+          </a:prstGeom>
+          <a:noFill/>
+        </p:spPr>
+        <p:txBody>
+          <a:bodyPr wrap="none" rtlCol="0">
+            <a:spAutoFit/>
+          </a:bodyPr>
+          <a:lstStyle/>
+          <a:p>
+            <a:r>
+              <a:rPr lang="en-US" dirty="0" smtClean="0"/>
+              <a:t>w1</a:t>
+            </a:r>
+            <a:endParaRPr lang="en-US" dirty="0"/>
+          </a:p>
+        </p:txBody>
+      </p:sp>
+      <p:sp>
+        <p:nvSpPr>
+          <p:cNvPr id="16" name="TextBox 15"/>
+          <p:cNvSpPr txBox="1"/>
+          <p:nvPr/>
+        </p:nvSpPr>
+        <p:spPr>
+          <a:xfrm>
+            <a:off x="1452924" y="4909812"/>
+            <a:ext cx="466794" cy="369332"/>
+          </a:xfrm>
+          <a:prstGeom prst="rect">
+            <a:avLst/>
+          </a:prstGeom>
+          <a:noFill/>
+        </p:spPr>
+        <p:txBody>
+          <a:bodyPr wrap="none" rtlCol="0">
+            <a:spAutoFit/>
+          </a:bodyPr>
+          <a:lstStyle/>
+          <a:p>
+            <a:r>
+              <a:rPr lang="en-US" dirty="0" smtClean="0"/>
+              <a:t>w3</a:t>
+            </a:r>
+            <a:endParaRPr lang="en-US" dirty="0"/>
+          </a:p>
+        </p:txBody>
+      </p:sp>
+      <p:sp>
+        <p:nvSpPr>
+          <p:cNvPr id="17" name="TextBox 16"/>
+          <p:cNvSpPr txBox="1"/>
+          <p:nvPr/>
+        </p:nvSpPr>
+        <p:spPr>
+          <a:xfrm>
+            <a:off x="1384150" y="4396328"/>
+            <a:ext cx="466794" cy="369332"/>
+          </a:xfrm>
+          <a:prstGeom prst="rect">
+            <a:avLst/>
+          </a:prstGeom>
+          <a:noFill/>
+        </p:spPr>
+        <p:txBody>
+          <a:bodyPr wrap="none" rtlCol="0">
+            <a:spAutoFit/>
+          </a:bodyPr>
+          <a:lstStyle/>
+          <a:p>
+            <a:r>
+              <a:rPr lang="en-US" dirty="0" smtClean="0"/>
+              <a:t>w2</a:t>
+            </a:r>
+            <a:endParaRPr lang="en-US" dirty="0"/>
+          </a:p>
+        </p:txBody>
+      </p:sp>
+      <p:sp>
+        <p:nvSpPr>
+          <p:cNvPr id="18" name="TextBox 17"/>
+          <p:cNvSpPr txBox="1"/>
+          <p:nvPr/>
+        </p:nvSpPr>
+        <p:spPr>
+          <a:xfrm>
+            <a:off x="1674714" y="3479276"/>
+            <a:ext cx="306494" cy="369332"/>
+          </a:xfrm>
+          <a:prstGeom prst="rect">
+            <a:avLst/>
+          </a:prstGeom>
+          <a:noFill/>
+        </p:spPr>
+        <p:txBody>
+          <a:bodyPr wrap="none" rtlCol="0">
+            <a:spAutoFit/>
+          </a:bodyPr>
+          <a:lstStyle/>
+          <a:p>
+            <a:r>
+              <a:rPr lang="en-US" dirty="0" smtClean="0"/>
+              <a:t>b</a:t>
+            </a:r>
+            <a:endParaRPr lang="en-US" dirty="0"/>
+          </a:p>
+        </p:txBody>
+      </p:sp>
+      <p:sp>
+        <p:nvSpPr>
+          <p:cNvPr id="20" name="Right Arrow 19"/>
+          <p:cNvSpPr/>
+          <p:nvPr/>
+        </p:nvSpPr>
+        <p:spPr>
+          <a:xfrm>
+            <a:off x="4695206" y="4396328"/>
+            <a:ext cx="1400794" cy="369332"/>
+          </a:xfrm>
+          <a:prstGeom prst="rightArrow">
+            <a:avLst/>
+          </a:prstGeom>
+          <a:solidFill>
+            <a:schemeClr val="bg1"/>
+          </a:solidFill>
+          <a:ln>
+            <a:solidFill>
+              <a:schemeClr val="tx1"/>
+            </a:solidFill>
+          </a:ln>
+        </p:spPr>
+        <p:style>
+          <a:lnRef idx="2">
+            <a:schemeClr val="accent1">
+              <a:shade val="50000"/>
+            </a:schemeClr>
+          </a:lnRef>
+          <a:fillRef idx="1">
+            <a:schemeClr val="accent1"/>
+          </a:fillRef>
+          <a:effectRef idx="0">
+            <a:schemeClr val="accent1"/>
+          </a:effectRef>
+          <a:fontRef idx="minor">
+            <a:schemeClr val="lt1"/>
+          </a:fontRef>
+        </p:style>
+        <p:txBody>
+          <a:bodyPr rtlCol="0" anchor="ctr"/>
+          <a:lstStyle/>
+          <a:p>
+            <a:pPr algn="ctr"/>
+            <a:endParaRPr lang="en-US"/>
+          </a:p>
+        </p:txBody>
+      </p:sp>
+    </p:spTree>
+    <p:extLst>
+      <p:ext uri="{BB962C8B-B14F-4D97-AF65-F5344CB8AC3E}">
+        <p14:creationId xmlns:p14="http://schemas.microsoft.com/office/powerpoint/2010/main" val="2907720886"/>
+      </p:ext>
+    </p:extLst>
+  </p:cSld>
+  <p:clrMapOvr>
+    <a:masterClrMapping/>
+  </p:clrMapOvr>
+  <p:transition spd="slow">
+    <p:fade/>
+  </p:transition>
+  <p:timing>
+    <p:tnLst>
+      <p:par>
+        <p:cTn id="1" dur="indefinite" restart="never" nodeType="tmRoot">
+          <p:childTnLst>
+            <p:seq concurrent="1" nextAc="seek">
+              <p:cTn id="2" dur="indefinite" nodeType="mainSeq">
+                <p:childTnLst>
+                  <p:par>
+                    <p:cTn id="3" fill="hold">
+                      <p:stCondLst>
+                        <p:cond delay="indefinite"/>
+                        <p:cond evt="onBegin" delay="0">
+                          <p:tn val="2"/>
+                        </p:cond>
+                      </p:stCondLst>
+                      <p:childTnLst>
+                        <p:par>
+                          <p:cTn id="4" fill="hold">
+                            <p:stCondLst>
+                              <p:cond delay="0"/>
+                            </p:stCondLst>
+                            <p:childTnLst>
+                              <p:par>
+                                <p:cTn id="5" presetID="1" presetClass="entr" presetSubtype="0" fill="hold" grpId="0" nodeType="afterEffect">
+                                  <p:stCondLst>
+                                    <p:cond delay="0"/>
+                                  </p:stCondLst>
+                                  <p:childTnLst>
+                                    <p:set>
+                                      <p:cBhvr>
+                                        <p:cTn id="6" dur="1" fill="hold">
+                                          <p:stCondLst>
+                                            <p:cond delay="0"/>
+                                          </p:stCondLst>
+                                        </p:cTn>
+                                        <p:tgtEl>
+                                          <p:spTgt spid="20"/>
+                                        </p:tgtEl>
+                                        <p:attrNameLst>
+                                          <p:attrName>style.visibility</p:attrName>
+                                        </p:attrNameLst>
+                                      </p:cBhvr>
+                                      <p:to>
+                                        <p:strVal val="visible"/>
+                                      </p:to>
+                                    </p:set>
+                                  </p:childTnLst>
+                                </p:cTn>
+                              </p:par>
+                            </p:childTnLst>
+                          </p:cTn>
+                        </p:par>
+                      </p:childTnLst>
+                    </p:cTn>
+                  </p:par>
+                  <p:par>
+                    <p:cTn id="7" fill="hold">
+                      <p:stCondLst>
+                        <p:cond delay="indefinite"/>
+                      </p:stCondLst>
+                      <p:childTnLst>
+                        <p:par>
+                          <p:cTn id="8" fill="hold">
+                            <p:stCondLst>
+                              <p:cond delay="0"/>
+                            </p:stCondLst>
+                            <p:childTnLst>
+                              <p:par>
+                                <p:cTn id="9" presetID="10" presetClass="entr" presetSubtype="0" fill="hold" nodeType="clickEffect">
+                                  <p:stCondLst>
+                                    <p:cond delay="0"/>
+                                  </p:stCondLst>
+                                  <p:childTnLst>
+                                    <p:set>
+                                      <p:cBhvr>
+                                        <p:cTn id="10" dur="1" fill="hold">
+                                          <p:stCondLst>
+                                            <p:cond delay="0"/>
+                                          </p:stCondLst>
+                                        </p:cTn>
+                                        <p:tgtEl>
+                                          <p:spTgt spid="19"/>
+                                        </p:tgtEl>
+                                        <p:attrNameLst>
+                                          <p:attrName>style.visibility</p:attrName>
+                                        </p:attrNameLst>
+                                      </p:cBhvr>
+                                      <p:to>
+                                        <p:strVal val="visible"/>
+                                      </p:to>
+                                    </p:set>
+                                    <p:animEffect transition="in" filter="fade">
+                                      <p:cBhvr>
+                                        <p:cTn id="11" dur="4250"/>
+                                        <p:tgtEl>
+                                          <p:spTgt spid="19"/>
+                                        </p:tgtEl>
+                                      </p:cBhvr>
+                                    </p:animEffect>
+                                  </p:childTnLst>
+                                </p:cTn>
+                              </p:par>
+                            </p:childTnLst>
+                          </p:cTn>
+                        </p:par>
+                      </p:childTnLst>
+                    </p:cTn>
+                  </p:par>
+                </p:childTnLst>
+              </p:cTn>
+              <p:prevCondLst>
+                <p:cond evt="onPrev" delay="0">
+                  <p:tgtEl>
+                    <p:sldTgt/>
+                  </p:tgtEl>
+                </p:cond>
+              </p:prevCondLst>
+              <p:nextCondLst>
+                <p:cond evt="onNext" delay="0">
+                  <p:tgtEl>
+                    <p:sldTgt/>
+                  </p:tgtEl>
+                </p:cond>
+              </p:nextCondLst>
+            </p:seq>
+          </p:childTnLst>
+        </p:cTn>
+      </p:par>
+    </p:tnLst>
+    <p:bldLst>
+      <p:bldP spid="20" grpId="0" animBg="1"/>
+    </p:bldLst>
+  </p:timing>
+</p:sld>
+</file>
+
+<file path=ppt/slides/slide5.xml><?xml version="1.0" encoding="utf-8"?>
+<p:sld xmlns:a="http://schemas.openxmlformats.org/drawingml/2006/main" xmlns:r="http://schemas.openxmlformats.org/officeDocument/2006/relationships" xmlns:p="http://schemas.openxmlformats.org/presentationml/2006/main">
+  <p:cSld>
+    <p:spTree>
+      <p:nvGrpSpPr>
+        <p:cNvPr id="1" name=""/>
+        <p:cNvGrpSpPr/>
+        <p:nvPr/>
+      </p:nvGrpSpPr>
+      <p:grpSpPr>
+        <a:xfrm>
+          <a:off x="0" y="0"/>
+          <a:ext cx="0" cy="0"/>
+          <a:chOff x="0" y="0"/>
+          <a:chExt cx="0" cy="0"/>
+        </a:xfrm>
+      </p:grpSpPr>
+      <p:sp>
+        <p:nvSpPr>
           <p:cNvPr id="3" name="Content Placeholder 2"/>
           <p:cNvSpPr>
             <a:spLocks noGrp="1"/>
@@ -10874,7 +13943,7 @@
 </p:sld>
 </file>
 
-<file path=ppt/slides/slide4.xml><?xml version="1.0" encoding="utf-8"?>
+<file path=ppt/slides/slide6.xml><?xml version="1.0" encoding="utf-8"?>
 <p:sld xmlns:a="http://schemas.openxmlformats.org/drawingml/2006/main" xmlns:r="http://schemas.openxmlformats.org/officeDocument/2006/relationships" xmlns:p="http://schemas.openxmlformats.org/presentationml/2006/main">
   <p:cSld>
     <p:spTree>
@@ -11469,7 +14538,716 @@
 </p:sld>
 </file>
 
-<file path=ppt/slides/slide5.xml><?xml version="1.0" encoding="utf-8"?>
+<file path=ppt/slides/slide7.xml><?xml version="1.0" encoding="utf-8"?>
+<p:sld xmlns:a="http://schemas.openxmlformats.org/drawingml/2006/main" xmlns:r="http://schemas.openxmlformats.org/officeDocument/2006/relationships" xmlns:p="http://schemas.openxmlformats.org/presentationml/2006/main">
+  <p:cSld>
+    <p:spTree>
+      <p:nvGrpSpPr>
+        <p:cNvPr id="1" name=""/>
+        <p:cNvGrpSpPr/>
+        <p:nvPr/>
+      </p:nvGrpSpPr>
+      <p:grpSpPr>
+        <a:xfrm>
+          <a:off x="0" y="0"/>
+          <a:ext cx="0" cy="0"/>
+          <a:chOff x="0" y="0"/>
+          <a:chExt cx="0" cy="0"/>
+        </a:xfrm>
+      </p:grpSpPr>
+      <p:pic>
+        <p:nvPicPr>
+          <p:cNvPr id="4" name="Content Placeholder 3"/>
+          <p:cNvPicPr>
+            <a:picLocks noGrp="1" noChangeAspect="1"/>
+          </p:cNvPicPr>
+          <p:nvPr>
+            <p:ph idx="1"/>
+          </p:nvPr>
+        </p:nvPicPr>
+        <p:blipFill>
+          <a:blip r:embed="rId2">
+            <a:extLst>
+              <a:ext uri="{28A0092B-C50C-407E-A947-70E740481C1C}">
+                <a14:useLocalDpi xmlns:a14="http://schemas.microsoft.com/office/drawing/2010/main" val="0"/>
+              </a:ext>
+            </a:extLst>
+          </a:blip>
+          <a:stretch>
+            <a:fillRect/>
+          </a:stretch>
+        </p:blipFill>
+        <p:spPr>
+          <a:xfrm>
+            <a:off x="352618" y="3118643"/>
+            <a:ext cx="5372566" cy="2804403"/>
+          </a:xfrm>
+        </p:spPr>
+      </p:pic>
+      <p:sp>
+        <p:nvSpPr>
+          <p:cNvPr id="3" name="Title 2"/>
+          <p:cNvSpPr>
+            <a:spLocks noGrp="1"/>
+          </p:cNvSpPr>
+          <p:nvPr>
+            <p:ph type="title"/>
+          </p:nvPr>
+        </p:nvSpPr>
+        <p:spPr/>
+        <p:txBody>
+          <a:bodyPr/>
+          <a:lstStyle/>
+          <a:p>
+            <a:r>
+              <a:rPr lang="en-US" dirty="0" smtClean="0"/>
+              <a:t>O que </a:t>
+            </a:r>
+            <a:r>
+              <a:rPr lang="en-US" dirty="0" err="1" smtClean="0"/>
+              <a:t>muda</a:t>
+            </a:r>
+            <a:r>
+              <a:rPr lang="en-US" dirty="0" smtClean="0"/>
+              <a:t> </a:t>
+            </a:r>
+            <a:r>
+              <a:rPr lang="en-US" dirty="0" err="1" smtClean="0"/>
+              <a:t>nas</a:t>
+            </a:r>
+            <a:r>
+              <a:rPr lang="en-US" dirty="0" smtClean="0"/>
+              <a:t> </a:t>
+            </a:r>
+            <a:r>
+              <a:rPr lang="en-US" dirty="0" err="1" smtClean="0"/>
+              <a:t>redes</a:t>
+            </a:r>
+            <a:r>
+              <a:rPr lang="en-US" dirty="0" smtClean="0"/>
+              <a:t> </a:t>
+            </a:r>
+            <a:r>
+              <a:rPr lang="en-US" dirty="0" err="1" smtClean="0"/>
+              <a:t>convolucionais</a:t>
+            </a:r>
+            <a:endParaRPr lang="en-US" dirty="0"/>
+          </a:p>
+        </p:txBody>
+      </p:sp>
+      <p:cxnSp>
+        <p:nvCxnSpPr>
+          <p:cNvPr id="6" name="Straight Connector 5"/>
+          <p:cNvCxnSpPr/>
+          <p:nvPr/>
+        </p:nvCxnSpPr>
+        <p:spPr>
+          <a:xfrm>
+            <a:off x="689160" y="2797792"/>
+            <a:ext cx="4763172" cy="3630304"/>
+          </a:xfrm>
+          <a:prstGeom prst="line">
+            <a:avLst/>
+          </a:prstGeom>
+          <a:ln w="38100">
+            <a:solidFill>
+              <a:schemeClr val="accent6"/>
+            </a:solidFill>
+          </a:ln>
+        </p:spPr>
+        <p:style>
+          <a:lnRef idx="3">
+            <a:schemeClr val="accent2"/>
+          </a:lnRef>
+          <a:fillRef idx="0">
+            <a:schemeClr val="accent2"/>
+          </a:fillRef>
+          <a:effectRef idx="2">
+            <a:schemeClr val="accent2"/>
+          </a:effectRef>
+          <a:fontRef idx="minor">
+            <a:schemeClr val="tx1"/>
+          </a:fontRef>
+        </p:style>
+      </p:cxnSp>
+      <p:cxnSp>
+        <p:nvCxnSpPr>
+          <p:cNvPr id="8" name="Straight Connector 7"/>
+          <p:cNvCxnSpPr/>
+          <p:nvPr/>
+        </p:nvCxnSpPr>
+        <p:spPr>
+          <a:xfrm flipV="1">
+            <a:off x="609600" y="2797792"/>
+            <a:ext cx="4412776" cy="3630304"/>
+          </a:xfrm>
+          <a:prstGeom prst="line">
+            <a:avLst/>
+          </a:prstGeom>
+          <a:ln w="38100">
+            <a:solidFill>
+              <a:schemeClr val="accent6"/>
+            </a:solidFill>
+          </a:ln>
+        </p:spPr>
+        <p:style>
+          <a:lnRef idx="1">
+            <a:schemeClr val="accent1"/>
+          </a:lnRef>
+          <a:fillRef idx="0">
+            <a:schemeClr val="accent1"/>
+          </a:fillRef>
+          <a:effectRef idx="0">
+            <a:schemeClr val="accent1"/>
+          </a:effectRef>
+          <a:fontRef idx="minor">
+            <a:schemeClr val="tx1"/>
+          </a:fontRef>
+        </p:style>
+      </p:cxnSp>
+      <p:sp>
+        <p:nvSpPr>
+          <p:cNvPr id="11" name="Content Placeholder 2"/>
+          <p:cNvSpPr txBox="1">
+            <a:spLocks/>
+          </p:cNvSpPr>
+          <p:nvPr/>
+        </p:nvSpPr>
+        <p:spPr>
+          <a:xfrm>
+            <a:off x="6155140" y="2811438"/>
+            <a:ext cx="5427260" cy="3763097"/>
+          </a:xfrm>
+          <a:prstGeom prst="rect">
+            <a:avLst/>
+          </a:prstGeom>
+        </p:spPr>
+        <p:txBody>
+          <a:bodyPr vert="horz">
+            <a:normAutofit/>
+          </a:bodyPr>
+          <a:lstStyle>
+            <a:lvl1pPr marL="365760" indent="-256032" algn="l" rtl="0" eaLnBrk="1" latinLnBrk="0" hangingPunct="1">
+              <a:spcBef>
+                <a:spcPts val="300"/>
+              </a:spcBef>
+              <a:buClr>
+                <a:schemeClr val="accent3"/>
+              </a:buClr>
+              <a:buFont typeface="Georgia"/>
+              <a:buChar char="•"/>
+              <a:defRPr kumimoji="0" sz="2800" kern="1200">
+                <a:solidFill>
+                  <a:schemeClr val="tx2"/>
+                </a:solidFill>
+                <a:latin typeface="+mn-lt"/>
+                <a:ea typeface="+mn-ea"/>
+                <a:cs typeface="+mn-cs"/>
+              </a:defRPr>
+            </a:lvl1pPr>
+            <a:lvl2pPr marL="658368" indent="-246888" algn="l" rtl="0" eaLnBrk="1" latinLnBrk="0" hangingPunct="1">
+              <a:spcBef>
+                <a:spcPts val="300"/>
+              </a:spcBef>
+              <a:buClr>
+                <a:schemeClr val="accent2"/>
+              </a:buClr>
+              <a:buFont typeface="Georgia"/>
+              <a:buChar char="▫"/>
+              <a:defRPr kumimoji="0" sz="2600" kern="1200">
+                <a:solidFill>
+                  <a:schemeClr val="tx2"/>
+                </a:solidFill>
+                <a:latin typeface="+mn-lt"/>
+                <a:ea typeface="+mn-ea"/>
+                <a:cs typeface="+mn-cs"/>
+              </a:defRPr>
+            </a:lvl2pPr>
+            <a:lvl3pPr marL="923544" indent="-219456" algn="l" rtl="0" eaLnBrk="1" latinLnBrk="0" hangingPunct="1">
+              <a:spcBef>
+                <a:spcPts val="300"/>
+              </a:spcBef>
+              <a:buClr>
+                <a:schemeClr val="accent1"/>
+              </a:buClr>
+              <a:buFont typeface="Wingdings 2" panose="05020102010507070707" pitchFamily="18" charset="2"/>
+              <a:buChar char=""/>
+              <a:defRPr kumimoji="0" sz="2400" kern="1200">
+                <a:solidFill>
+                  <a:schemeClr val="tx2"/>
+                </a:solidFill>
+                <a:latin typeface="+mn-lt"/>
+                <a:ea typeface="+mn-ea"/>
+                <a:cs typeface="+mn-cs"/>
+              </a:defRPr>
+            </a:lvl3pPr>
+            <a:lvl4pPr marL="1179576" indent="-201168" algn="l" rtl="0" eaLnBrk="1" latinLnBrk="0" hangingPunct="1">
+              <a:spcBef>
+                <a:spcPts val="300"/>
+              </a:spcBef>
+              <a:buClr>
+                <a:schemeClr val="accent1"/>
+              </a:buClr>
+              <a:buFont typeface="Wingdings 2" panose="05020102010507070707" pitchFamily="18" charset="2"/>
+              <a:buChar char=""/>
+              <a:defRPr kumimoji="0" sz="2200" kern="1200">
+                <a:solidFill>
+                  <a:schemeClr val="tx2"/>
+                </a:solidFill>
+                <a:latin typeface="+mn-lt"/>
+                <a:ea typeface="+mn-ea"/>
+                <a:cs typeface="+mn-cs"/>
+              </a:defRPr>
+            </a:lvl4pPr>
+            <a:lvl5pPr marL="1389888" indent="-182880" algn="l" rtl="0" eaLnBrk="1" latinLnBrk="0" hangingPunct="1">
+              <a:spcBef>
+                <a:spcPts val="300"/>
+              </a:spcBef>
+              <a:buClr>
+                <a:schemeClr val="accent1"/>
+              </a:buClr>
+              <a:buFont typeface="Wingdings 2" panose="05020102010507070707" pitchFamily="18" charset="2"/>
+              <a:buChar char=""/>
+              <a:defRPr kumimoji="0" sz="2000" kern="1200">
+                <a:solidFill>
+                  <a:schemeClr val="tx2"/>
+                </a:solidFill>
+                <a:latin typeface="+mn-lt"/>
+                <a:ea typeface="+mn-ea"/>
+                <a:cs typeface="+mn-cs"/>
+              </a:defRPr>
+            </a:lvl5pPr>
+            <a:lvl6pPr marL="1609344" indent="-182880" algn="l" rtl="0" eaLnBrk="1" latinLnBrk="0" hangingPunct="1">
+              <a:spcBef>
+                <a:spcPts val="300"/>
+              </a:spcBef>
+              <a:buClr>
+                <a:schemeClr val="accent1"/>
+              </a:buClr>
+              <a:buFont typeface="Wingdings 2" panose="05020102010507070707" pitchFamily="18" charset="2"/>
+              <a:buChar char=""/>
+              <a:defRPr kumimoji="0" sz="1800" kern="1200">
+                <a:solidFill>
+                  <a:schemeClr val="tx2"/>
+                </a:solidFill>
+                <a:latin typeface="+mn-lt"/>
+                <a:ea typeface="+mn-ea"/>
+                <a:cs typeface="+mn-cs"/>
+              </a:defRPr>
+            </a:lvl6pPr>
+            <a:lvl7pPr marL="1828800" indent="-182880" algn="l" rtl="0" eaLnBrk="1" latinLnBrk="0" hangingPunct="1">
+              <a:spcBef>
+                <a:spcPts val="300"/>
+              </a:spcBef>
+              <a:buClr>
+                <a:schemeClr val="accent1"/>
+              </a:buClr>
+              <a:buFont typeface="Wingdings 2" panose="05020102010507070707" pitchFamily="18" charset="2"/>
+              <a:buChar char=""/>
+              <a:defRPr kumimoji="0" sz="1600" kern="1200">
+                <a:solidFill>
+                  <a:schemeClr val="tx2"/>
+                </a:solidFill>
+                <a:latin typeface="+mn-lt"/>
+                <a:ea typeface="+mn-ea"/>
+                <a:cs typeface="+mn-cs"/>
+              </a:defRPr>
+            </a:lvl7pPr>
+            <a:lvl8pPr marL="2029968" indent="-182880" algn="l" rtl="0" eaLnBrk="1" latinLnBrk="0" hangingPunct="1">
+              <a:spcBef>
+                <a:spcPts val="300"/>
+              </a:spcBef>
+              <a:buClr>
+                <a:schemeClr val="accent1"/>
+              </a:buClr>
+              <a:buFont typeface="Wingdings 2" panose="05020102010507070707" pitchFamily="18" charset="2"/>
+              <a:buChar char=""/>
+              <a:defRPr kumimoji="0" sz="1500" kern="1200">
+                <a:solidFill>
+                  <a:schemeClr val="tx2"/>
+                </a:solidFill>
+                <a:latin typeface="+mn-lt"/>
+                <a:ea typeface="+mn-ea"/>
+                <a:cs typeface="+mn-cs"/>
+              </a:defRPr>
+            </a:lvl8pPr>
+            <a:lvl9pPr marL="2240280" indent="-182880" algn="l" rtl="0" eaLnBrk="1" latinLnBrk="0" hangingPunct="1">
+              <a:spcBef>
+                <a:spcPts val="300"/>
+              </a:spcBef>
+              <a:buClr>
+                <a:schemeClr val="accent1"/>
+              </a:buClr>
+              <a:buFont typeface="Wingdings 2" panose="05020102010507070707" pitchFamily="18" charset="2"/>
+              <a:buChar char=""/>
+              <a:defRPr kumimoji="0" sz="1400" kern="1200" baseline="0">
+                <a:solidFill>
+                  <a:schemeClr val="tx2"/>
+                </a:solidFill>
+                <a:latin typeface="+mn-lt"/>
+                <a:ea typeface="+mn-ea"/>
+                <a:cs typeface="+mn-cs"/>
+              </a:defRPr>
+            </a:lvl9pPr>
+          </a:lstStyle>
+          <a:p>
+            <a:r>
+              <a:rPr lang="en-US" dirty="0" err="1" smtClean="0"/>
+              <a:t>Problema</a:t>
+            </a:r>
+            <a:r>
+              <a:rPr lang="en-US" dirty="0" smtClean="0"/>
+              <a:t>?</a:t>
+            </a:r>
+          </a:p>
+          <a:p>
+            <a:pPr lvl="1"/>
+            <a:r>
+              <a:rPr lang="en-US" dirty="0" smtClean="0"/>
+              <a:t>Pixels que </a:t>
+            </a:r>
+            <a:r>
+              <a:rPr lang="en-US" dirty="0" err="1" smtClean="0"/>
+              <a:t>estão</a:t>
+            </a:r>
+            <a:r>
+              <a:rPr lang="en-US" dirty="0" smtClean="0"/>
+              <a:t> </a:t>
+            </a:r>
+            <a:r>
+              <a:rPr lang="en-US" dirty="0" err="1" smtClean="0"/>
+              <a:t>próximos</a:t>
+            </a:r>
+            <a:r>
+              <a:rPr lang="en-US" dirty="0" smtClean="0"/>
+              <a:t> e </a:t>
+            </a:r>
+            <a:r>
+              <a:rPr lang="en-US" dirty="0" err="1" smtClean="0"/>
+              <a:t>distantes</a:t>
+            </a:r>
+            <a:r>
+              <a:rPr lang="en-US" dirty="0" smtClean="0"/>
+              <a:t> </a:t>
+            </a:r>
+            <a:r>
+              <a:rPr lang="en-US" dirty="0" err="1" smtClean="0"/>
+              <a:t>são</a:t>
+            </a:r>
+            <a:r>
+              <a:rPr lang="en-US" dirty="0" smtClean="0"/>
+              <a:t> </a:t>
+            </a:r>
+            <a:r>
+              <a:rPr lang="en-US" dirty="0" err="1" smtClean="0"/>
+              <a:t>tratados</a:t>
+            </a:r>
+            <a:r>
+              <a:rPr lang="en-US" dirty="0" smtClean="0"/>
+              <a:t> </a:t>
+            </a:r>
+            <a:r>
+              <a:rPr lang="en-US" dirty="0" err="1" smtClean="0"/>
+              <a:t>juntos</a:t>
+            </a:r>
+            <a:r>
+              <a:rPr lang="en-US" dirty="0" smtClean="0"/>
+              <a:t>;</a:t>
+            </a:r>
+          </a:p>
+          <a:p>
+            <a:r>
+              <a:rPr lang="en-US" dirty="0" err="1" smtClean="0"/>
+              <a:t>Por</a:t>
+            </a:r>
+            <a:r>
+              <a:rPr lang="en-US" dirty="0" smtClean="0"/>
+              <a:t> que </a:t>
+            </a:r>
+            <a:r>
+              <a:rPr lang="en-US" dirty="0" err="1" smtClean="0"/>
+              <a:t>não</a:t>
+            </a:r>
+            <a:r>
+              <a:rPr lang="en-US" dirty="0" smtClean="0"/>
+              <a:t> </a:t>
+            </a:r>
+            <a:r>
+              <a:rPr lang="en-US" dirty="0" err="1" smtClean="0"/>
+              <a:t>tirar</a:t>
+            </a:r>
+            <a:r>
+              <a:rPr lang="en-US" dirty="0" smtClean="0"/>
+              <a:t> vantage da </a:t>
+            </a:r>
+            <a:r>
+              <a:rPr lang="en-US" dirty="0" err="1" smtClean="0"/>
+              <a:t>estrutura</a:t>
+            </a:r>
+            <a:r>
+              <a:rPr lang="en-US" dirty="0" smtClean="0"/>
+              <a:t> especial das </a:t>
+            </a:r>
+            <a:r>
+              <a:rPr lang="en-US" dirty="0" err="1" smtClean="0"/>
+              <a:t>imagens</a:t>
+            </a:r>
+            <a:r>
+              <a:rPr lang="en-US" dirty="0" smtClean="0"/>
+              <a:t>?</a:t>
+            </a:r>
+            <a:endParaRPr lang="en-US" dirty="0"/>
+          </a:p>
+        </p:txBody>
+      </p:sp>
+    </p:spTree>
+    <p:extLst>
+      <p:ext uri="{BB962C8B-B14F-4D97-AF65-F5344CB8AC3E}">
+        <p14:creationId xmlns:p14="http://schemas.microsoft.com/office/powerpoint/2010/main" val="795166481"/>
+      </p:ext>
+    </p:extLst>
+  </p:cSld>
+  <p:clrMapOvr>
+    <a:masterClrMapping/>
+  </p:clrMapOvr>
+  <p:transition spd="slow">
+    <p:fade/>
+  </p:transition>
+  <p:timing>
+    <p:tnLst>
+      <p:par>
+        <p:cTn id="1" dur="indefinite" restart="never" nodeType="tmRoot">
+          <p:childTnLst>
+            <p:seq concurrent="1" nextAc="seek">
+              <p:cTn id="2" dur="indefinite" nodeType="mainSeq">
+                <p:childTnLst>
+                  <p:par>
+                    <p:cTn id="3" fill="hold">
+                      <p:stCondLst>
+                        <p:cond delay="indefinite"/>
+                      </p:stCondLst>
+                      <p:childTnLst>
+                        <p:par>
+                          <p:cTn id="4" fill="hold">
+                            <p:stCondLst>
+                              <p:cond delay="0"/>
+                            </p:stCondLst>
+                            <p:childTnLst>
+                              <p:par>
+                                <p:cTn id="5" presetID="1" presetClass="entr" presetSubtype="0" fill="hold" nodeType="clickEffect">
+                                  <p:stCondLst>
+                                    <p:cond delay="0"/>
+                                  </p:stCondLst>
+                                  <p:childTnLst>
+                                    <p:set>
+                                      <p:cBhvr>
+                                        <p:cTn id="6" dur="1" fill="hold">
+                                          <p:stCondLst>
+                                            <p:cond delay="0"/>
+                                          </p:stCondLst>
+                                        </p:cTn>
+                                        <p:tgtEl>
+                                          <p:spTgt spid="8"/>
+                                        </p:tgtEl>
+                                        <p:attrNameLst>
+                                          <p:attrName>style.visibility</p:attrName>
+                                        </p:attrNameLst>
+                                      </p:cBhvr>
+                                      <p:to>
+                                        <p:strVal val="visible"/>
+                                      </p:to>
+                                    </p:set>
+                                  </p:childTnLst>
+                                </p:cTn>
+                              </p:par>
+                              <p:par>
+                                <p:cTn id="7" presetID="1" presetClass="entr" presetSubtype="0" fill="hold" nodeType="withEffect">
+                                  <p:stCondLst>
+                                    <p:cond delay="0"/>
+                                  </p:stCondLst>
+                                  <p:childTnLst>
+                                    <p:set>
+                                      <p:cBhvr>
+                                        <p:cTn id="8" dur="1" fill="hold">
+                                          <p:stCondLst>
+                                            <p:cond delay="0"/>
+                                          </p:stCondLst>
+                                        </p:cTn>
+                                        <p:tgtEl>
+                                          <p:spTgt spid="8"/>
+                                        </p:tgtEl>
+                                        <p:attrNameLst>
+                                          <p:attrName>style.visibility</p:attrName>
+                                        </p:attrNameLst>
+                                      </p:cBhvr>
+                                      <p:to>
+                                        <p:strVal val="visible"/>
+                                      </p:to>
+                                    </p:set>
+                                  </p:childTnLst>
+                                </p:cTn>
+                              </p:par>
+                            </p:childTnLst>
+                          </p:cTn>
+                        </p:par>
+                      </p:childTnLst>
+                    </p:cTn>
+                  </p:par>
+                  <p:par>
+                    <p:cTn id="9" fill="hold">
+                      <p:stCondLst>
+                        <p:cond delay="indefinite"/>
+                      </p:stCondLst>
+                      <p:childTnLst>
+                        <p:par>
+                          <p:cTn id="10" fill="hold">
+                            <p:stCondLst>
+                              <p:cond delay="0"/>
+                            </p:stCondLst>
+                            <p:childTnLst>
+                              <p:par>
+                                <p:cTn id="11" presetID="1" presetClass="entr" presetSubtype="0" fill="hold" nodeType="clickEffect">
+                                  <p:stCondLst>
+                                    <p:cond delay="0"/>
+                                  </p:stCondLst>
+                                  <p:childTnLst>
+                                    <p:set>
+                                      <p:cBhvr>
+                                        <p:cTn id="12" dur="1" fill="hold">
+                                          <p:stCondLst>
+                                            <p:cond delay="0"/>
+                                          </p:stCondLst>
+                                        </p:cTn>
+                                        <p:tgtEl>
+                                          <p:spTgt spid="11">
+                                            <p:txEl>
+                                              <p:pRg st="0" end="0"/>
+                                            </p:txEl>
+                                          </p:spTgt>
+                                        </p:tgtEl>
+                                        <p:attrNameLst>
+                                          <p:attrName>style.visibility</p:attrName>
+                                        </p:attrNameLst>
+                                      </p:cBhvr>
+                                      <p:to>
+                                        <p:strVal val="visible"/>
+                                      </p:to>
+                                    </p:set>
+                                  </p:childTnLst>
+                                </p:cTn>
+                              </p:par>
+                              <p:par>
+                                <p:cTn id="13" presetID="1" presetClass="entr" presetSubtype="0" fill="hold" nodeType="withEffect">
+                                  <p:stCondLst>
+                                    <p:cond delay="0"/>
+                                  </p:stCondLst>
+                                  <p:childTnLst>
+                                    <p:set>
+                                      <p:cBhvr>
+                                        <p:cTn id="14" dur="1" fill="hold">
+                                          <p:stCondLst>
+                                            <p:cond delay="0"/>
+                                          </p:stCondLst>
+                                        </p:cTn>
+                                        <p:tgtEl>
+                                          <p:spTgt spid="11">
+                                            <p:txEl>
+                                              <p:pRg st="1" end="1"/>
+                                            </p:txEl>
+                                          </p:spTgt>
+                                        </p:tgtEl>
+                                        <p:attrNameLst>
+                                          <p:attrName>style.visibility</p:attrName>
+                                        </p:attrNameLst>
+                                      </p:cBhvr>
+                                      <p:to>
+                                        <p:strVal val="visible"/>
+                                      </p:to>
+                                    </p:set>
+                                  </p:childTnLst>
+                                </p:cTn>
+                              </p:par>
+                            </p:childTnLst>
+                          </p:cTn>
+                        </p:par>
+                      </p:childTnLst>
+                    </p:cTn>
+                  </p:par>
+                  <p:par>
+                    <p:cTn id="15" fill="hold">
+                      <p:stCondLst>
+                        <p:cond delay="indefinite"/>
+                      </p:stCondLst>
+                      <p:childTnLst>
+                        <p:par>
+                          <p:cTn id="16" fill="hold">
+                            <p:stCondLst>
+                              <p:cond delay="0"/>
+                            </p:stCondLst>
+                            <p:childTnLst>
+                              <p:par>
+                                <p:cTn id="17" presetID="1" presetClass="entr" presetSubtype="0" fill="hold" nodeType="clickEffect">
+                                  <p:stCondLst>
+                                    <p:cond delay="0"/>
+                                  </p:stCondLst>
+                                  <p:childTnLst>
+                                    <p:set>
+                                      <p:cBhvr>
+                                        <p:cTn id="18" dur="1" fill="hold">
+                                          <p:stCondLst>
+                                            <p:cond delay="0"/>
+                                          </p:stCondLst>
+                                        </p:cTn>
+                                        <p:tgtEl>
+                                          <p:spTgt spid="11">
+                                            <p:txEl>
+                                              <p:pRg st="2" end="2"/>
+                                            </p:txEl>
+                                          </p:spTgt>
+                                        </p:tgtEl>
+                                        <p:attrNameLst>
+                                          <p:attrName>style.visibility</p:attrName>
+                                        </p:attrNameLst>
+                                      </p:cBhvr>
+                                      <p:to>
+                                        <p:strVal val="visible"/>
+                                      </p:to>
+                                    </p:set>
+                                  </p:childTnLst>
+                                </p:cTn>
+                              </p:par>
+                            </p:childTnLst>
+                          </p:cTn>
+                        </p:par>
+                      </p:childTnLst>
+                    </p:cTn>
+                  </p:par>
+                </p:childTnLst>
+              </p:cTn>
+              <p:prevCondLst>
+                <p:cond evt="onPrev" delay="0">
+                  <p:tgtEl>
+                    <p:sldTgt/>
+                  </p:tgtEl>
+                </p:cond>
+              </p:prevCondLst>
+              <p:nextCondLst>
+                <p:cond evt="onNext" delay="0">
+                  <p:tgtEl>
+                    <p:sldTgt/>
+                  </p:tgtEl>
+                </p:cond>
+              </p:nextCondLst>
+            </p:seq>
+          </p:childTnLst>
+        </p:cTn>
+      </p:par>
+    </p:tnLst>
+  </p:timing>
+</p:sld>
+</file>
+
+<file path=ppt/slides/slide8.xml><?xml version="1.0" encoding="utf-8"?>
 <p:sld xmlns:a="http://schemas.openxmlformats.org/drawingml/2006/main" xmlns:r="http://schemas.openxmlformats.org/officeDocument/2006/relationships" xmlns:p="http://schemas.openxmlformats.org/presentationml/2006/main">
   <p:cSld>
     <p:bg>
@@ -12044,8 +15822,20 @@
           <a:lstStyle/>
           <a:p>
             <a:r>
+              <a:rPr lang="en-US" dirty="0" smtClean="0"/>
+              <a:t>Como </a:t>
+            </a:r>
+            <a:r>
               <a:rPr lang="en-US" dirty="0" err="1" smtClean="0"/>
-              <a:t>Convolução</a:t>
+              <a:t>funciona</a:t>
+            </a:r>
+            <a:r>
+              <a:rPr lang="en-US" dirty="0" smtClean="0"/>
+              <a:t> a </a:t>
+            </a:r>
+            <a:r>
+              <a:rPr lang="en-US" dirty="0" err="1" smtClean="0"/>
+              <a:t>convolução</a:t>
             </a:r>
             <a:endParaRPr lang="en-US" dirty="0"/>
           </a:p>
@@ -13393,7 +17183,7 @@
 </p:sld>
 </file>
 
-<file path=ppt/slides/slide6.xml><?xml version="1.0" encoding="utf-8"?>
+<file path=ppt/slides/slide9.xml><?xml version="1.0" encoding="utf-8"?>
 <p:sld xmlns:a="http://schemas.openxmlformats.org/drawingml/2006/main" xmlns:r="http://schemas.openxmlformats.org/officeDocument/2006/relationships" xmlns:p="http://schemas.openxmlformats.org/presentationml/2006/main">
   <p:cSld>
     <p:spTree>
@@ -13493,370 +17283,6 @@
     <p:extLst>
       <p:ext uri="{BB962C8B-B14F-4D97-AF65-F5344CB8AC3E}">
         <p14:creationId xmlns:p14="http://schemas.microsoft.com/office/powerpoint/2010/main" val="513045465"/>
-      </p:ext>
-    </p:extLst>
-  </p:cSld>
-  <p:clrMapOvr>
-    <a:masterClrMapping/>
-  </p:clrMapOvr>
-  <p:transition spd="slow">
-    <p:fade/>
-  </p:transition>
-  <p:timing>
-    <p:tnLst>
-      <p:par>
-        <p:cTn id="1" dur="indefinite" restart="never" nodeType="tmRoot"/>
-      </p:par>
-    </p:tnLst>
-  </p:timing>
-</p:sld>
-</file>
-
-<file path=ppt/slides/slide7.xml><?xml version="1.0" encoding="utf-8"?>
-<p:sld xmlns:a="http://schemas.openxmlformats.org/drawingml/2006/main" xmlns:r="http://schemas.openxmlformats.org/officeDocument/2006/relationships" xmlns:p="http://schemas.openxmlformats.org/presentationml/2006/main">
-  <p:cSld>
-    <p:spTree>
-      <p:nvGrpSpPr>
-        <p:cNvPr id="1" name=""/>
-        <p:cNvGrpSpPr/>
-        <p:nvPr/>
-      </p:nvGrpSpPr>
-      <p:grpSpPr>
-        <a:xfrm>
-          <a:off x="0" y="0"/>
-          <a:ext cx="0" cy="0"/>
-          <a:chOff x="0" y="0"/>
-          <a:chExt cx="0" cy="0"/>
-        </a:xfrm>
-      </p:grpSpPr>
-      <p:graphicFrame>
-        <p:nvGraphicFramePr>
-          <p:cNvPr id="24" name="Content Placeholder 23" title="Costs of ROI Projections chart"/>
-          <p:cNvGraphicFramePr>
-            <a:graphicFrameLocks noGrp="1"/>
-          </p:cNvGraphicFramePr>
-          <p:nvPr>
-            <p:ph sz="half" idx="2"/>
-            <p:extLst>
-              <p:ext uri="{D42A27DB-BD31-4B8C-83A1-F6EECF244321}">
-                <p14:modId xmlns:p14="http://schemas.microsoft.com/office/powerpoint/2010/main" val="3726715043"/>
-              </p:ext>
-            </p:extLst>
-          </p:nvPr>
-        </p:nvGraphicFramePr>
-        <p:xfrm>
-          <a:off x="6197600" y="2249488"/>
-          <a:ext cx="5384800" cy="4341812"/>
-        </p:xfrm>
-        <a:graphic>
-          <a:graphicData uri="http://schemas.openxmlformats.org/drawingml/2006/chart">
-            <c:chart xmlns:c="http://schemas.openxmlformats.org/drawingml/2006/chart" xmlns:r="http://schemas.openxmlformats.org/officeDocument/2006/relationships" r:id="rId3"/>
-          </a:graphicData>
-        </a:graphic>
-      </p:graphicFrame>
-      <p:sp>
-        <p:nvSpPr>
-          <p:cNvPr id="12" name="Content Placeholder 11"/>
-          <p:cNvSpPr>
-            <a:spLocks noGrp="1"/>
-          </p:cNvSpPr>
-          <p:nvPr>
-            <p:ph sz="half" idx="1"/>
-          </p:nvPr>
-        </p:nvSpPr>
-        <p:spPr/>
-        <p:txBody>
-          <a:bodyPr/>
-          <a:lstStyle/>
-          <a:p>
-            <a:r>
-              <a:rPr lang="en-US" dirty="0"/>
-              <a:t>Costs</a:t>
-            </a:r>
-          </a:p>
-          <a:p>
-            <a:r>
-              <a:rPr lang="en-US" dirty="0" smtClean="0"/>
-              <a:t>ROI</a:t>
-            </a:r>
-            <a:endParaRPr lang="en-US" dirty="0"/>
-          </a:p>
-        </p:txBody>
-      </p:sp>
-      <p:sp>
-        <p:nvSpPr>
-          <p:cNvPr id="11" name="Title 10"/>
-          <p:cNvSpPr>
-            <a:spLocks noGrp="1"/>
-          </p:cNvSpPr>
-          <p:nvPr>
-            <p:ph type="title"/>
-          </p:nvPr>
-        </p:nvSpPr>
-        <p:spPr/>
-        <p:txBody>
-          <a:bodyPr/>
-          <a:lstStyle/>
-          <a:p>
-            <a:r>
-              <a:rPr lang="en-US" dirty="0"/>
-              <a:t>Costs of Return on Investment Projections</a:t>
-            </a:r>
-          </a:p>
-        </p:txBody>
-      </p:sp>
-    </p:spTree>
-    <p:extLst>
-      <p:ext uri="{BB962C8B-B14F-4D97-AF65-F5344CB8AC3E}">
-        <p14:creationId xmlns:p14="http://schemas.microsoft.com/office/powerpoint/2010/main" val="1304216357"/>
-      </p:ext>
-    </p:extLst>
-  </p:cSld>
-  <p:clrMapOvr>
-    <a:masterClrMapping/>
-  </p:clrMapOvr>
-  <p:transition spd="slow">
-    <p:fade/>
-  </p:transition>
-  <p:timing>
-    <p:tnLst>
-      <p:par>
-        <p:cTn id="1" dur="indefinite" restart="never" nodeType="tmRoot"/>
-      </p:par>
-    </p:tnLst>
-  </p:timing>
-</p:sld>
-</file>
-
-<file path=ppt/slides/slide8.xml><?xml version="1.0" encoding="utf-8"?>
-<p:sld xmlns:a="http://schemas.openxmlformats.org/drawingml/2006/main" xmlns:r="http://schemas.openxmlformats.org/officeDocument/2006/relationships" xmlns:p="http://schemas.openxmlformats.org/presentationml/2006/main">
-  <p:cSld>
-    <p:spTree>
-      <p:nvGrpSpPr>
-        <p:cNvPr id="1" name=""/>
-        <p:cNvGrpSpPr/>
-        <p:nvPr/>
-      </p:nvGrpSpPr>
-      <p:grpSpPr>
-        <a:xfrm>
-          <a:off x="0" y="0"/>
-          <a:ext cx="0" cy="0"/>
-          <a:chOff x="0" y="0"/>
-          <a:chExt cx="0" cy="0"/>
-        </a:xfrm>
-      </p:grpSpPr>
-      <p:sp>
-        <p:nvSpPr>
-          <p:cNvPr id="8" name="Content Placeholder 7"/>
-          <p:cNvSpPr>
-            <a:spLocks noGrp="1"/>
-          </p:cNvSpPr>
-          <p:nvPr>
-            <p:ph idx="1"/>
-          </p:nvPr>
-        </p:nvSpPr>
-        <p:spPr/>
-        <p:txBody>
-          <a:bodyPr/>
-          <a:lstStyle/>
-          <a:p>
-            <a:r>
-              <a:rPr lang="en-US" dirty="0"/>
-              <a:t>Terms and conditions #1</a:t>
-            </a:r>
-          </a:p>
-          <a:p>
-            <a:r>
-              <a:rPr lang="en-US" dirty="0"/>
-              <a:t>Terms and conditions #2</a:t>
-            </a:r>
-          </a:p>
-          <a:p>
-            <a:r>
-              <a:rPr lang="en-US" dirty="0"/>
-              <a:t>Terms and conditions #3</a:t>
-            </a:r>
-          </a:p>
-          <a:p>
-            <a:r>
-              <a:rPr lang="en-US" dirty="0"/>
-              <a:t>Terms and conditions #4</a:t>
-            </a:r>
-          </a:p>
-          <a:p>
-            <a:r>
-              <a:rPr lang="en-US" dirty="0"/>
-              <a:t>Terms and conditions #</a:t>
-            </a:r>
-            <a:r>
-              <a:rPr lang="en-US" dirty="0" smtClean="0"/>
-              <a:t>5</a:t>
-            </a:r>
-            <a:endParaRPr lang="en-US" dirty="0"/>
-          </a:p>
-        </p:txBody>
-      </p:sp>
-      <p:sp>
-        <p:nvSpPr>
-          <p:cNvPr id="2" name="Title 1"/>
-          <p:cNvSpPr>
-            <a:spLocks noGrp="1"/>
-          </p:cNvSpPr>
-          <p:nvPr>
-            <p:ph type="title"/>
-          </p:nvPr>
-        </p:nvSpPr>
-        <p:spPr/>
-        <p:txBody>
-          <a:bodyPr/>
-          <a:lstStyle/>
-          <a:p>
-            <a:r>
-              <a:rPr lang="en-US" dirty="0"/>
-              <a:t>Terms and Conditions</a:t>
-            </a:r>
-          </a:p>
-        </p:txBody>
-      </p:sp>
-    </p:spTree>
-    <p:extLst>
-      <p:ext uri="{BB962C8B-B14F-4D97-AF65-F5344CB8AC3E}">
-        <p14:creationId xmlns:p14="http://schemas.microsoft.com/office/powerpoint/2010/main" val="539272822"/>
-      </p:ext>
-    </p:extLst>
-  </p:cSld>
-  <p:clrMapOvr>
-    <a:masterClrMapping/>
-  </p:clrMapOvr>
-  <p:transition spd="slow">
-    <p:fade/>
-  </p:transition>
-  <p:timing>
-    <p:tnLst>
-      <p:par>
-        <p:cTn id="1" dur="indefinite" restart="never" nodeType="tmRoot"/>
-      </p:par>
-    </p:tnLst>
-  </p:timing>
-</p:sld>
-</file>
-
-<file path=ppt/slides/slide9.xml><?xml version="1.0" encoding="utf-8"?>
-<p:sld xmlns:a="http://schemas.openxmlformats.org/drawingml/2006/main" xmlns:r="http://schemas.openxmlformats.org/officeDocument/2006/relationships" xmlns:p="http://schemas.openxmlformats.org/presentationml/2006/main">
-  <p:cSld>
-    <p:spTree>
-      <p:nvGrpSpPr>
-        <p:cNvPr id="1" name=""/>
-        <p:cNvGrpSpPr/>
-        <p:nvPr/>
-      </p:nvGrpSpPr>
-      <p:grpSpPr>
-        <a:xfrm>
-          <a:off x="0" y="0"/>
-          <a:ext cx="0" cy="0"/>
-          <a:chOff x="0" y="0"/>
-          <a:chExt cx="0" cy="0"/>
-        </a:xfrm>
-      </p:grpSpPr>
-      <p:graphicFrame>
-        <p:nvGraphicFramePr>
-          <p:cNvPr id="3" name="Diagram 2" title="Strategy and schedule graphic"/>
-          <p:cNvGraphicFramePr/>
-          <p:nvPr>
-            <p:extLst>
-              <p:ext uri="{D42A27DB-BD31-4B8C-83A1-F6EECF244321}">
-                <p14:modId xmlns:p14="http://schemas.microsoft.com/office/powerpoint/2010/main" val="1050565563"/>
-              </p:ext>
-            </p:extLst>
-          </p:nvPr>
-        </p:nvGraphicFramePr>
-        <p:xfrm>
-          <a:off x="3420059" y="3429000"/>
-          <a:ext cx="8128000" cy="3429000"/>
-        </p:xfrm>
-        <a:graphic>
-          <a:graphicData uri="http://schemas.openxmlformats.org/drawingml/2006/diagram">
-            <dgm:relIds xmlns:dgm="http://schemas.openxmlformats.org/drawingml/2006/diagram" xmlns:r="http://schemas.openxmlformats.org/officeDocument/2006/relationships" r:dm="rId2" r:lo="rId3" r:qs="rId4" r:cs="rId5"/>
-          </a:graphicData>
-        </a:graphic>
-      </p:graphicFrame>
-      <p:sp>
-        <p:nvSpPr>
-          <p:cNvPr id="6" name="Content Placeholder 5"/>
-          <p:cNvSpPr>
-            <a:spLocks noGrp="1"/>
-          </p:cNvSpPr>
-          <p:nvPr>
-            <p:ph idx="1"/>
-          </p:nvPr>
-        </p:nvSpPr>
-        <p:spPr/>
-        <p:txBody>
-          <a:bodyPr/>
-          <a:lstStyle/>
-          <a:p>
-            <a:r>
-              <a:rPr lang="en-US" smtClean="0"/>
-              <a:t>Strategy</a:t>
-            </a:r>
-          </a:p>
-          <a:p>
-            <a:pPr lvl="1"/>
-            <a:r>
-              <a:rPr lang="en-US" smtClean="0"/>
-              <a:t>Tactic #1</a:t>
-            </a:r>
-          </a:p>
-          <a:p>
-            <a:pPr lvl="1"/>
-            <a:r>
-              <a:rPr lang="en-US" smtClean="0"/>
-              <a:t>Tactic #2</a:t>
-            </a:r>
-          </a:p>
-          <a:p>
-            <a:pPr lvl="1"/>
-            <a:r>
-              <a:rPr lang="en-US" smtClean="0"/>
-              <a:t>Tactic #3</a:t>
-            </a:r>
-          </a:p>
-          <a:p>
-            <a:r>
-              <a:rPr lang="en-US" smtClean="0"/>
-              <a:t>Schedule</a:t>
-            </a:r>
-            <a:endParaRPr lang="en-US" dirty="0"/>
-          </a:p>
-        </p:txBody>
-      </p:sp>
-      <p:sp>
-        <p:nvSpPr>
-          <p:cNvPr id="7" name="Title 6"/>
-          <p:cNvSpPr>
-            <a:spLocks noGrp="1"/>
-          </p:cNvSpPr>
-          <p:nvPr>
-            <p:ph type="title"/>
-          </p:nvPr>
-        </p:nvSpPr>
-        <p:spPr/>
-        <p:txBody>
-          <a:bodyPr/>
-          <a:lstStyle/>
-          <a:p>
-            <a:r>
-              <a:rPr lang="en-US" smtClean="0"/>
-              <a:t>Strategy and Schedule</a:t>
-            </a:r>
-            <a:endParaRPr lang="en-US" dirty="0"/>
-          </a:p>
-        </p:txBody>
-      </p:sp>
-    </p:spTree>
-    <p:extLst>
-      <p:ext uri="{BB962C8B-B14F-4D97-AF65-F5344CB8AC3E}">
-        <p14:creationId xmlns:p14="http://schemas.microsoft.com/office/powerpoint/2010/main" val="3873045866"/>
       </p:ext>
     </p:extLst>
   </p:cSld>
